--- a/Images/Figures_PPT/SARPieWithOutRaptor.pptx
+++ b/Images/Figures_PPT/SARPieWithOutRaptor.pptx
@@ -2292,643 +2292,1932 @@
         </p:sp>
         <p:sp>
           <p:nvSpPr>
-            <p:cNvPr id="5" name="pg4"/>
+            <p:cNvPr id="5" name="rc4"/>
             <p:cNvSpPr/>
             <p:nvPr/>
           </p:nvSpPr>
           <p:spPr>
             <a:xfrm>
-              <a:off x="3089680" y="1922580"/>
-              <a:ext cx="4793286" cy="4793286"/>
+              <a:off x="8470239" y="914400"/>
+              <a:ext cx="0" cy="6400800"/>
+            </a:xfrm>
+            <a:prstGeom prst="rect">
+              <a:avLst/>
+            </a:prstGeom>
+            <a:solidFill>
+              <a:srgbClr val="FFFFFF">
+                <a:alpha val="100000"/>
+              </a:srgbClr>
+            </a:solidFill>
+            <a:ln w="13550" cap="rnd">
+              <a:solidFill>
+                <a:srgbClr val="FFFFFF">
+                  <a:alpha val="100000"/>
+                </a:srgbClr>
+              </a:solidFill>
+              <a:prstDash val="solid"/>
+              <a:round/>
+            </a:ln>
+          </p:spPr>
+          <p:txBody>
+            <a:bodyPr/>
+            <a:lstStyle/>
+            <a:p/>
+          </p:txBody>
+        </p:sp>
+        <p:sp>
+          <p:nvSpPr>
+            <p:cNvPr id="6" name="rc5"/>
+            <p:cNvSpPr/>
+            <p:nvPr/>
+          </p:nvSpPr>
+          <p:spPr>
+            <a:xfrm>
+              <a:off x="2792221" y="1392990"/>
+              <a:ext cx="5608429" cy="5608429"/>
+            </a:xfrm>
+            <a:prstGeom prst="rect">
+              <a:avLst/>
+            </a:prstGeom>
+            <a:solidFill>
+              <a:srgbClr val="FFFFFF">
+                <a:alpha val="100000"/>
+              </a:srgbClr>
+            </a:solidFill>
+          </p:spPr>
+          <p:txBody>
+            <a:bodyPr/>
+            <a:lstStyle/>
+            <a:p/>
+          </p:txBody>
+        </p:sp>
+        <p:sp>
+          <p:nvSpPr>
+            <p:cNvPr id="7" name="pl6"/>
+            <p:cNvSpPr/>
+            <p:nvPr/>
+          </p:nvSpPr>
+          <p:spPr>
+            <a:xfrm>
+              <a:off x="5596435" y="1673411"/>
+              <a:ext cx="0" cy="2523793"/>
             </a:xfrm>
             <a:custGeom>
               <a:avLst/>
               <a:pathLst>
-                <a:path w="4793286" h="4793286">
+                <a:path w="0" h="2523793">
                   <a:moveTo>
-                    <a:pt x="2396719" y="2396719"/>
+                    <a:pt x="0" y="2523793"/>
                   </a:moveTo>
                   <a:lnTo>
-                    <a:pt x="2317891" y="2371892"/>
-                  </a:lnTo>
-                  <a:lnTo>
-                    <a:pt x="2239063" y="2347065"/>
-                  </a:lnTo>
-                  <a:lnTo>
-                    <a:pt x="2160234" y="2322237"/>
-                  </a:lnTo>
-                  <a:lnTo>
-                    <a:pt x="2081406" y="2297410"/>
-                  </a:lnTo>
-                  <a:lnTo>
-                    <a:pt x="2002578" y="2272583"/>
-                  </a:lnTo>
-                  <a:lnTo>
-                    <a:pt x="1923750" y="2247756"/>
-                  </a:lnTo>
-                  <a:lnTo>
-                    <a:pt x="1844922" y="2222928"/>
-                  </a:lnTo>
-                  <a:lnTo>
-                    <a:pt x="1766093" y="2198101"/>
-                  </a:lnTo>
-                  <a:lnTo>
-                    <a:pt x="1687265" y="2173274"/>
-                  </a:lnTo>
-                  <a:lnTo>
-                    <a:pt x="1608437" y="2148447"/>
-                  </a:lnTo>
-                  <a:lnTo>
-                    <a:pt x="1529609" y="2123619"/>
-                  </a:lnTo>
-                  <a:lnTo>
-                    <a:pt x="1450781" y="2098792"/>
-                  </a:lnTo>
-                  <a:lnTo>
-                    <a:pt x="1371952" y="2073965"/>
-                  </a:lnTo>
-                  <a:lnTo>
-                    <a:pt x="1293124" y="2049138"/>
-                  </a:lnTo>
-                  <a:lnTo>
-                    <a:pt x="1214296" y="2024311"/>
-                  </a:lnTo>
-                  <a:lnTo>
-                    <a:pt x="1135468" y="1999483"/>
-                  </a:lnTo>
-                  <a:lnTo>
-                    <a:pt x="1056639" y="1974656"/>
-                  </a:lnTo>
-                  <a:lnTo>
-                    <a:pt x="977811" y="1949829"/>
-                  </a:lnTo>
-                  <a:lnTo>
-                    <a:pt x="898983" y="1925002"/>
-                  </a:lnTo>
-                  <a:lnTo>
-                    <a:pt x="820155" y="1900174"/>
-                  </a:lnTo>
-                  <a:lnTo>
-                    <a:pt x="741327" y="1875347"/>
-                  </a:lnTo>
-                  <a:lnTo>
-                    <a:pt x="662498" y="1850520"/>
-                  </a:lnTo>
-                  <a:lnTo>
-                    <a:pt x="583670" y="1825693"/>
-                  </a:lnTo>
-                  <a:lnTo>
-                    <a:pt x="504842" y="1800865"/>
-                  </a:lnTo>
-                  <a:lnTo>
-                    <a:pt x="426014" y="1776038"/>
-                  </a:lnTo>
-                  <a:lnTo>
-                    <a:pt x="347186" y="1751211"/>
-                  </a:lnTo>
-                  <a:lnTo>
-                    <a:pt x="268357" y="1726384"/>
-                  </a:lnTo>
-                  <a:lnTo>
-                    <a:pt x="189529" y="1701556"/>
-                  </a:lnTo>
-                  <a:lnTo>
-                    <a:pt x="110701" y="1676729"/>
-                  </a:lnTo>
-                  <a:lnTo>
-                    <a:pt x="87610" y="1754629"/>
-                  </a:lnTo>
-                  <a:lnTo>
-                    <a:pt x="67173" y="1833266"/>
-                  </a:lnTo>
-                  <a:lnTo>
-                    <a:pt x="49413" y="1912551"/>
-                  </a:lnTo>
-                  <a:lnTo>
-                    <a:pt x="34351" y="1992393"/>
-                  </a:lnTo>
-                  <a:lnTo>
-                    <a:pt x="22003" y="2072699"/>
-                  </a:lnTo>
-                  <a:lnTo>
-                    <a:pt x="12385" y="2153378"/>
-                  </a:lnTo>
-                  <a:lnTo>
-                    <a:pt x="5507" y="2234336"/>
-                  </a:lnTo>
-                  <a:lnTo>
-                    <a:pt x="1377" y="2315481"/>
-                  </a:lnTo>
-                  <a:lnTo>
-                    <a:pt x="0" y="2396719"/>
-                  </a:lnTo>
-                  <a:lnTo>
-                    <a:pt x="1377" y="2477957"/>
-                  </a:lnTo>
-                  <a:lnTo>
-                    <a:pt x="5507" y="2559102"/>
-                  </a:lnTo>
-                  <a:lnTo>
-                    <a:pt x="12385" y="2640060"/>
-                  </a:lnTo>
-                  <a:lnTo>
-                    <a:pt x="22003" y="2720739"/>
-                  </a:lnTo>
-                  <a:lnTo>
-                    <a:pt x="34351" y="2801045"/>
-                  </a:lnTo>
-                  <a:lnTo>
-                    <a:pt x="49413" y="2880887"/>
-                  </a:lnTo>
-                  <a:lnTo>
-                    <a:pt x="67173" y="2960172"/>
-                  </a:lnTo>
-                  <a:lnTo>
-                    <a:pt x="87610" y="3038809"/>
-                  </a:lnTo>
-                  <a:lnTo>
-                    <a:pt x="110701" y="3116709"/>
-                  </a:lnTo>
-                  <a:lnTo>
-                    <a:pt x="136419" y="3193781"/>
-                  </a:lnTo>
-                  <a:lnTo>
-                    <a:pt x="164735" y="3269937"/>
-                  </a:lnTo>
-                  <a:lnTo>
-                    <a:pt x="195615" y="3345090"/>
-                  </a:lnTo>
-                  <a:lnTo>
-                    <a:pt x="229026" y="3419153"/>
-                  </a:lnTo>
-                  <a:lnTo>
-                    <a:pt x="264927" y="3492041"/>
-                  </a:lnTo>
-                  <a:lnTo>
-                    <a:pt x="303279" y="3563669"/>
-                  </a:lnTo>
-                  <a:lnTo>
-                    <a:pt x="344036" y="3633957"/>
-                  </a:lnTo>
-                  <a:lnTo>
-                    <a:pt x="387153" y="3702823"/>
-                  </a:lnTo>
-                  <a:lnTo>
-                    <a:pt x="432579" y="3770188"/>
-                  </a:lnTo>
-                  <a:lnTo>
-                    <a:pt x="480262" y="3835975"/>
-                  </a:lnTo>
-                  <a:lnTo>
-                    <a:pt x="530147" y="3900107"/>
-                  </a:lnTo>
-                  <a:lnTo>
-                    <a:pt x="582178" y="3962512"/>
-                  </a:lnTo>
-                  <a:lnTo>
-                    <a:pt x="636294" y="4023117"/>
-                  </a:lnTo>
-                  <a:lnTo>
-                    <a:pt x="692434" y="4081853"/>
-                  </a:lnTo>
-                  <a:lnTo>
-                    <a:pt x="750532" y="4138652"/>
-                  </a:lnTo>
-                  <a:lnTo>
-                    <a:pt x="810521" y="4193450"/>
-                  </a:lnTo>
-                  <a:lnTo>
-                    <a:pt x="872334" y="4246183"/>
-                  </a:lnTo>
-                  <a:lnTo>
-                    <a:pt x="935899" y="4296790"/>
-                  </a:lnTo>
-                  <a:lnTo>
-                    <a:pt x="1001142" y="4345213"/>
-                  </a:lnTo>
-                  <a:lnTo>
-                    <a:pt x="1067989" y="4391398"/>
-                  </a:lnTo>
-                  <a:lnTo>
-                    <a:pt x="1136364" y="4435289"/>
-                  </a:lnTo>
-                  <a:lnTo>
-                    <a:pt x="1206186" y="4476839"/>
-                  </a:lnTo>
-                  <a:lnTo>
-                    <a:pt x="1277377" y="4515997"/>
-                  </a:lnTo>
-                  <a:lnTo>
-                    <a:pt x="1349855" y="4552720"/>
-                  </a:lnTo>
-                  <a:lnTo>
-                    <a:pt x="1423535" y="4586965"/>
-                  </a:lnTo>
-                  <a:lnTo>
-                    <a:pt x="1498334" y="4618693"/>
-                  </a:lnTo>
-                  <a:lnTo>
-                    <a:pt x="1574165" y="4647868"/>
-                  </a:lnTo>
-                  <a:lnTo>
-                    <a:pt x="1650942" y="4674455"/>
-                  </a:lnTo>
-                  <a:lnTo>
-                    <a:pt x="1728576" y="4698425"/>
-                  </a:lnTo>
-                  <a:lnTo>
-                    <a:pt x="1806977" y="4719749"/>
-                  </a:lnTo>
-                  <a:lnTo>
-                    <a:pt x="1886057" y="4738404"/>
-                  </a:lnTo>
-                  <a:lnTo>
-                    <a:pt x="1965723" y="4754368"/>
-                  </a:lnTo>
-                  <a:lnTo>
-                    <a:pt x="2045885" y="4767622"/>
-                  </a:lnTo>
-                  <a:lnTo>
-                    <a:pt x="2126449" y="4778151"/>
-                  </a:lnTo>
-                  <a:lnTo>
-                    <a:pt x="2207325" y="4785944"/>
-                  </a:lnTo>
-                  <a:lnTo>
-                    <a:pt x="2288418" y="4790991"/>
-                  </a:lnTo>
-                  <a:lnTo>
-                    <a:pt x="2369635" y="4793286"/>
-                  </a:lnTo>
-                  <a:lnTo>
-                    <a:pt x="2450884" y="4792827"/>
-                  </a:lnTo>
-                  <a:lnTo>
-                    <a:pt x="2532070" y="4789614"/>
-                  </a:lnTo>
-                  <a:lnTo>
-                    <a:pt x="2613101" y="4783651"/>
-                  </a:lnTo>
-                  <a:lnTo>
-                    <a:pt x="2693883" y="4774945"/>
-                  </a:lnTo>
-                  <a:lnTo>
-                    <a:pt x="2774324" y="4763506"/>
-                  </a:lnTo>
-                  <a:lnTo>
-                    <a:pt x="2854330" y="4749347"/>
-                  </a:lnTo>
-                  <a:lnTo>
-                    <a:pt x="2933811" y="4732484"/>
-                  </a:lnTo>
-                  <a:lnTo>
-                    <a:pt x="3012674" y="4712937"/>
-                  </a:lnTo>
-                  <a:lnTo>
-                    <a:pt x="3090830" y="4690728"/>
-                  </a:lnTo>
-                  <a:lnTo>
-                    <a:pt x="3168188" y="4665882"/>
-                  </a:lnTo>
-                  <a:lnTo>
-                    <a:pt x="3244659" y="4638429"/>
-                  </a:lnTo>
-                  <a:lnTo>
-                    <a:pt x="3320156" y="4608399"/>
-                  </a:lnTo>
-                  <a:lnTo>
-                    <a:pt x="3394592" y="4575828"/>
-                  </a:lnTo>
-                  <a:lnTo>
-                    <a:pt x="3467880" y="4540752"/>
-                  </a:lnTo>
-                  <a:lnTo>
-                    <a:pt x="3539938" y="4503213"/>
-                  </a:lnTo>
-                  <a:lnTo>
-                    <a:pt x="3610682" y="4463252"/>
-                  </a:lnTo>
-                  <a:lnTo>
-                    <a:pt x="3680031" y="4420917"/>
-                  </a:lnTo>
-                  <a:lnTo>
-                    <a:pt x="3747905" y="4376255"/>
-                  </a:lnTo>
-                  <a:lnTo>
-                    <a:pt x="3814226" y="4329318"/>
-                  </a:lnTo>
-                  <a:lnTo>
-                    <a:pt x="3878918" y="4280161"/>
-                  </a:lnTo>
-                  <a:lnTo>
-                    <a:pt x="3941907" y="4228838"/>
-                  </a:lnTo>
-                  <a:lnTo>
-                    <a:pt x="4003119" y="4175410"/>
-                  </a:lnTo>
-                  <a:lnTo>
-                    <a:pt x="4062486" y="4119938"/>
-                  </a:lnTo>
-                  <a:lnTo>
-                    <a:pt x="4119938" y="4062486"/>
-                  </a:lnTo>
-                  <a:lnTo>
-                    <a:pt x="4175410" y="4003119"/>
-                  </a:lnTo>
-                  <a:lnTo>
-                    <a:pt x="4228838" y="3941907"/>
-                  </a:lnTo>
-                  <a:lnTo>
-                    <a:pt x="4280161" y="3878918"/>
-                  </a:lnTo>
-                  <a:lnTo>
-                    <a:pt x="4329318" y="3814226"/>
-                  </a:lnTo>
-                  <a:lnTo>
-                    <a:pt x="4376255" y="3747905"/>
-                  </a:lnTo>
-                  <a:lnTo>
-                    <a:pt x="4420917" y="3680031"/>
-                  </a:lnTo>
-                  <a:lnTo>
-                    <a:pt x="4463252" y="3610682"/>
-                  </a:lnTo>
-                  <a:lnTo>
-                    <a:pt x="4503213" y="3539938"/>
-                  </a:lnTo>
-                  <a:lnTo>
-                    <a:pt x="4540752" y="3467880"/>
-                  </a:lnTo>
-                  <a:lnTo>
-                    <a:pt x="4575828" y="3394592"/>
-                  </a:lnTo>
-                  <a:lnTo>
-                    <a:pt x="4608399" y="3320156"/>
-                  </a:lnTo>
-                  <a:lnTo>
-                    <a:pt x="4638429" y="3244659"/>
-                  </a:lnTo>
-                  <a:lnTo>
-                    <a:pt x="4665882" y="3168188"/>
-                  </a:lnTo>
-                  <a:lnTo>
-                    <a:pt x="4690728" y="3090830"/>
-                  </a:lnTo>
-                  <a:lnTo>
-                    <a:pt x="4712937" y="3012674"/>
-                  </a:lnTo>
-                  <a:lnTo>
-                    <a:pt x="4732484" y="2933811"/>
-                  </a:lnTo>
-                  <a:lnTo>
-                    <a:pt x="4749347" y="2854330"/>
-                  </a:lnTo>
-                  <a:lnTo>
-                    <a:pt x="4763506" y="2774324"/>
-                  </a:lnTo>
-                  <a:lnTo>
-                    <a:pt x="4774945" y="2693883"/>
-                  </a:lnTo>
-                  <a:lnTo>
-                    <a:pt x="4783651" y="2613101"/>
-                  </a:lnTo>
-                  <a:lnTo>
-                    <a:pt x="4789614" y="2532070"/>
-                  </a:lnTo>
-                  <a:lnTo>
-                    <a:pt x="4792827" y="2450884"/>
-                  </a:lnTo>
-                  <a:lnTo>
-                    <a:pt x="4793286" y="2369635"/>
-                  </a:lnTo>
-                  <a:lnTo>
-                    <a:pt x="4790991" y="2288418"/>
-                  </a:lnTo>
-                  <a:lnTo>
-                    <a:pt x="4785944" y="2207325"/>
-                  </a:lnTo>
-                  <a:lnTo>
-                    <a:pt x="4778151" y="2126449"/>
-                  </a:lnTo>
-                  <a:lnTo>
-                    <a:pt x="4767622" y="2045885"/>
-                  </a:lnTo>
-                  <a:lnTo>
-                    <a:pt x="4754368" y="1965723"/>
-                  </a:lnTo>
-                  <a:lnTo>
-                    <a:pt x="4738404" y="1886057"/>
-                  </a:lnTo>
-                  <a:lnTo>
-                    <a:pt x="4719749" y="1806977"/>
-                  </a:lnTo>
-                  <a:lnTo>
-                    <a:pt x="4698425" y="1728576"/>
-                  </a:lnTo>
-                  <a:lnTo>
-                    <a:pt x="4674455" y="1650942"/>
-                  </a:lnTo>
-                  <a:lnTo>
-                    <a:pt x="4647868" y="1574165"/>
-                  </a:lnTo>
-                  <a:lnTo>
-                    <a:pt x="4618693" y="1498334"/>
-                  </a:lnTo>
-                  <a:lnTo>
-                    <a:pt x="4586965" y="1423535"/>
-                  </a:lnTo>
-                  <a:lnTo>
-                    <a:pt x="4552720" y="1349855"/>
-                  </a:lnTo>
-                  <a:lnTo>
-                    <a:pt x="4515997" y="1277377"/>
-                  </a:lnTo>
-                  <a:lnTo>
-                    <a:pt x="4476839" y="1206186"/>
-                  </a:lnTo>
-                  <a:lnTo>
-                    <a:pt x="4435289" y="1136364"/>
-                  </a:lnTo>
-                  <a:lnTo>
-                    <a:pt x="4391398" y="1067989"/>
-                  </a:lnTo>
-                  <a:lnTo>
-                    <a:pt x="4345213" y="1001142"/>
-                  </a:lnTo>
-                  <a:lnTo>
-                    <a:pt x="4296790" y="935899"/>
-                  </a:lnTo>
-                  <a:lnTo>
-                    <a:pt x="4246183" y="872334"/>
-                  </a:lnTo>
-                  <a:lnTo>
-                    <a:pt x="4193450" y="810521"/>
-                  </a:lnTo>
-                  <a:lnTo>
-                    <a:pt x="4138652" y="750532"/>
-                  </a:lnTo>
-                  <a:lnTo>
-                    <a:pt x="4081853" y="692434"/>
-                  </a:lnTo>
-                  <a:lnTo>
-                    <a:pt x="4023117" y="636294"/>
-                  </a:lnTo>
-                  <a:lnTo>
-                    <a:pt x="3962512" y="582178"/>
-                  </a:lnTo>
-                  <a:lnTo>
-                    <a:pt x="3900107" y="530147"/>
-                  </a:lnTo>
-                  <a:lnTo>
-                    <a:pt x="3835975" y="480262"/>
-                  </a:lnTo>
-                  <a:lnTo>
-                    <a:pt x="3770188" y="432579"/>
-                  </a:lnTo>
-                  <a:lnTo>
-                    <a:pt x="3702823" y="387153"/>
-                  </a:lnTo>
-                  <a:lnTo>
-                    <a:pt x="3633957" y="344036"/>
-                  </a:lnTo>
-                  <a:lnTo>
-                    <a:pt x="3563669" y="303279"/>
-                  </a:lnTo>
-                  <a:lnTo>
-                    <a:pt x="3492041" y="264927"/>
-                  </a:lnTo>
-                  <a:lnTo>
-                    <a:pt x="3419153" y="229026"/>
-                  </a:lnTo>
-                  <a:lnTo>
-                    <a:pt x="3345090" y="195615"/>
-                  </a:lnTo>
-                  <a:lnTo>
-                    <a:pt x="3269937" y="164735"/>
-                  </a:lnTo>
-                  <a:lnTo>
-                    <a:pt x="3193781" y="136419"/>
-                  </a:lnTo>
-                  <a:lnTo>
-                    <a:pt x="3116709" y="110701"/>
-                  </a:lnTo>
-                  <a:lnTo>
-                    <a:pt x="3038809" y="87610"/>
-                  </a:lnTo>
-                  <a:lnTo>
-                    <a:pt x="2960172" y="67173"/>
-                  </a:lnTo>
-                  <a:lnTo>
-                    <a:pt x="2880887" y="49413"/>
-                  </a:lnTo>
-                  <a:lnTo>
-                    <a:pt x="2801045" y="34351"/>
-                  </a:lnTo>
-                  <a:lnTo>
-                    <a:pt x="2720739" y="22003"/>
-                  </a:lnTo>
-                  <a:lnTo>
-                    <a:pt x="2640060" y="12385"/>
-                  </a:lnTo>
-                  <a:lnTo>
-                    <a:pt x="2559102" y="5507"/>
-                  </a:lnTo>
-                  <a:lnTo>
-                    <a:pt x="2477957" y="1377"/>
-                  </a:lnTo>
-                  <a:lnTo>
-                    <a:pt x="2396719" y="0"/>
-                  </a:lnTo>
-                  <a:lnTo>
-                    <a:pt x="2396719" y="82645"/>
-                  </a:lnTo>
-                  <a:lnTo>
-                    <a:pt x="2396719" y="165291"/>
-                  </a:lnTo>
-                  <a:lnTo>
-                    <a:pt x="2396719" y="247936"/>
-                  </a:lnTo>
-                  <a:lnTo>
-                    <a:pt x="2396719" y="330582"/>
-                  </a:lnTo>
-                  <a:lnTo>
-                    <a:pt x="2396719" y="413227"/>
-                  </a:lnTo>
-                  <a:lnTo>
-                    <a:pt x="2396719" y="495873"/>
-                  </a:lnTo>
-                  <a:lnTo>
-                    <a:pt x="2396719" y="578518"/>
-                  </a:lnTo>
-                  <a:lnTo>
-                    <a:pt x="2396719" y="661164"/>
-                  </a:lnTo>
-                  <a:lnTo>
-                    <a:pt x="2396719" y="743809"/>
-                  </a:lnTo>
-                  <a:lnTo>
-                    <a:pt x="2396719" y="826455"/>
-                  </a:lnTo>
-                  <a:lnTo>
-                    <a:pt x="2396719" y="909100"/>
-                  </a:lnTo>
-                  <a:lnTo>
-                    <a:pt x="2396719" y="991746"/>
-                  </a:lnTo>
-                  <a:lnTo>
-                    <a:pt x="2396719" y="1074391"/>
-                  </a:lnTo>
-                  <a:lnTo>
-                    <a:pt x="2396719" y="1157037"/>
-                  </a:lnTo>
-                  <a:lnTo>
-                    <a:pt x="2396719" y="1239682"/>
-                  </a:lnTo>
-                  <a:lnTo>
-                    <a:pt x="2396719" y="1322328"/>
-                  </a:lnTo>
-                  <a:lnTo>
-                    <a:pt x="2396719" y="1404973"/>
-                  </a:lnTo>
-                  <a:lnTo>
-                    <a:pt x="2396719" y="1487619"/>
-                  </a:lnTo>
-                  <a:lnTo>
-                    <a:pt x="2396719" y="1570264"/>
-                  </a:lnTo>
-                  <a:lnTo>
-                    <a:pt x="2396719" y="1652910"/>
-                  </a:lnTo>
-                  <a:lnTo>
-                    <a:pt x="2396719" y="1735555"/>
-                  </a:lnTo>
-                  <a:lnTo>
-                    <a:pt x="2396719" y="1818201"/>
-                  </a:lnTo>
-                  <a:lnTo>
-                    <a:pt x="2396719" y="1900846"/>
-                  </a:lnTo>
-                  <a:lnTo>
-                    <a:pt x="2396719" y="1983492"/>
-                  </a:lnTo>
-                  <a:lnTo>
-                    <a:pt x="2396719" y="2066137"/>
-                  </a:lnTo>
-                  <a:lnTo>
-                    <a:pt x="2396719" y="2148783"/>
-                  </a:lnTo>
-                  <a:lnTo>
-                    <a:pt x="2396719" y="2231428"/>
-                  </a:lnTo>
-                  <a:lnTo>
-                    <a:pt x="2396719" y="2314074"/>
+                    <a:pt x="0" y="0"/>
+                  </a:lnTo>
+                </a:path>
+              </a:pathLst>
+            </a:custGeom>
+            <a:ln w="13550" cap="flat">
+              <a:solidFill>
+                <a:srgbClr val="EBEBEB">
+                  <a:alpha val="100000"/>
+                </a:srgbClr>
+              </a:solidFill>
+              <a:prstDash val="solid"/>
+              <a:round/>
+            </a:ln>
+          </p:spPr>
+          <p:txBody>
+            <a:bodyPr/>
+            <a:lstStyle/>
+            <a:p/>
+          </p:txBody>
+        </p:sp>
+        <p:sp>
+          <p:nvSpPr>
+            <p:cNvPr id="8" name="pl7"/>
+            <p:cNvSpPr/>
+            <p:nvPr/>
+          </p:nvSpPr>
+          <p:spPr>
+            <a:xfrm>
+              <a:off x="5596435" y="4197204"/>
+              <a:ext cx="2523793" cy="0"/>
+            </a:xfrm>
+            <a:custGeom>
+              <a:avLst/>
+              <a:pathLst>
+                <a:path w="2523793" h="0">
+                  <a:moveTo>
+                    <a:pt x="0" y="0"/>
+                  </a:moveTo>
+                  <a:lnTo>
+                    <a:pt x="2523793" y="0"/>
+                  </a:lnTo>
+                </a:path>
+              </a:pathLst>
+            </a:custGeom>
+            <a:ln w="13550" cap="flat">
+              <a:solidFill>
+                <a:srgbClr val="EBEBEB">
+                  <a:alpha val="100000"/>
+                </a:srgbClr>
+              </a:solidFill>
+              <a:prstDash val="solid"/>
+              <a:round/>
+            </a:ln>
+          </p:spPr>
+          <p:txBody>
+            <a:bodyPr/>
+            <a:lstStyle/>
+            <a:p/>
+          </p:txBody>
+        </p:sp>
+        <p:sp>
+          <p:nvSpPr>
+            <p:cNvPr id="9" name="pl8"/>
+            <p:cNvSpPr/>
+            <p:nvPr/>
+          </p:nvSpPr>
+          <p:spPr>
+            <a:xfrm>
+              <a:off x="5596435" y="4197204"/>
+              <a:ext cx="0" cy="2523793"/>
+            </a:xfrm>
+            <a:custGeom>
+              <a:avLst/>
+              <a:pathLst>
+                <a:path w="0" h="2523793">
+                  <a:moveTo>
+                    <a:pt x="0" y="0"/>
+                  </a:moveTo>
+                  <a:lnTo>
+                    <a:pt x="0" y="2523793"/>
+                  </a:lnTo>
+                </a:path>
+              </a:pathLst>
+            </a:custGeom>
+            <a:ln w="13550" cap="flat">
+              <a:solidFill>
+                <a:srgbClr val="EBEBEB">
+                  <a:alpha val="100000"/>
+                </a:srgbClr>
+              </a:solidFill>
+              <a:prstDash val="solid"/>
+              <a:round/>
+            </a:ln>
+          </p:spPr>
+          <p:txBody>
+            <a:bodyPr/>
+            <a:lstStyle/>
+            <a:p/>
+          </p:txBody>
+        </p:sp>
+        <p:sp>
+          <p:nvSpPr>
+            <p:cNvPr id="10" name="pl9"/>
+            <p:cNvSpPr/>
+            <p:nvPr/>
+          </p:nvSpPr>
+          <p:spPr>
+            <a:xfrm>
+              <a:off x="3072642" y="4197204"/>
+              <a:ext cx="2523793" cy="0"/>
+            </a:xfrm>
+            <a:custGeom>
+              <a:avLst/>
+              <a:pathLst>
+                <a:path w="2523793" h="0">
+                  <a:moveTo>
+                    <a:pt x="2523793" y="0"/>
+                  </a:moveTo>
+                  <a:lnTo>
+                    <a:pt x="0" y="0"/>
+                  </a:lnTo>
+                </a:path>
+              </a:pathLst>
+            </a:custGeom>
+            <a:ln w="13550" cap="flat">
+              <a:solidFill>
+                <a:srgbClr val="EBEBEB">
+                  <a:alpha val="100000"/>
+                </a:srgbClr>
+              </a:solidFill>
+              <a:prstDash val="solid"/>
+              <a:round/>
+            </a:ln>
+          </p:spPr>
+          <p:txBody>
+            <a:bodyPr/>
+            <a:lstStyle/>
+            <a:p/>
+          </p:txBody>
+        </p:sp>
+        <p:sp>
+          <p:nvSpPr>
+            <p:cNvPr id="11" name="pl10"/>
+            <p:cNvSpPr/>
+            <p:nvPr/>
+          </p:nvSpPr>
+          <p:spPr>
+            <a:xfrm>
+              <a:off x="5596435" y="1673411"/>
+              <a:ext cx="0" cy="2523793"/>
+            </a:xfrm>
+            <a:custGeom>
+              <a:avLst/>
+              <a:pathLst>
+                <a:path w="0" h="2523793">
+                  <a:moveTo>
+                    <a:pt x="0" y="2523793"/>
+                  </a:moveTo>
+                  <a:lnTo>
+                    <a:pt x="0" y="0"/>
+                  </a:lnTo>
+                </a:path>
+              </a:pathLst>
+            </a:custGeom>
+            <a:ln w="13550" cap="flat">
+              <a:solidFill>
+                <a:srgbClr val="EBEBEB">
+                  <a:alpha val="100000"/>
+                </a:srgbClr>
+              </a:solidFill>
+              <a:prstDash val="solid"/>
+              <a:round/>
+            </a:ln>
+          </p:spPr>
+          <p:txBody>
+            <a:bodyPr/>
+            <a:lstStyle/>
+            <a:p/>
+          </p:txBody>
+        </p:sp>
+        <p:sp>
+          <p:nvSpPr>
+            <p:cNvPr id="12" name="pl11"/>
+            <p:cNvSpPr/>
+            <p:nvPr/>
+          </p:nvSpPr>
+          <p:spPr>
+            <a:xfrm>
+              <a:off x="5596435" y="1673411"/>
+              <a:ext cx="0" cy="2523793"/>
+            </a:xfrm>
+            <a:custGeom>
+              <a:avLst/>
+              <a:pathLst>
+                <a:path w="0" h="2523793">
+                  <a:moveTo>
+                    <a:pt x="0" y="2523793"/>
+                  </a:moveTo>
+                  <a:lnTo>
+                    <a:pt x="0" y="0"/>
+                  </a:lnTo>
+                </a:path>
+              </a:pathLst>
+            </a:custGeom>
+            <a:ln w="6775" cap="flat">
+              <a:solidFill>
+                <a:srgbClr val="EBEBEB">
+                  <a:alpha val="100000"/>
+                </a:srgbClr>
+              </a:solidFill>
+              <a:prstDash val="solid"/>
+              <a:round/>
+            </a:ln>
+          </p:spPr>
+          <p:txBody>
+            <a:bodyPr/>
+            <a:lstStyle/>
+            <a:p/>
+          </p:txBody>
+        </p:sp>
+        <p:sp>
+          <p:nvSpPr>
+            <p:cNvPr id="13" name="pl12"/>
+            <p:cNvSpPr/>
+            <p:nvPr/>
+          </p:nvSpPr>
+          <p:spPr>
+            <a:xfrm>
+              <a:off x="5596435" y="2412613"/>
+              <a:ext cx="1784591" cy="1784591"/>
+            </a:xfrm>
+            <a:custGeom>
+              <a:avLst/>
+              <a:pathLst>
+                <a:path w="1784591" h="1784591">
+                  <a:moveTo>
+                    <a:pt x="0" y="1784591"/>
+                  </a:moveTo>
+                  <a:lnTo>
+                    <a:pt x="1784591" y="0"/>
+                  </a:lnTo>
+                </a:path>
+              </a:pathLst>
+            </a:custGeom>
+            <a:ln w="6775" cap="flat">
+              <a:solidFill>
+                <a:srgbClr val="EBEBEB">
+                  <a:alpha val="100000"/>
+                </a:srgbClr>
+              </a:solidFill>
+              <a:prstDash val="solid"/>
+              <a:round/>
+            </a:ln>
+          </p:spPr>
+          <p:txBody>
+            <a:bodyPr/>
+            <a:lstStyle/>
+            <a:p/>
+          </p:txBody>
+        </p:sp>
+        <p:sp>
+          <p:nvSpPr>
+            <p:cNvPr id="14" name="pl13"/>
+            <p:cNvSpPr/>
+            <p:nvPr/>
+          </p:nvSpPr>
+          <p:spPr>
+            <a:xfrm>
+              <a:off x="5596435" y="4197204"/>
+              <a:ext cx="2523793" cy="0"/>
+            </a:xfrm>
+            <a:custGeom>
+              <a:avLst/>
+              <a:pathLst>
+                <a:path w="2523793" h="0">
+                  <a:moveTo>
+                    <a:pt x="0" y="0"/>
+                  </a:moveTo>
+                  <a:lnTo>
+                    <a:pt x="2523793" y="0"/>
+                  </a:lnTo>
+                </a:path>
+              </a:pathLst>
+            </a:custGeom>
+            <a:ln w="6775" cap="flat">
+              <a:solidFill>
+                <a:srgbClr val="EBEBEB">
+                  <a:alpha val="100000"/>
+                </a:srgbClr>
+              </a:solidFill>
+              <a:prstDash val="solid"/>
+              <a:round/>
+            </a:ln>
+          </p:spPr>
+          <p:txBody>
+            <a:bodyPr/>
+            <a:lstStyle/>
+            <a:p/>
+          </p:txBody>
+        </p:sp>
+        <p:sp>
+          <p:nvSpPr>
+            <p:cNvPr id="15" name="pl14"/>
+            <p:cNvSpPr/>
+            <p:nvPr/>
+          </p:nvSpPr>
+          <p:spPr>
+            <a:xfrm>
+              <a:off x="5596435" y="4197204"/>
+              <a:ext cx="1784591" cy="1784591"/>
+            </a:xfrm>
+            <a:custGeom>
+              <a:avLst/>
+              <a:pathLst>
+                <a:path w="1784591" h="1784591">
+                  <a:moveTo>
+                    <a:pt x="0" y="0"/>
+                  </a:moveTo>
+                  <a:lnTo>
+                    <a:pt x="1784591" y="1784591"/>
+                  </a:lnTo>
+                </a:path>
+              </a:pathLst>
+            </a:custGeom>
+            <a:ln w="6775" cap="flat">
+              <a:solidFill>
+                <a:srgbClr val="EBEBEB">
+                  <a:alpha val="100000"/>
+                </a:srgbClr>
+              </a:solidFill>
+              <a:prstDash val="solid"/>
+              <a:round/>
+            </a:ln>
+          </p:spPr>
+          <p:txBody>
+            <a:bodyPr/>
+            <a:lstStyle/>
+            <a:p/>
+          </p:txBody>
+        </p:sp>
+        <p:sp>
+          <p:nvSpPr>
+            <p:cNvPr id="16" name="pl15"/>
+            <p:cNvSpPr/>
+            <p:nvPr/>
+          </p:nvSpPr>
+          <p:spPr>
+            <a:xfrm>
+              <a:off x="5596435" y="4197204"/>
+              <a:ext cx="0" cy="2523793"/>
+            </a:xfrm>
+            <a:custGeom>
+              <a:avLst/>
+              <a:pathLst>
+                <a:path w="0" h="2523793">
+                  <a:moveTo>
+                    <a:pt x="0" y="0"/>
+                  </a:moveTo>
+                  <a:lnTo>
+                    <a:pt x="0" y="2523793"/>
+                  </a:lnTo>
+                </a:path>
+              </a:pathLst>
+            </a:custGeom>
+            <a:ln w="6775" cap="flat">
+              <a:solidFill>
+                <a:srgbClr val="EBEBEB">
+                  <a:alpha val="100000"/>
+                </a:srgbClr>
+              </a:solidFill>
+              <a:prstDash val="solid"/>
+              <a:round/>
+            </a:ln>
+          </p:spPr>
+          <p:txBody>
+            <a:bodyPr/>
+            <a:lstStyle/>
+            <a:p/>
+          </p:txBody>
+        </p:sp>
+        <p:sp>
+          <p:nvSpPr>
+            <p:cNvPr id="17" name="pl16"/>
+            <p:cNvSpPr/>
+            <p:nvPr/>
+          </p:nvSpPr>
+          <p:spPr>
+            <a:xfrm>
+              <a:off x="3811844" y="4197204"/>
+              <a:ext cx="1784591" cy="1784591"/>
+            </a:xfrm>
+            <a:custGeom>
+              <a:avLst/>
+              <a:pathLst>
+                <a:path w="1784591" h="1784591">
+                  <a:moveTo>
+                    <a:pt x="1784591" y="0"/>
+                  </a:moveTo>
+                  <a:lnTo>
+                    <a:pt x="0" y="1784591"/>
+                  </a:lnTo>
+                </a:path>
+              </a:pathLst>
+            </a:custGeom>
+            <a:ln w="6775" cap="flat">
+              <a:solidFill>
+                <a:srgbClr val="EBEBEB">
+                  <a:alpha val="100000"/>
+                </a:srgbClr>
+              </a:solidFill>
+              <a:prstDash val="solid"/>
+              <a:round/>
+            </a:ln>
+          </p:spPr>
+          <p:txBody>
+            <a:bodyPr/>
+            <a:lstStyle/>
+            <a:p/>
+          </p:txBody>
+        </p:sp>
+        <p:sp>
+          <p:nvSpPr>
+            <p:cNvPr id="18" name="pl17"/>
+            <p:cNvSpPr/>
+            <p:nvPr/>
+          </p:nvSpPr>
+          <p:spPr>
+            <a:xfrm>
+              <a:off x="3072642" y="4197204"/>
+              <a:ext cx="2523793" cy="0"/>
+            </a:xfrm>
+            <a:custGeom>
+              <a:avLst/>
+              <a:pathLst>
+                <a:path w="2523793" h="0">
+                  <a:moveTo>
+                    <a:pt x="2523793" y="0"/>
+                  </a:moveTo>
+                  <a:lnTo>
+                    <a:pt x="0" y="0"/>
+                  </a:lnTo>
+                </a:path>
+              </a:pathLst>
+            </a:custGeom>
+            <a:ln w="6775" cap="flat">
+              <a:solidFill>
+                <a:srgbClr val="EBEBEB">
+                  <a:alpha val="100000"/>
+                </a:srgbClr>
+              </a:solidFill>
+              <a:prstDash val="solid"/>
+              <a:round/>
+            </a:ln>
+          </p:spPr>
+          <p:txBody>
+            <a:bodyPr/>
+            <a:lstStyle/>
+            <a:p/>
+          </p:txBody>
+        </p:sp>
+        <p:sp>
+          <p:nvSpPr>
+            <p:cNvPr id="19" name="pl18"/>
+            <p:cNvSpPr/>
+            <p:nvPr/>
+          </p:nvSpPr>
+          <p:spPr>
+            <a:xfrm>
+              <a:off x="3811844" y="2412613"/>
+              <a:ext cx="1784591" cy="1784591"/>
+            </a:xfrm>
+            <a:custGeom>
+              <a:avLst/>
+              <a:pathLst>
+                <a:path w="1784591" h="1784591">
+                  <a:moveTo>
+                    <a:pt x="1784591" y="1784591"/>
+                  </a:moveTo>
+                  <a:lnTo>
+                    <a:pt x="0" y="0"/>
+                  </a:lnTo>
+                </a:path>
+              </a:pathLst>
+            </a:custGeom>
+            <a:ln w="6775" cap="flat">
+              <a:solidFill>
+                <a:srgbClr val="EBEBEB">
+                  <a:alpha val="100000"/>
+                </a:srgbClr>
+              </a:solidFill>
+              <a:prstDash val="solid"/>
+              <a:round/>
+            </a:ln>
+          </p:spPr>
+          <p:txBody>
+            <a:bodyPr/>
+            <a:lstStyle/>
+            <a:p/>
+          </p:txBody>
+        </p:sp>
+        <p:sp>
+          <p:nvSpPr>
+            <p:cNvPr id="20" name="pl19"/>
+            <p:cNvSpPr/>
+            <p:nvPr/>
+          </p:nvSpPr>
+          <p:spPr>
+            <a:xfrm>
+              <a:off x="5596435" y="1673411"/>
+              <a:ext cx="0" cy="2523793"/>
+            </a:xfrm>
+            <a:custGeom>
+              <a:avLst/>
+              <a:pathLst>
+                <a:path w="0" h="2523793">
+                  <a:moveTo>
+                    <a:pt x="0" y="2523793"/>
+                  </a:moveTo>
+                  <a:lnTo>
+                    <a:pt x="0" y="0"/>
+                  </a:lnTo>
+                </a:path>
+              </a:pathLst>
+            </a:custGeom>
+            <a:ln w="6775" cap="flat">
+              <a:solidFill>
+                <a:srgbClr val="EBEBEB">
+                  <a:alpha val="100000"/>
+                </a:srgbClr>
+              </a:solidFill>
+              <a:prstDash val="solid"/>
+              <a:round/>
+            </a:ln>
+          </p:spPr>
+          <p:txBody>
+            <a:bodyPr/>
+            <a:lstStyle/>
+            <a:p/>
+          </p:txBody>
+        </p:sp>
+        <p:sp>
+          <p:nvSpPr>
+            <p:cNvPr id="21" name="pl20"/>
+            <p:cNvSpPr/>
+            <p:nvPr/>
+          </p:nvSpPr>
+          <p:spPr>
+            <a:xfrm>
+              <a:off x="4474891" y="3075518"/>
+              <a:ext cx="2243089" cy="2242807"/>
+            </a:xfrm>
+            <a:custGeom>
+              <a:avLst/>
+              <a:pathLst>
+                <a:path w="2243089" h="2242807">
+                  <a:moveTo>
+                    <a:pt x="1121544" y="0"/>
+                  </a:moveTo>
+                  <a:lnTo>
+                    <a:pt x="1192686" y="2258"/>
+                  </a:lnTo>
+                  <a:lnTo>
+                    <a:pt x="1263541" y="9024"/>
+                  </a:lnTo>
+                  <a:lnTo>
+                    <a:pt x="1333825" y="20270"/>
+                  </a:lnTo>
+                  <a:lnTo>
+                    <a:pt x="1403253" y="35951"/>
+                  </a:lnTo>
+                  <a:lnTo>
+                    <a:pt x="1471548" y="56004"/>
+                  </a:lnTo>
+                  <a:lnTo>
+                    <a:pt x="1538433" y="80348"/>
+                  </a:lnTo>
+                  <a:lnTo>
+                    <a:pt x="1603639" y="108885"/>
+                  </a:lnTo>
+                  <a:lnTo>
+                    <a:pt x="1666904" y="141501"/>
+                  </a:lnTo>
+                  <a:lnTo>
+                    <a:pt x="1727973" y="178063"/>
+                  </a:lnTo>
+                  <a:lnTo>
+                    <a:pt x="1786601" y="218425"/>
+                  </a:lnTo>
+                  <a:lnTo>
+                    <a:pt x="1842550" y="262424"/>
+                  </a:lnTo>
+                  <a:lnTo>
+                    <a:pt x="1895596" y="309883"/>
+                  </a:lnTo>
+                  <a:lnTo>
+                    <a:pt x="1945525" y="360611"/>
+                  </a:lnTo>
+                  <a:lnTo>
+                    <a:pt x="1992137" y="414403"/>
+                  </a:lnTo>
+                  <a:lnTo>
+                    <a:pt x="2035243" y="471044"/>
+                  </a:lnTo>
+                  <a:lnTo>
+                    <a:pt x="2074669" y="530304"/>
+                  </a:lnTo>
+                  <a:lnTo>
+                    <a:pt x="2110258" y="591946"/>
+                  </a:lnTo>
+                  <a:lnTo>
+                    <a:pt x="2141866" y="655720"/>
+                  </a:lnTo>
+                  <a:lnTo>
+                    <a:pt x="2169365" y="721371"/>
+                  </a:lnTo>
+                  <a:lnTo>
+                    <a:pt x="2192645" y="788634"/>
+                  </a:lnTo>
+                  <a:lnTo>
+                    <a:pt x="2211612" y="857238"/>
+                  </a:lnTo>
+                  <a:lnTo>
+                    <a:pt x="2226189" y="926907"/>
+                  </a:lnTo>
+                  <a:lnTo>
+                    <a:pt x="2236319" y="997360"/>
+                  </a:lnTo>
+                  <a:lnTo>
+                    <a:pt x="2241960" y="1068313"/>
+                  </a:lnTo>
+                  <a:lnTo>
+                    <a:pt x="2243089" y="1139482"/>
+                  </a:lnTo>
+                  <a:lnTo>
+                    <a:pt x="2239702" y="1210579"/>
+                  </a:lnTo>
+                  <a:lnTo>
+                    <a:pt x="2231813" y="1281318"/>
+                  </a:lnTo>
+                  <a:lnTo>
+                    <a:pt x="2219453" y="1351414"/>
+                  </a:lnTo>
+                  <a:lnTo>
+                    <a:pt x="2202672" y="1420585"/>
+                  </a:lnTo>
+                  <a:lnTo>
+                    <a:pt x="2181538" y="1488553"/>
+                  </a:lnTo>
+                  <a:lnTo>
+                    <a:pt x="2156136" y="1555043"/>
+                  </a:lnTo>
+                  <a:lnTo>
+                    <a:pt x="2126568" y="1619789"/>
+                  </a:lnTo>
+                  <a:lnTo>
+                    <a:pt x="2092953" y="1682528"/>
+                  </a:lnTo>
+                  <a:lnTo>
+                    <a:pt x="2055426" y="1743010"/>
+                  </a:lnTo>
+                  <a:lnTo>
+                    <a:pt x="2014139" y="1800989"/>
+                  </a:lnTo>
+                  <a:lnTo>
+                    <a:pt x="1969258" y="1856233"/>
+                  </a:lnTo>
+                  <a:lnTo>
+                    <a:pt x="1920963" y="1908520"/>
+                  </a:lnTo>
+                  <a:lnTo>
+                    <a:pt x="1869450" y="1957638"/>
+                  </a:lnTo>
+                  <a:lnTo>
+                    <a:pt x="1814924" y="2003390"/>
+                  </a:lnTo>
+                  <a:lnTo>
+                    <a:pt x="1757607" y="2045592"/>
+                  </a:lnTo>
+                  <a:lnTo>
+                    <a:pt x="1697729" y="2084073"/>
+                  </a:lnTo>
+                  <a:lnTo>
+                    <a:pt x="1635530" y="2118680"/>
+                  </a:lnTo>
+                  <a:lnTo>
+                    <a:pt x="1571262" y="2149271"/>
+                  </a:lnTo>
+                  <a:lnTo>
+                    <a:pt x="1505183" y="2175725"/>
+                  </a:lnTo>
+                  <a:lnTo>
+                    <a:pt x="1437560" y="2197935"/>
+                  </a:lnTo>
+                  <a:lnTo>
+                    <a:pt x="1368663" y="2215811"/>
+                  </a:lnTo>
+                  <a:lnTo>
+                    <a:pt x="1298772" y="2229282"/>
+                  </a:lnTo>
+                  <a:lnTo>
+                    <a:pt x="1228167" y="2238292"/>
+                  </a:lnTo>
+                  <a:lnTo>
+                    <a:pt x="1157133" y="2242807"/>
+                  </a:lnTo>
+                  <a:lnTo>
+                    <a:pt x="1085955" y="2242807"/>
+                  </a:lnTo>
+                  <a:lnTo>
+                    <a:pt x="1014921" y="2238292"/>
+                  </a:lnTo>
+                  <a:lnTo>
+                    <a:pt x="944316" y="2229282"/>
+                  </a:lnTo>
+                  <a:lnTo>
+                    <a:pt x="874425" y="2215811"/>
+                  </a:lnTo>
+                  <a:lnTo>
+                    <a:pt x="805529" y="2197935"/>
+                  </a:lnTo>
+                  <a:lnTo>
+                    <a:pt x="737905" y="2175725"/>
+                  </a:lnTo>
+                  <a:lnTo>
+                    <a:pt x="671826" y="2149271"/>
+                  </a:lnTo>
+                  <a:lnTo>
+                    <a:pt x="607558" y="2118680"/>
+                  </a:lnTo>
+                  <a:lnTo>
+                    <a:pt x="545360" y="2084073"/>
+                  </a:lnTo>
+                  <a:lnTo>
+                    <a:pt x="485481" y="2045592"/>
+                  </a:lnTo>
+                  <a:lnTo>
+                    <a:pt x="428164" y="2003390"/>
+                  </a:lnTo>
+                  <a:lnTo>
+                    <a:pt x="373639" y="1957638"/>
+                  </a:lnTo>
+                  <a:lnTo>
+                    <a:pt x="322125" y="1908520"/>
+                  </a:lnTo>
+                  <a:lnTo>
+                    <a:pt x="273831" y="1856233"/>
+                  </a:lnTo>
+                  <a:lnTo>
+                    <a:pt x="228949" y="1800989"/>
+                  </a:lnTo>
+                  <a:lnTo>
+                    <a:pt x="187662" y="1743010"/>
+                  </a:lnTo>
+                  <a:lnTo>
+                    <a:pt x="150136" y="1682528"/>
+                  </a:lnTo>
+                  <a:lnTo>
+                    <a:pt x="116521" y="1619789"/>
+                  </a:lnTo>
+                  <a:lnTo>
+                    <a:pt x="86952" y="1555043"/>
+                  </a:lnTo>
+                  <a:lnTo>
+                    <a:pt x="61550" y="1488553"/>
+                  </a:lnTo>
+                  <a:lnTo>
+                    <a:pt x="40416" y="1420585"/>
+                  </a:lnTo>
+                  <a:lnTo>
+                    <a:pt x="23635" y="1351414"/>
+                  </a:lnTo>
+                  <a:lnTo>
+                    <a:pt x="11275" y="1281318"/>
+                  </a:lnTo>
+                  <a:lnTo>
+                    <a:pt x="3386" y="1210579"/>
+                  </a:lnTo>
+                  <a:lnTo>
+                    <a:pt x="0" y="1139482"/>
+                  </a:lnTo>
+                  <a:lnTo>
+                    <a:pt x="1129" y="1068313"/>
+                  </a:lnTo>
+                  <a:lnTo>
+                    <a:pt x="6770" y="997360"/>
+                  </a:lnTo>
+                  <a:lnTo>
+                    <a:pt x="16899" y="926907"/>
+                  </a:lnTo>
+                  <a:lnTo>
+                    <a:pt x="31477" y="857238"/>
+                  </a:lnTo>
+                  <a:lnTo>
+                    <a:pt x="50444" y="788634"/>
+                  </a:lnTo>
+                  <a:lnTo>
+                    <a:pt x="73724" y="721371"/>
+                  </a:lnTo>
+                  <a:lnTo>
+                    <a:pt x="101223" y="655720"/>
+                  </a:lnTo>
+                  <a:lnTo>
+                    <a:pt x="132830" y="591946"/>
+                  </a:lnTo>
+                  <a:lnTo>
+                    <a:pt x="168419" y="530304"/>
+                  </a:lnTo>
+                  <a:lnTo>
+                    <a:pt x="207846" y="471044"/>
+                  </a:lnTo>
+                  <a:lnTo>
+                    <a:pt x="250952" y="414403"/>
+                  </a:lnTo>
+                  <a:lnTo>
+                    <a:pt x="297563" y="360611"/>
+                  </a:lnTo>
+                  <a:lnTo>
+                    <a:pt x="347492" y="309883"/>
+                  </a:lnTo>
+                  <a:lnTo>
+                    <a:pt x="400538" y="262424"/>
+                  </a:lnTo>
+                  <a:lnTo>
+                    <a:pt x="456488" y="218425"/>
+                  </a:lnTo>
+                  <a:lnTo>
+                    <a:pt x="515115" y="178063"/>
+                  </a:lnTo>
+                  <a:lnTo>
+                    <a:pt x="576184" y="141501"/>
+                  </a:lnTo>
+                  <a:lnTo>
+                    <a:pt x="639449" y="108885"/>
+                  </a:lnTo>
+                  <a:lnTo>
+                    <a:pt x="704656" y="80348"/>
+                  </a:lnTo>
+                  <a:lnTo>
+                    <a:pt x="771541" y="56004"/>
+                  </a:lnTo>
+                  <a:lnTo>
+                    <a:pt x="839835" y="35951"/>
+                  </a:lnTo>
+                  <a:lnTo>
+                    <a:pt x="909264" y="20270"/>
+                  </a:lnTo>
+                  <a:lnTo>
+                    <a:pt x="979547" y="9024"/>
+                  </a:lnTo>
+                  <a:lnTo>
+                    <a:pt x="1050402" y="2258"/>
+                  </a:lnTo>
+                  <a:lnTo>
+                    <a:pt x="1121544" y="0"/>
+                  </a:lnTo>
+                </a:path>
+              </a:pathLst>
+            </a:custGeom>
+            <a:ln w="13550" cap="flat">
+              <a:solidFill>
+                <a:srgbClr val="EBEBEB">
+                  <a:alpha val="100000"/>
+                </a:srgbClr>
+              </a:solidFill>
+              <a:prstDash val="solid"/>
+              <a:round/>
+            </a:ln>
+          </p:spPr>
+          <p:txBody>
+            <a:bodyPr/>
+            <a:lstStyle/>
+            <a:p/>
+          </p:txBody>
+        </p:sp>
+        <p:sp>
+          <p:nvSpPr>
+            <p:cNvPr id="22" name="pl21"/>
+            <p:cNvSpPr/>
+            <p:nvPr/>
+          </p:nvSpPr>
+          <p:spPr>
+            <a:xfrm>
+              <a:off x="3072960" y="1673411"/>
+              <a:ext cx="5046951" cy="5046315"/>
+            </a:xfrm>
+            <a:custGeom>
+              <a:avLst/>
+              <a:pathLst>
+                <a:path w="5046951" h="5046315">
+                  <a:moveTo>
+                    <a:pt x="2523475" y="0"/>
+                  </a:moveTo>
+                  <a:lnTo>
+                    <a:pt x="2683544" y="5081"/>
+                  </a:lnTo>
+                  <a:lnTo>
+                    <a:pt x="2842968" y="20304"/>
+                  </a:lnTo>
+                  <a:lnTo>
+                    <a:pt x="3001106" y="45608"/>
+                  </a:lnTo>
+                  <a:lnTo>
+                    <a:pt x="3157321" y="80890"/>
+                  </a:lnTo>
+                  <a:lnTo>
+                    <a:pt x="3310983" y="126010"/>
+                  </a:lnTo>
+                  <a:lnTo>
+                    <a:pt x="3461474" y="180784"/>
+                  </a:lnTo>
+                  <a:lnTo>
+                    <a:pt x="3608189" y="244993"/>
+                  </a:lnTo>
+                  <a:lnTo>
+                    <a:pt x="3750535" y="318378"/>
+                  </a:lnTo>
+                  <a:lnTo>
+                    <a:pt x="3887941" y="400643"/>
+                  </a:lnTo>
+                  <a:lnTo>
+                    <a:pt x="4019852" y="491457"/>
+                  </a:lnTo>
+                  <a:lnTo>
+                    <a:pt x="4145738" y="590455"/>
+                  </a:lnTo>
+                  <a:lnTo>
+                    <a:pt x="4265092" y="697238"/>
+                  </a:lnTo>
+                  <a:lnTo>
+                    <a:pt x="4377433" y="811375"/>
+                  </a:lnTo>
+                  <a:lnTo>
+                    <a:pt x="4482308" y="932408"/>
+                  </a:lnTo>
+                  <a:lnTo>
+                    <a:pt x="4579296" y="1059849"/>
+                  </a:lnTo>
+                  <a:lnTo>
+                    <a:pt x="4668006" y="1193185"/>
+                  </a:lnTo>
+                  <a:lnTo>
+                    <a:pt x="4748081" y="1331878"/>
+                  </a:lnTo>
+                  <a:lnTo>
+                    <a:pt x="4819198" y="1475371"/>
+                  </a:lnTo>
+                  <a:lnTo>
+                    <a:pt x="4881071" y="1623086"/>
+                  </a:lnTo>
+                  <a:lnTo>
+                    <a:pt x="4933451" y="1774427"/>
+                  </a:lnTo>
+                  <a:lnTo>
+                    <a:pt x="4976127" y="1928786"/>
+                  </a:lnTo>
+                  <a:lnTo>
+                    <a:pt x="5008926" y="2085541"/>
+                  </a:lnTo>
+                  <a:lnTo>
+                    <a:pt x="5031718" y="2244060"/>
+                  </a:lnTo>
+                  <a:lnTo>
+                    <a:pt x="5044410" y="2403706"/>
+                  </a:lnTo>
+                  <a:lnTo>
+                    <a:pt x="5046951" y="2563835"/>
+                  </a:lnTo>
+                  <a:lnTo>
+                    <a:pt x="5039330" y="2723803"/>
+                  </a:lnTo>
+                  <a:lnTo>
+                    <a:pt x="5021580" y="2882966"/>
+                  </a:lnTo>
+                  <a:lnTo>
+                    <a:pt x="4993770" y="3040682"/>
+                  </a:lnTo>
+                  <a:lnTo>
+                    <a:pt x="4956013" y="3196318"/>
+                  </a:lnTo>
+                  <a:lnTo>
+                    <a:pt x="4908462" y="3349245"/>
+                  </a:lnTo>
+                  <a:lnTo>
+                    <a:pt x="4851307" y="3498848"/>
+                  </a:lnTo>
+                  <a:lnTo>
+                    <a:pt x="4784778" y="3644525"/>
+                  </a:lnTo>
+                  <a:lnTo>
+                    <a:pt x="4709144" y="3785689"/>
+                  </a:lnTo>
+                  <a:lnTo>
+                    <a:pt x="4624709" y="3921772"/>
+                  </a:lnTo>
+                  <a:lnTo>
+                    <a:pt x="4531813" y="4052226"/>
+                  </a:lnTo>
+                  <a:lnTo>
+                    <a:pt x="4430831" y="4176526"/>
+                  </a:lnTo>
+                  <a:lnTo>
+                    <a:pt x="4322168" y="4294170"/>
+                  </a:lnTo>
+                  <a:lnTo>
+                    <a:pt x="4206262" y="4404686"/>
+                  </a:lnTo>
+                  <a:lnTo>
+                    <a:pt x="4083581" y="4507628"/>
+                  </a:lnTo>
+                  <a:lnTo>
+                    <a:pt x="3954617" y="4602582"/>
+                  </a:lnTo>
+                  <a:lnTo>
+                    <a:pt x="3819891" y="4689165"/>
+                  </a:lnTo>
+                  <a:lnTo>
+                    <a:pt x="3679944" y="4767030"/>
+                  </a:lnTo>
+                  <a:lnTo>
+                    <a:pt x="3535341" y="4835861"/>
+                  </a:lnTo>
+                  <a:lnTo>
+                    <a:pt x="3386663" y="4895383"/>
+                  </a:lnTo>
+                  <a:lnTo>
+                    <a:pt x="3234510" y="4945355"/>
+                  </a:lnTo>
+                  <a:lnTo>
+                    <a:pt x="3079493" y="4985576"/>
+                  </a:lnTo>
+                  <a:lnTo>
+                    <a:pt x="2922238" y="5015884"/>
+                  </a:lnTo>
+                  <a:lnTo>
+                    <a:pt x="2763377" y="5036158"/>
+                  </a:lnTo>
+                  <a:lnTo>
+                    <a:pt x="2603550" y="5046315"/>
+                  </a:lnTo>
+                  <a:lnTo>
+                    <a:pt x="2443400" y="5046315"/>
+                  </a:lnTo>
+                  <a:lnTo>
+                    <a:pt x="2283573" y="5036158"/>
+                  </a:lnTo>
+                  <a:lnTo>
+                    <a:pt x="2124712" y="5015884"/>
+                  </a:lnTo>
+                  <a:lnTo>
+                    <a:pt x="1967457" y="4985576"/>
+                  </a:lnTo>
+                  <a:lnTo>
+                    <a:pt x="1812440" y="4945355"/>
+                  </a:lnTo>
+                  <a:lnTo>
+                    <a:pt x="1660287" y="4895383"/>
+                  </a:lnTo>
+                  <a:lnTo>
+                    <a:pt x="1511609" y="4835861"/>
+                  </a:lnTo>
+                  <a:lnTo>
+                    <a:pt x="1367006" y="4767030"/>
+                  </a:lnTo>
+                  <a:lnTo>
+                    <a:pt x="1227060" y="4689165"/>
+                  </a:lnTo>
+                  <a:lnTo>
+                    <a:pt x="1092333" y="4602582"/>
+                  </a:lnTo>
+                  <a:lnTo>
+                    <a:pt x="963370" y="4507628"/>
+                  </a:lnTo>
+                  <a:lnTo>
+                    <a:pt x="840688" y="4404686"/>
+                  </a:lnTo>
+                  <a:lnTo>
+                    <a:pt x="724782" y="4294170"/>
+                  </a:lnTo>
+                  <a:lnTo>
+                    <a:pt x="616119" y="4176526"/>
+                  </a:lnTo>
+                  <a:lnTo>
+                    <a:pt x="515137" y="4052226"/>
+                  </a:lnTo>
+                  <a:lnTo>
+                    <a:pt x="422241" y="3921772"/>
+                  </a:lnTo>
+                  <a:lnTo>
+                    <a:pt x="337806" y="3785689"/>
+                  </a:lnTo>
+                  <a:lnTo>
+                    <a:pt x="262172" y="3644525"/>
+                  </a:lnTo>
+                  <a:lnTo>
+                    <a:pt x="195644" y="3498848"/>
+                  </a:lnTo>
+                  <a:lnTo>
+                    <a:pt x="138488" y="3349245"/>
+                  </a:lnTo>
+                  <a:lnTo>
+                    <a:pt x="90937" y="3196318"/>
+                  </a:lnTo>
+                  <a:lnTo>
+                    <a:pt x="53180" y="3040682"/>
+                  </a:lnTo>
+                  <a:lnTo>
+                    <a:pt x="25370" y="2882966"/>
+                  </a:lnTo>
+                  <a:lnTo>
+                    <a:pt x="7620" y="2723803"/>
+                  </a:lnTo>
+                  <a:lnTo>
+                    <a:pt x="0" y="2563835"/>
+                  </a:lnTo>
+                  <a:lnTo>
+                    <a:pt x="2540" y="2403706"/>
+                  </a:lnTo>
+                  <a:lnTo>
+                    <a:pt x="15232" y="2244060"/>
+                  </a:lnTo>
+                  <a:lnTo>
+                    <a:pt x="38024" y="2085541"/>
+                  </a:lnTo>
+                  <a:lnTo>
+                    <a:pt x="70824" y="1928786"/>
+                  </a:lnTo>
+                  <a:lnTo>
+                    <a:pt x="113499" y="1774427"/>
+                  </a:lnTo>
+                  <a:lnTo>
+                    <a:pt x="165879" y="1623086"/>
+                  </a:lnTo>
+                  <a:lnTo>
+                    <a:pt x="227752" y="1475371"/>
+                  </a:lnTo>
+                  <a:lnTo>
+                    <a:pt x="298869" y="1331878"/>
+                  </a:lnTo>
+                  <a:lnTo>
+                    <a:pt x="378944" y="1193185"/>
+                  </a:lnTo>
+                  <a:lnTo>
+                    <a:pt x="467654" y="1059849"/>
+                  </a:lnTo>
+                  <a:lnTo>
+                    <a:pt x="564642" y="932408"/>
+                  </a:lnTo>
+                  <a:lnTo>
+                    <a:pt x="669517" y="811375"/>
+                  </a:lnTo>
+                  <a:lnTo>
+                    <a:pt x="781858" y="697238"/>
+                  </a:lnTo>
+                  <a:lnTo>
+                    <a:pt x="901212" y="590455"/>
+                  </a:lnTo>
+                  <a:lnTo>
+                    <a:pt x="1027098" y="491457"/>
+                  </a:lnTo>
+                  <a:lnTo>
+                    <a:pt x="1159009" y="400643"/>
+                  </a:lnTo>
+                  <a:lnTo>
+                    <a:pt x="1296415" y="318378"/>
+                  </a:lnTo>
+                  <a:lnTo>
+                    <a:pt x="1438762" y="244993"/>
+                  </a:lnTo>
+                  <a:lnTo>
+                    <a:pt x="1585476" y="180784"/>
+                  </a:lnTo>
+                  <a:lnTo>
+                    <a:pt x="1735967" y="126010"/>
+                  </a:lnTo>
+                  <a:lnTo>
+                    <a:pt x="1889629" y="80890"/>
+                  </a:lnTo>
+                  <a:lnTo>
+                    <a:pt x="2045844" y="45608"/>
+                  </a:lnTo>
+                  <a:lnTo>
+                    <a:pt x="2203982" y="20304"/>
+                  </a:lnTo>
+                  <a:lnTo>
+                    <a:pt x="2363406" y="5081"/>
+                  </a:lnTo>
+                  <a:lnTo>
+                    <a:pt x="2523475" y="0"/>
+                  </a:lnTo>
+                </a:path>
+              </a:pathLst>
+            </a:custGeom>
+            <a:ln w="13550" cap="flat">
+              <a:solidFill>
+                <a:srgbClr val="EBEBEB">
+                  <a:alpha val="100000"/>
+                </a:srgbClr>
+              </a:solidFill>
+              <a:prstDash val="solid"/>
+              <a:round/>
+            </a:ln>
+          </p:spPr>
+          <p:txBody>
+            <a:bodyPr/>
+            <a:lstStyle/>
+            <a:p/>
+          </p:txBody>
+        </p:sp>
+        <p:sp>
+          <p:nvSpPr>
+            <p:cNvPr id="23" name="pg22"/>
+            <p:cNvSpPr/>
+            <p:nvPr/>
+          </p:nvSpPr>
+          <p:spPr>
+            <a:xfrm>
+              <a:off x="3353063" y="1953832"/>
+              <a:ext cx="4486600" cy="4486600"/>
+            </a:xfrm>
+            <a:custGeom>
+              <a:avLst/>
+              <a:pathLst>
+                <a:path w="4486600" h="4486600">
+                  <a:moveTo>
+                    <a:pt x="2243371" y="2243371"/>
+                  </a:moveTo>
+                  <a:lnTo>
+                    <a:pt x="2169587" y="2220133"/>
+                  </a:lnTo>
+                  <a:lnTo>
+                    <a:pt x="2095802" y="2196894"/>
+                  </a:lnTo>
+                  <a:lnTo>
+                    <a:pt x="2022017" y="2173655"/>
+                  </a:lnTo>
+                  <a:lnTo>
+                    <a:pt x="1948233" y="2150416"/>
+                  </a:lnTo>
+                  <a:lnTo>
+                    <a:pt x="1874448" y="2127178"/>
+                  </a:lnTo>
+                  <a:lnTo>
+                    <a:pt x="1800664" y="2103939"/>
+                  </a:lnTo>
+                  <a:lnTo>
+                    <a:pt x="1726879" y="2080700"/>
+                  </a:lnTo>
+                  <a:lnTo>
+                    <a:pt x="1653094" y="2057461"/>
+                  </a:lnTo>
+                  <a:lnTo>
+                    <a:pt x="1579310" y="2034223"/>
+                  </a:lnTo>
+                  <a:lnTo>
+                    <a:pt x="1505525" y="2010984"/>
+                  </a:lnTo>
+                  <a:lnTo>
+                    <a:pt x="1431741" y="1987745"/>
+                  </a:lnTo>
+                  <a:lnTo>
+                    <a:pt x="1357956" y="1964506"/>
+                  </a:lnTo>
+                  <a:lnTo>
+                    <a:pt x="1284171" y="1941268"/>
+                  </a:lnTo>
+                  <a:lnTo>
+                    <a:pt x="1210387" y="1918029"/>
+                  </a:lnTo>
+                  <a:lnTo>
+                    <a:pt x="1136602" y="1894790"/>
+                  </a:lnTo>
+                  <a:lnTo>
+                    <a:pt x="1062818" y="1871552"/>
+                  </a:lnTo>
+                  <a:lnTo>
+                    <a:pt x="989033" y="1848313"/>
+                  </a:lnTo>
+                  <a:lnTo>
+                    <a:pt x="915249" y="1825074"/>
+                  </a:lnTo>
+                  <a:lnTo>
+                    <a:pt x="841464" y="1801835"/>
+                  </a:lnTo>
+                  <a:lnTo>
+                    <a:pt x="767679" y="1778597"/>
+                  </a:lnTo>
+                  <a:lnTo>
+                    <a:pt x="693895" y="1755358"/>
+                  </a:lnTo>
+                  <a:lnTo>
+                    <a:pt x="620110" y="1732119"/>
+                  </a:lnTo>
+                  <a:lnTo>
+                    <a:pt x="546326" y="1708880"/>
+                  </a:lnTo>
+                  <a:lnTo>
+                    <a:pt x="472541" y="1685642"/>
+                  </a:lnTo>
+                  <a:lnTo>
+                    <a:pt x="398756" y="1662403"/>
+                  </a:lnTo>
+                  <a:lnTo>
+                    <a:pt x="324972" y="1639164"/>
+                  </a:lnTo>
+                  <a:lnTo>
+                    <a:pt x="251187" y="1615925"/>
+                  </a:lnTo>
+                  <a:lnTo>
+                    <a:pt x="177403" y="1592687"/>
+                  </a:lnTo>
+                  <a:lnTo>
+                    <a:pt x="103618" y="1569448"/>
+                  </a:lnTo>
+                  <a:lnTo>
+                    <a:pt x="82004" y="1642363"/>
+                  </a:lnTo>
+                  <a:lnTo>
+                    <a:pt x="62875" y="1715970"/>
+                  </a:lnTo>
+                  <a:lnTo>
+                    <a:pt x="46251" y="1790182"/>
+                  </a:lnTo>
+                  <a:lnTo>
+                    <a:pt x="32153" y="1864915"/>
+                  </a:lnTo>
+                  <a:lnTo>
+                    <a:pt x="20595" y="1940083"/>
+                  </a:lnTo>
+                  <a:lnTo>
+                    <a:pt x="11592" y="2015600"/>
+                  </a:lnTo>
+                  <a:lnTo>
+                    <a:pt x="5154" y="2091378"/>
+                  </a:lnTo>
+                  <a:lnTo>
+                    <a:pt x="1289" y="2167331"/>
+                  </a:lnTo>
+                  <a:lnTo>
+                    <a:pt x="0" y="2243371"/>
+                  </a:lnTo>
+                  <a:lnTo>
+                    <a:pt x="1289" y="2319412"/>
+                  </a:lnTo>
+                  <a:lnTo>
+                    <a:pt x="5154" y="2395365"/>
+                  </a:lnTo>
+                  <a:lnTo>
+                    <a:pt x="11592" y="2471143"/>
+                  </a:lnTo>
+                  <a:lnTo>
+                    <a:pt x="20595" y="2546660"/>
+                  </a:lnTo>
+                  <a:lnTo>
+                    <a:pt x="32153" y="2621828"/>
+                  </a:lnTo>
+                  <a:lnTo>
+                    <a:pt x="46251" y="2696561"/>
+                  </a:lnTo>
+                  <a:lnTo>
+                    <a:pt x="62875" y="2770773"/>
+                  </a:lnTo>
+                  <a:lnTo>
+                    <a:pt x="82004" y="2844379"/>
+                  </a:lnTo>
+                  <a:lnTo>
+                    <a:pt x="103618" y="2917295"/>
+                  </a:lnTo>
+                  <a:lnTo>
+                    <a:pt x="127690" y="2989435"/>
+                  </a:lnTo>
+                  <a:lnTo>
+                    <a:pt x="154194" y="3060719"/>
+                  </a:lnTo>
+                  <a:lnTo>
+                    <a:pt x="183099" y="3131063"/>
+                  </a:lnTo>
+                  <a:lnTo>
+                    <a:pt x="214372" y="3200387"/>
+                  </a:lnTo>
+                  <a:lnTo>
+                    <a:pt x="247977" y="3268611"/>
+                  </a:lnTo>
+                  <a:lnTo>
+                    <a:pt x="283874" y="3335657"/>
+                  </a:lnTo>
+                  <a:lnTo>
+                    <a:pt x="322024" y="3401448"/>
+                  </a:lnTo>
+                  <a:lnTo>
+                    <a:pt x="362382" y="3465908"/>
+                  </a:lnTo>
+                  <a:lnTo>
+                    <a:pt x="404901" y="3528962"/>
+                  </a:lnTo>
+                  <a:lnTo>
+                    <a:pt x="449534" y="3590540"/>
+                  </a:lnTo>
+                  <a:lnTo>
+                    <a:pt x="496227" y="3650569"/>
+                  </a:lnTo>
+                  <a:lnTo>
+                    <a:pt x="544929" y="3708981"/>
+                  </a:lnTo>
+                  <a:lnTo>
+                    <a:pt x="595583" y="3765708"/>
+                  </a:lnTo>
+                  <a:lnTo>
+                    <a:pt x="648130" y="3820686"/>
+                  </a:lnTo>
+                  <a:lnTo>
+                    <a:pt x="702511" y="3873851"/>
+                  </a:lnTo>
+                  <a:lnTo>
+                    <a:pt x="758662" y="3925143"/>
+                  </a:lnTo>
+                  <a:lnTo>
+                    <a:pt x="816520" y="3974502"/>
+                  </a:lnTo>
+                  <a:lnTo>
+                    <a:pt x="876018" y="4021871"/>
+                  </a:lnTo>
+                  <a:lnTo>
+                    <a:pt x="937087" y="4067196"/>
+                  </a:lnTo>
+                  <a:lnTo>
+                    <a:pt x="999657" y="4110425"/>
+                  </a:lnTo>
+                  <a:lnTo>
+                    <a:pt x="1063656" y="4151509"/>
+                  </a:lnTo>
+                  <a:lnTo>
+                    <a:pt x="1129012" y="4190400"/>
+                  </a:lnTo>
+                  <a:lnTo>
+                    <a:pt x="1195648" y="4227053"/>
+                  </a:lnTo>
+                  <a:lnTo>
+                    <a:pt x="1263488" y="4261426"/>
+                  </a:lnTo>
+                  <a:lnTo>
+                    <a:pt x="1332454" y="4293480"/>
+                  </a:lnTo>
+                  <a:lnTo>
+                    <a:pt x="1402467" y="4323178"/>
+                  </a:lnTo>
+                  <a:lnTo>
+                    <a:pt x="1473447" y="4350486"/>
+                  </a:lnTo>
+                  <a:lnTo>
+                    <a:pt x="1545311" y="4375372"/>
+                  </a:lnTo>
+                  <a:lnTo>
+                    <a:pt x="1617977" y="4397808"/>
+                  </a:lnTo>
+                  <a:lnTo>
+                    <a:pt x="1691363" y="4417769"/>
+                  </a:lnTo>
+                  <a:lnTo>
+                    <a:pt x="1765382" y="4435230"/>
+                  </a:lnTo>
+                  <a:lnTo>
+                    <a:pt x="1839951" y="4450172"/>
+                  </a:lnTo>
+                  <a:lnTo>
+                    <a:pt x="1914984" y="4462578"/>
+                  </a:lnTo>
+                  <a:lnTo>
+                    <a:pt x="1990394" y="4472434"/>
+                  </a:lnTo>
+                  <a:lnTo>
+                    <a:pt x="2066095" y="4479728"/>
+                  </a:lnTo>
+                  <a:lnTo>
+                    <a:pt x="2141999" y="4484451"/>
+                  </a:lnTo>
+                  <a:lnTo>
+                    <a:pt x="2218020" y="4486600"/>
+                  </a:lnTo>
+                  <a:lnTo>
+                    <a:pt x="2294070" y="4486170"/>
+                  </a:lnTo>
+                  <a:lnTo>
+                    <a:pt x="2370062" y="4483163"/>
+                  </a:lnTo>
+                  <a:lnTo>
+                    <a:pt x="2445908" y="4477582"/>
+                  </a:lnTo>
+                  <a:lnTo>
+                    <a:pt x="2521522" y="4469433"/>
+                  </a:lnTo>
+                  <a:lnTo>
+                    <a:pt x="2596816" y="4458725"/>
+                  </a:lnTo>
+                  <a:lnTo>
+                    <a:pt x="2671703" y="4445472"/>
+                  </a:lnTo>
+                  <a:lnTo>
+                    <a:pt x="2746099" y="4429688"/>
+                  </a:lnTo>
+                  <a:lnTo>
+                    <a:pt x="2819916" y="4411392"/>
+                  </a:lnTo>
+                  <a:lnTo>
+                    <a:pt x="2893071" y="4390604"/>
+                  </a:lnTo>
+                  <a:lnTo>
+                    <a:pt x="2965480" y="4367348"/>
+                  </a:lnTo>
+                  <a:lnTo>
+                    <a:pt x="3037058" y="4341651"/>
+                  </a:lnTo>
+                  <a:lnTo>
+                    <a:pt x="3107725" y="4313543"/>
+                  </a:lnTo>
+                  <a:lnTo>
+                    <a:pt x="3177398" y="4283056"/>
+                  </a:lnTo>
+                  <a:lnTo>
+                    <a:pt x="3245997" y="4250224"/>
+                  </a:lnTo>
+                  <a:lnTo>
+                    <a:pt x="3313444" y="4215086"/>
+                  </a:lnTo>
+                  <a:lnTo>
+                    <a:pt x="3379662" y="4177683"/>
+                  </a:lnTo>
+                  <a:lnTo>
+                    <a:pt x="3444574" y="4138056"/>
+                  </a:lnTo>
+                  <a:lnTo>
+                    <a:pt x="3508105" y="4096252"/>
+                  </a:lnTo>
+                  <a:lnTo>
+                    <a:pt x="3570183" y="4052318"/>
+                  </a:lnTo>
+                  <a:lnTo>
+                    <a:pt x="3630735" y="4006306"/>
+                  </a:lnTo>
+                  <a:lnTo>
+                    <a:pt x="3689694" y="3958267"/>
+                  </a:lnTo>
+                  <a:lnTo>
+                    <a:pt x="3746990" y="3908258"/>
+                  </a:lnTo>
+                  <a:lnTo>
+                    <a:pt x="3802559" y="3856335"/>
+                  </a:lnTo>
+                  <a:lnTo>
+                    <a:pt x="3856335" y="3802559"/>
+                  </a:lnTo>
+                  <a:lnTo>
+                    <a:pt x="3908258" y="3746990"/>
+                  </a:lnTo>
+                  <a:lnTo>
+                    <a:pt x="3958267" y="3689694"/>
+                  </a:lnTo>
+                  <a:lnTo>
+                    <a:pt x="4006306" y="3630735"/>
+                  </a:lnTo>
+                  <a:lnTo>
+                    <a:pt x="4052318" y="3570183"/>
+                  </a:lnTo>
+                  <a:lnTo>
+                    <a:pt x="4096252" y="3508105"/>
+                  </a:lnTo>
+                  <a:lnTo>
+                    <a:pt x="4138056" y="3444574"/>
+                  </a:lnTo>
+                  <a:lnTo>
+                    <a:pt x="4177683" y="3379662"/>
+                  </a:lnTo>
+                  <a:lnTo>
+                    <a:pt x="4215086" y="3313444"/>
+                  </a:lnTo>
+                  <a:lnTo>
+                    <a:pt x="4250224" y="3245997"/>
+                  </a:lnTo>
+                  <a:lnTo>
+                    <a:pt x="4283056" y="3177398"/>
+                  </a:lnTo>
+                  <a:lnTo>
+                    <a:pt x="4313543" y="3107725"/>
+                  </a:lnTo>
+                  <a:lnTo>
+                    <a:pt x="4341651" y="3037058"/>
+                  </a:lnTo>
+                  <a:lnTo>
+                    <a:pt x="4367348" y="2965480"/>
+                  </a:lnTo>
+                  <a:lnTo>
+                    <a:pt x="4390604" y="2893071"/>
+                  </a:lnTo>
+                  <a:lnTo>
+                    <a:pt x="4411392" y="2819916"/>
+                  </a:lnTo>
+                  <a:lnTo>
+                    <a:pt x="4429688" y="2746099"/>
+                  </a:lnTo>
+                  <a:lnTo>
+                    <a:pt x="4445472" y="2671703"/>
+                  </a:lnTo>
+                  <a:lnTo>
+                    <a:pt x="4458725" y="2596816"/>
+                  </a:lnTo>
+                  <a:lnTo>
+                    <a:pt x="4469433" y="2521522"/>
+                  </a:lnTo>
+                  <a:lnTo>
+                    <a:pt x="4477582" y="2445908"/>
+                  </a:lnTo>
+                  <a:lnTo>
+                    <a:pt x="4483163" y="2370062"/>
+                  </a:lnTo>
+                  <a:lnTo>
+                    <a:pt x="4486170" y="2294070"/>
+                  </a:lnTo>
+                  <a:lnTo>
+                    <a:pt x="4486600" y="2218020"/>
+                  </a:lnTo>
+                  <a:lnTo>
+                    <a:pt x="4484451" y="2141999"/>
+                  </a:lnTo>
+                  <a:lnTo>
+                    <a:pt x="4479728" y="2066095"/>
+                  </a:lnTo>
+                  <a:lnTo>
+                    <a:pt x="4472434" y="1990394"/>
+                  </a:lnTo>
+                  <a:lnTo>
+                    <a:pt x="4462578" y="1914984"/>
+                  </a:lnTo>
+                  <a:lnTo>
+                    <a:pt x="4450172" y="1839951"/>
+                  </a:lnTo>
+                  <a:lnTo>
+                    <a:pt x="4435230" y="1765382"/>
+                  </a:lnTo>
+                  <a:lnTo>
+                    <a:pt x="4417769" y="1691363"/>
+                  </a:lnTo>
+                  <a:lnTo>
+                    <a:pt x="4397808" y="1617977"/>
+                  </a:lnTo>
+                  <a:lnTo>
+                    <a:pt x="4375372" y="1545311"/>
+                  </a:lnTo>
+                  <a:lnTo>
+                    <a:pt x="4350486" y="1473447"/>
+                  </a:lnTo>
+                  <a:lnTo>
+                    <a:pt x="4323178" y="1402467"/>
+                  </a:lnTo>
+                  <a:lnTo>
+                    <a:pt x="4293480" y="1332454"/>
+                  </a:lnTo>
+                  <a:lnTo>
+                    <a:pt x="4261426" y="1263488"/>
+                  </a:lnTo>
+                  <a:lnTo>
+                    <a:pt x="4227053" y="1195648"/>
+                  </a:lnTo>
+                  <a:lnTo>
+                    <a:pt x="4190400" y="1129012"/>
+                  </a:lnTo>
+                  <a:lnTo>
+                    <a:pt x="4151509" y="1063656"/>
+                  </a:lnTo>
+                  <a:lnTo>
+                    <a:pt x="4110425" y="999657"/>
+                  </a:lnTo>
+                  <a:lnTo>
+                    <a:pt x="4067196" y="937087"/>
+                  </a:lnTo>
+                  <a:lnTo>
+                    <a:pt x="4021871" y="876018"/>
+                  </a:lnTo>
+                  <a:lnTo>
+                    <a:pt x="3974502" y="816520"/>
+                  </a:lnTo>
+                  <a:lnTo>
+                    <a:pt x="3925143" y="758662"/>
+                  </a:lnTo>
+                  <a:lnTo>
+                    <a:pt x="3873851" y="702511"/>
+                  </a:lnTo>
+                  <a:lnTo>
+                    <a:pt x="3820686" y="648130"/>
+                  </a:lnTo>
+                  <a:lnTo>
+                    <a:pt x="3765708" y="595583"/>
+                  </a:lnTo>
+                  <a:lnTo>
+                    <a:pt x="3708981" y="544929"/>
+                  </a:lnTo>
+                  <a:lnTo>
+                    <a:pt x="3650569" y="496227"/>
+                  </a:lnTo>
+                  <a:lnTo>
+                    <a:pt x="3590540" y="449534"/>
+                  </a:lnTo>
+                  <a:lnTo>
+                    <a:pt x="3528962" y="404901"/>
+                  </a:lnTo>
+                  <a:lnTo>
+                    <a:pt x="3465908" y="362382"/>
+                  </a:lnTo>
+                  <a:lnTo>
+                    <a:pt x="3401448" y="322024"/>
+                  </a:lnTo>
+                  <a:lnTo>
+                    <a:pt x="3335657" y="283874"/>
+                  </a:lnTo>
+                  <a:lnTo>
+                    <a:pt x="3268611" y="247977"/>
+                  </a:lnTo>
+                  <a:lnTo>
+                    <a:pt x="3200387" y="214372"/>
+                  </a:lnTo>
+                  <a:lnTo>
+                    <a:pt x="3131063" y="183099"/>
+                  </a:lnTo>
+                  <a:lnTo>
+                    <a:pt x="3060719" y="154194"/>
+                  </a:lnTo>
+                  <a:lnTo>
+                    <a:pt x="2989435" y="127690"/>
+                  </a:lnTo>
+                  <a:lnTo>
+                    <a:pt x="2917295" y="103618"/>
+                  </a:lnTo>
+                  <a:lnTo>
+                    <a:pt x="2844379" y="82004"/>
+                  </a:lnTo>
+                  <a:lnTo>
+                    <a:pt x="2770773" y="62875"/>
+                  </a:lnTo>
+                  <a:lnTo>
+                    <a:pt x="2696561" y="46251"/>
+                  </a:lnTo>
+                  <a:lnTo>
+                    <a:pt x="2621828" y="32153"/>
+                  </a:lnTo>
+                  <a:lnTo>
+                    <a:pt x="2546660" y="20595"/>
+                  </a:lnTo>
+                  <a:lnTo>
+                    <a:pt x="2471143" y="11592"/>
+                  </a:lnTo>
+                  <a:lnTo>
+                    <a:pt x="2395365" y="5154"/>
+                  </a:lnTo>
+                  <a:lnTo>
+                    <a:pt x="2319412" y="1289"/>
+                  </a:lnTo>
+                  <a:lnTo>
+                    <a:pt x="2243371" y="0"/>
+                  </a:lnTo>
+                  <a:lnTo>
+                    <a:pt x="2243371" y="77357"/>
+                  </a:lnTo>
+                  <a:lnTo>
+                    <a:pt x="2243371" y="154715"/>
+                  </a:lnTo>
+                  <a:lnTo>
+                    <a:pt x="2243371" y="232072"/>
+                  </a:lnTo>
+                  <a:lnTo>
+                    <a:pt x="2243371" y="309430"/>
+                  </a:lnTo>
+                  <a:lnTo>
+                    <a:pt x="2243371" y="386788"/>
+                  </a:lnTo>
+                  <a:lnTo>
+                    <a:pt x="2243371" y="464145"/>
+                  </a:lnTo>
+                  <a:lnTo>
+                    <a:pt x="2243371" y="541503"/>
+                  </a:lnTo>
+                  <a:lnTo>
+                    <a:pt x="2243371" y="618861"/>
+                  </a:lnTo>
+                  <a:lnTo>
+                    <a:pt x="2243371" y="696218"/>
+                  </a:lnTo>
+                  <a:lnTo>
+                    <a:pt x="2243371" y="773576"/>
+                  </a:lnTo>
+                  <a:lnTo>
+                    <a:pt x="2243371" y="850934"/>
+                  </a:lnTo>
+                  <a:lnTo>
+                    <a:pt x="2243371" y="928291"/>
+                  </a:lnTo>
+                  <a:lnTo>
+                    <a:pt x="2243371" y="1005649"/>
+                  </a:lnTo>
+                  <a:lnTo>
+                    <a:pt x="2243371" y="1083007"/>
+                  </a:lnTo>
+                  <a:lnTo>
+                    <a:pt x="2243371" y="1160364"/>
+                  </a:lnTo>
+                  <a:lnTo>
+                    <a:pt x="2243371" y="1237722"/>
+                  </a:lnTo>
+                  <a:lnTo>
+                    <a:pt x="2243371" y="1315080"/>
+                  </a:lnTo>
+                  <a:lnTo>
+                    <a:pt x="2243371" y="1392437"/>
+                  </a:lnTo>
+                  <a:lnTo>
+                    <a:pt x="2243371" y="1469795"/>
+                  </a:lnTo>
+                  <a:lnTo>
+                    <a:pt x="2243371" y="1547152"/>
+                  </a:lnTo>
+                  <a:lnTo>
+                    <a:pt x="2243371" y="1624510"/>
+                  </a:lnTo>
+                  <a:lnTo>
+                    <a:pt x="2243371" y="1701868"/>
+                  </a:lnTo>
+                  <a:lnTo>
+                    <a:pt x="2243371" y="1779225"/>
+                  </a:lnTo>
+                  <a:lnTo>
+                    <a:pt x="2243371" y="1856583"/>
+                  </a:lnTo>
+                  <a:lnTo>
+                    <a:pt x="2243371" y="1933941"/>
+                  </a:lnTo>
+                  <a:lnTo>
+                    <a:pt x="2243371" y="2011298"/>
+                  </a:lnTo>
+                  <a:lnTo>
+                    <a:pt x="2243371" y="2088656"/>
+                  </a:lnTo>
+                  <a:lnTo>
+                    <a:pt x="2243371" y="2166014"/>
                   </a:lnTo>
                   <a:close/>
                 </a:path>
               </a:pathLst>
             </a:custGeom>
             <a:solidFill>
-              <a:srgbClr val="D0D1AC">
+              <a:srgbClr val="7F7F7F">
                 <a:alpha val="100000"/>
               </a:srgbClr>
             </a:solidFill>
@@ -2950,205 +4239,205 @@
         </p:sp>
         <p:sp>
           <p:nvSpPr>
-            <p:cNvPr id="6" name="pg5"/>
+            <p:cNvPr id="24" name="pg23"/>
             <p:cNvSpPr/>
             <p:nvPr/>
           </p:nvSpPr>
           <p:spPr>
             <a:xfrm>
-              <a:off x="3200381" y="3395863"/>
-              <a:ext cx="2286018" cy="923436"/>
+              <a:off x="3456682" y="3332851"/>
+              <a:ext cx="2139753" cy="864353"/>
             </a:xfrm>
             <a:custGeom>
               <a:avLst/>
               <a:pathLst>
-                <a:path w="2286018" h="923436">
+                <a:path w="2139753" h="864353">
                   <a:moveTo>
-                    <a:pt x="2286018" y="923436"/>
+                    <a:pt x="2139753" y="864353"/>
                   </a:moveTo>
                   <a:lnTo>
-                    <a:pt x="2209753" y="891594"/>
-                  </a:lnTo>
-                  <a:lnTo>
-                    <a:pt x="2133488" y="859751"/>
-                  </a:lnTo>
-                  <a:lnTo>
-                    <a:pt x="2057223" y="827908"/>
-                  </a:lnTo>
-                  <a:lnTo>
-                    <a:pt x="1980958" y="796066"/>
-                  </a:lnTo>
-                  <a:lnTo>
-                    <a:pt x="1904694" y="764223"/>
-                  </a:lnTo>
-                  <a:lnTo>
-                    <a:pt x="1828429" y="732381"/>
-                  </a:lnTo>
-                  <a:lnTo>
-                    <a:pt x="1752164" y="700538"/>
-                  </a:lnTo>
-                  <a:lnTo>
-                    <a:pt x="1675899" y="668695"/>
-                  </a:lnTo>
-                  <a:lnTo>
-                    <a:pt x="1599634" y="636853"/>
-                  </a:lnTo>
-                  <a:lnTo>
-                    <a:pt x="1523369" y="605010"/>
-                  </a:lnTo>
-                  <a:lnTo>
-                    <a:pt x="1447105" y="573167"/>
-                  </a:lnTo>
-                  <a:lnTo>
-                    <a:pt x="1370840" y="541325"/>
-                  </a:lnTo>
-                  <a:lnTo>
-                    <a:pt x="1294575" y="509482"/>
-                  </a:lnTo>
-                  <a:lnTo>
-                    <a:pt x="1218310" y="477639"/>
-                  </a:lnTo>
-                  <a:lnTo>
-                    <a:pt x="1142045" y="445797"/>
-                  </a:lnTo>
-                  <a:lnTo>
-                    <a:pt x="1065780" y="413954"/>
-                  </a:lnTo>
-                  <a:lnTo>
-                    <a:pt x="989516" y="382111"/>
-                  </a:lnTo>
-                  <a:lnTo>
-                    <a:pt x="913251" y="350269"/>
-                  </a:lnTo>
-                  <a:lnTo>
-                    <a:pt x="836986" y="318426"/>
-                  </a:lnTo>
-                  <a:lnTo>
-                    <a:pt x="760721" y="286583"/>
-                  </a:lnTo>
-                  <a:lnTo>
-                    <a:pt x="684456" y="254741"/>
-                  </a:lnTo>
-                  <a:lnTo>
-                    <a:pt x="608191" y="222898"/>
-                  </a:lnTo>
-                  <a:lnTo>
-                    <a:pt x="531927" y="191055"/>
-                  </a:lnTo>
-                  <a:lnTo>
-                    <a:pt x="455662" y="159213"/>
-                  </a:lnTo>
-                  <a:lnTo>
-                    <a:pt x="379397" y="127370"/>
-                  </a:lnTo>
-                  <a:lnTo>
-                    <a:pt x="303132" y="95527"/>
-                  </a:lnTo>
-                  <a:lnTo>
-                    <a:pt x="226867" y="63685"/>
-                  </a:lnTo>
-                  <a:lnTo>
-                    <a:pt x="150602" y="31842"/>
-                  </a:lnTo>
-                  <a:lnTo>
-                    <a:pt x="74338" y="0"/>
-                  </a:lnTo>
-                  <a:lnTo>
-                    <a:pt x="34869" y="100883"/>
-                  </a:lnTo>
-                  <a:lnTo>
-                    <a:pt x="0" y="203447"/>
-                  </a:lnTo>
-                  <a:lnTo>
-                    <a:pt x="78828" y="228274"/>
-                  </a:lnTo>
-                  <a:lnTo>
-                    <a:pt x="157656" y="253101"/>
-                  </a:lnTo>
-                  <a:lnTo>
-                    <a:pt x="236484" y="277928"/>
-                  </a:lnTo>
-                  <a:lnTo>
-                    <a:pt x="315312" y="302755"/>
-                  </a:lnTo>
-                  <a:lnTo>
-                    <a:pt x="394141" y="327583"/>
-                  </a:lnTo>
-                  <a:lnTo>
-                    <a:pt x="472969" y="352410"/>
-                  </a:lnTo>
-                  <a:lnTo>
-                    <a:pt x="551797" y="377237"/>
-                  </a:lnTo>
-                  <a:lnTo>
-                    <a:pt x="630625" y="402064"/>
-                  </a:lnTo>
-                  <a:lnTo>
-                    <a:pt x="709453" y="426892"/>
-                  </a:lnTo>
-                  <a:lnTo>
-                    <a:pt x="788282" y="451719"/>
-                  </a:lnTo>
-                  <a:lnTo>
-                    <a:pt x="867110" y="476546"/>
-                  </a:lnTo>
-                  <a:lnTo>
-                    <a:pt x="945938" y="501373"/>
-                  </a:lnTo>
-                  <a:lnTo>
-                    <a:pt x="1024766" y="526201"/>
-                  </a:lnTo>
-                  <a:lnTo>
-                    <a:pt x="1103595" y="551028"/>
-                  </a:lnTo>
-                  <a:lnTo>
-                    <a:pt x="1182423" y="575855"/>
-                  </a:lnTo>
-                  <a:lnTo>
-                    <a:pt x="1261251" y="600682"/>
-                  </a:lnTo>
-                  <a:lnTo>
-                    <a:pt x="1340079" y="625510"/>
-                  </a:lnTo>
-                  <a:lnTo>
-                    <a:pt x="1418907" y="650337"/>
-                  </a:lnTo>
-                  <a:lnTo>
-                    <a:pt x="1497736" y="675164"/>
-                  </a:lnTo>
-                  <a:lnTo>
-                    <a:pt x="1576564" y="699991"/>
-                  </a:lnTo>
-                  <a:lnTo>
-                    <a:pt x="1655392" y="724819"/>
-                  </a:lnTo>
-                  <a:lnTo>
-                    <a:pt x="1734220" y="749646"/>
-                  </a:lnTo>
-                  <a:lnTo>
-                    <a:pt x="1813048" y="774473"/>
-                  </a:lnTo>
-                  <a:lnTo>
-                    <a:pt x="1891877" y="799300"/>
-                  </a:lnTo>
-                  <a:lnTo>
-                    <a:pt x="1970705" y="824127"/>
-                  </a:lnTo>
-                  <a:lnTo>
-                    <a:pt x="2049533" y="848955"/>
-                  </a:lnTo>
-                  <a:lnTo>
-                    <a:pt x="2128361" y="873782"/>
-                  </a:lnTo>
-                  <a:lnTo>
-                    <a:pt x="2207190" y="898609"/>
+                    <a:pt x="2068368" y="834547"/>
+                  </a:lnTo>
+                  <a:lnTo>
+                    <a:pt x="1996982" y="804742"/>
+                  </a:lnTo>
+                  <a:lnTo>
+                    <a:pt x="1925597" y="774937"/>
+                  </a:lnTo>
+                  <a:lnTo>
+                    <a:pt x="1854212" y="745132"/>
+                  </a:lnTo>
+                  <a:lnTo>
+                    <a:pt x="1782827" y="715326"/>
+                  </a:lnTo>
+                  <a:lnTo>
+                    <a:pt x="1711441" y="685521"/>
+                  </a:lnTo>
+                  <a:lnTo>
+                    <a:pt x="1640056" y="655716"/>
+                  </a:lnTo>
+                  <a:lnTo>
+                    <a:pt x="1568671" y="625910"/>
+                  </a:lnTo>
+                  <a:lnTo>
+                    <a:pt x="1497286" y="596105"/>
+                  </a:lnTo>
+                  <a:lnTo>
+                    <a:pt x="1425901" y="566300"/>
+                  </a:lnTo>
+                  <a:lnTo>
+                    <a:pt x="1354515" y="536495"/>
+                  </a:lnTo>
+                  <a:lnTo>
+                    <a:pt x="1283130" y="506689"/>
+                  </a:lnTo>
+                  <a:lnTo>
+                    <a:pt x="1211745" y="476884"/>
+                  </a:lnTo>
+                  <a:lnTo>
+                    <a:pt x="1140360" y="447079"/>
+                  </a:lnTo>
+                  <a:lnTo>
+                    <a:pt x="1068974" y="417273"/>
+                  </a:lnTo>
+                  <a:lnTo>
+                    <a:pt x="997589" y="387468"/>
+                  </a:lnTo>
+                  <a:lnTo>
+                    <a:pt x="926204" y="357663"/>
+                  </a:lnTo>
+                  <a:lnTo>
+                    <a:pt x="854819" y="327858"/>
+                  </a:lnTo>
+                  <a:lnTo>
+                    <a:pt x="783434" y="298052"/>
+                  </a:lnTo>
+                  <a:lnTo>
+                    <a:pt x="712048" y="268247"/>
+                  </a:lnTo>
+                  <a:lnTo>
+                    <a:pt x="640663" y="238442"/>
+                  </a:lnTo>
+                  <a:lnTo>
+                    <a:pt x="569278" y="208636"/>
+                  </a:lnTo>
+                  <a:lnTo>
+                    <a:pt x="497893" y="178831"/>
+                  </a:lnTo>
+                  <a:lnTo>
+                    <a:pt x="426507" y="149026"/>
+                  </a:lnTo>
+                  <a:lnTo>
+                    <a:pt x="355122" y="119221"/>
+                  </a:lnTo>
+                  <a:lnTo>
+                    <a:pt x="283737" y="89415"/>
+                  </a:lnTo>
+                  <a:lnTo>
+                    <a:pt x="212352" y="59610"/>
+                  </a:lnTo>
+                  <a:lnTo>
+                    <a:pt x="140966" y="29805"/>
+                  </a:lnTo>
+                  <a:lnTo>
+                    <a:pt x="69581" y="0"/>
+                  </a:lnTo>
+                  <a:lnTo>
+                    <a:pt x="32638" y="94428"/>
+                  </a:lnTo>
+                  <a:lnTo>
+                    <a:pt x="0" y="190429"/>
+                  </a:lnTo>
+                  <a:lnTo>
+                    <a:pt x="73784" y="213668"/>
+                  </a:lnTo>
+                  <a:lnTo>
+                    <a:pt x="147569" y="236907"/>
+                  </a:lnTo>
+                  <a:lnTo>
+                    <a:pt x="221353" y="260146"/>
+                  </a:lnTo>
+                  <a:lnTo>
+                    <a:pt x="295138" y="283384"/>
+                  </a:lnTo>
+                  <a:lnTo>
+                    <a:pt x="368922" y="306623"/>
+                  </a:lnTo>
+                  <a:lnTo>
+                    <a:pt x="442707" y="329862"/>
+                  </a:lnTo>
+                  <a:lnTo>
+                    <a:pt x="516492" y="353101"/>
+                  </a:lnTo>
+                  <a:lnTo>
+                    <a:pt x="590276" y="376339"/>
+                  </a:lnTo>
+                  <a:lnTo>
+                    <a:pt x="664061" y="399578"/>
+                  </a:lnTo>
+                  <a:lnTo>
+                    <a:pt x="737845" y="422817"/>
+                  </a:lnTo>
+                  <a:lnTo>
+                    <a:pt x="811630" y="446056"/>
+                  </a:lnTo>
+                  <a:lnTo>
+                    <a:pt x="885415" y="469294"/>
+                  </a:lnTo>
+                  <a:lnTo>
+                    <a:pt x="959199" y="492533"/>
+                  </a:lnTo>
+                  <a:lnTo>
+                    <a:pt x="1032984" y="515772"/>
+                  </a:lnTo>
+                  <a:lnTo>
+                    <a:pt x="1106768" y="539010"/>
+                  </a:lnTo>
+                  <a:lnTo>
+                    <a:pt x="1180553" y="562249"/>
+                  </a:lnTo>
+                  <a:lnTo>
+                    <a:pt x="1254338" y="585488"/>
+                  </a:lnTo>
+                  <a:lnTo>
+                    <a:pt x="1328122" y="608727"/>
+                  </a:lnTo>
+                  <a:lnTo>
+                    <a:pt x="1401907" y="631965"/>
+                  </a:lnTo>
+                  <a:lnTo>
+                    <a:pt x="1475691" y="655204"/>
+                  </a:lnTo>
+                  <a:lnTo>
+                    <a:pt x="1549476" y="678443"/>
+                  </a:lnTo>
+                  <a:lnTo>
+                    <a:pt x="1623261" y="701682"/>
+                  </a:lnTo>
+                  <a:lnTo>
+                    <a:pt x="1697045" y="724920"/>
+                  </a:lnTo>
+                  <a:lnTo>
+                    <a:pt x="1770830" y="748159"/>
+                  </a:lnTo>
+                  <a:lnTo>
+                    <a:pt x="1844614" y="771398"/>
+                  </a:lnTo>
+                  <a:lnTo>
+                    <a:pt x="1918399" y="794637"/>
+                  </a:lnTo>
+                  <a:lnTo>
+                    <a:pt x="1992184" y="817875"/>
+                  </a:lnTo>
+                  <a:lnTo>
+                    <a:pt x="2065968" y="841114"/>
                   </a:lnTo>
                   <a:close/>
                 </a:path>
               </a:pathLst>
             </a:custGeom>
             <a:solidFill>
-              <a:srgbClr val="FE4A49">
+              <a:srgbClr val="7F7F7F">
                 <a:alpha val="100000"/>
               </a:srgbClr>
             </a:solidFill>
@@ -3170,253 +4459,253 @@
         </p:sp>
         <p:sp>
           <p:nvSpPr>
-            <p:cNvPr id="7" name="pg6"/>
+            <p:cNvPr id="25" name="pg24"/>
             <p:cNvSpPr/>
             <p:nvPr/>
           </p:nvSpPr>
           <p:spPr>
             <a:xfrm>
-              <a:off x="3274719" y="2266617"/>
-              <a:ext cx="2211680" cy="2052682"/>
+              <a:off x="3526264" y="2275857"/>
+              <a:ext cx="2070171" cy="1921347"/>
             </a:xfrm>
             <a:custGeom>
               <a:avLst/>
               <a:pathLst>
-                <a:path w="2211680" h="2052682">
+                <a:path w="2070171" h="1921347">
                   <a:moveTo>
-                    <a:pt x="2211680" y="2052682"/>
+                    <a:pt x="2070171" y="1921347"/>
                   </a:moveTo>
                   <a:lnTo>
-                    <a:pt x="2169016" y="1981900"/>
-                  </a:lnTo>
-                  <a:lnTo>
-                    <a:pt x="2126353" y="1911118"/>
-                  </a:lnTo>
-                  <a:lnTo>
-                    <a:pt x="2083689" y="1840336"/>
-                  </a:lnTo>
-                  <a:lnTo>
-                    <a:pt x="2041026" y="1769554"/>
-                  </a:lnTo>
-                  <a:lnTo>
-                    <a:pt x="1998363" y="1698771"/>
-                  </a:lnTo>
-                  <a:lnTo>
-                    <a:pt x="1955699" y="1627989"/>
-                  </a:lnTo>
-                  <a:lnTo>
-                    <a:pt x="1913036" y="1557207"/>
-                  </a:lnTo>
-                  <a:lnTo>
-                    <a:pt x="1870373" y="1486425"/>
-                  </a:lnTo>
-                  <a:lnTo>
-                    <a:pt x="1827709" y="1415643"/>
-                  </a:lnTo>
-                  <a:lnTo>
-                    <a:pt x="1785046" y="1344861"/>
-                  </a:lnTo>
-                  <a:lnTo>
-                    <a:pt x="1742382" y="1274078"/>
-                  </a:lnTo>
-                  <a:lnTo>
-                    <a:pt x="1699719" y="1203296"/>
-                  </a:lnTo>
-                  <a:lnTo>
-                    <a:pt x="1657056" y="1132514"/>
-                  </a:lnTo>
-                  <a:lnTo>
-                    <a:pt x="1614392" y="1061732"/>
-                  </a:lnTo>
-                  <a:lnTo>
-                    <a:pt x="1571729" y="990950"/>
-                  </a:lnTo>
-                  <a:lnTo>
-                    <a:pt x="1529065" y="920168"/>
-                  </a:lnTo>
-                  <a:lnTo>
-                    <a:pt x="1486402" y="849385"/>
-                  </a:lnTo>
-                  <a:lnTo>
-                    <a:pt x="1443739" y="778603"/>
-                  </a:lnTo>
-                  <a:lnTo>
-                    <a:pt x="1401075" y="707821"/>
-                  </a:lnTo>
-                  <a:lnTo>
-                    <a:pt x="1358412" y="637039"/>
-                  </a:lnTo>
-                  <a:lnTo>
-                    <a:pt x="1315749" y="566257"/>
-                  </a:lnTo>
-                  <a:lnTo>
-                    <a:pt x="1273085" y="495475"/>
-                  </a:lnTo>
-                  <a:lnTo>
-                    <a:pt x="1230422" y="424692"/>
-                  </a:lnTo>
-                  <a:lnTo>
-                    <a:pt x="1187758" y="353910"/>
-                  </a:lnTo>
-                  <a:lnTo>
-                    <a:pt x="1145095" y="283128"/>
-                  </a:lnTo>
-                  <a:lnTo>
-                    <a:pt x="1102432" y="212346"/>
-                  </a:lnTo>
-                  <a:lnTo>
-                    <a:pt x="1059768" y="141564"/>
-                  </a:lnTo>
-                  <a:lnTo>
-                    <a:pt x="1017105" y="70782"/>
-                  </a:lnTo>
-                  <a:lnTo>
-                    <a:pt x="974441" y="0"/>
-                  </a:lnTo>
-                  <a:lnTo>
-                    <a:pt x="903053" y="44757"/>
-                  </a:lnTo>
-                  <a:lnTo>
-                    <a:pt x="833282" y="91997"/>
-                  </a:lnTo>
-                  <a:lnTo>
-                    <a:pt x="765215" y="141660"/>
-                  </a:lnTo>
-                  <a:lnTo>
-                    <a:pt x="698936" y="193685"/>
-                  </a:lnTo>
-                  <a:lnTo>
-                    <a:pt x="634526" y="248007"/>
-                  </a:lnTo>
-                  <a:lnTo>
-                    <a:pt x="572065" y="304560"/>
-                  </a:lnTo>
-                  <a:lnTo>
-                    <a:pt x="511631" y="363274"/>
-                  </a:lnTo>
-                  <a:lnTo>
-                    <a:pt x="453298" y="424075"/>
-                  </a:lnTo>
-                  <a:lnTo>
-                    <a:pt x="397139" y="486890"/>
-                  </a:lnTo>
-                  <a:lnTo>
-                    <a:pt x="343222" y="551639"/>
-                  </a:lnTo>
-                  <a:lnTo>
-                    <a:pt x="291614" y="618244"/>
-                  </a:lnTo>
-                  <a:lnTo>
-                    <a:pt x="242379" y="686622"/>
-                  </a:lnTo>
-                  <a:lnTo>
-                    <a:pt x="195579" y="756688"/>
-                  </a:lnTo>
-                  <a:lnTo>
-                    <a:pt x="151270" y="828355"/>
-                  </a:lnTo>
-                  <a:lnTo>
-                    <a:pt x="109507" y="901536"/>
-                  </a:lnTo>
-                  <a:lnTo>
-                    <a:pt x="70343" y="976140"/>
-                  </a:lnTo>
-                  <a:lnTo>
-                    <a:pt x="33825" y="1052074"/>
-                  </a:lnTo>
-                  <a:lnTo>
-                    <a:pt x="0" y="1129245"/>
-                  </a:lnTo>
-                  <a:lnTo>
-                    <a:pt x="76264" y="1161088"/>
-                  </a:lnTo>
-                  <a:lnTo>
-                    <a:pt x="152529" y="1192931"/>
-                  </a:lnTo>
-                  <a:lnTo>
-                    <a:pt x="228794" y="1224773"/>
-                  </a:lnTo>
-                  <a:lnTo>
-                    <a:pt x="305059" y="1256616"/>
-                  </a:lnTo>
-                  <a:lnTo>
-                    <a:pt x="381324" y="1288459"/>
-                  </a:lnTo>
-                  <a:lnTo>
-                    <a:pt x="457588" y="1320301"/>
-                  </a:lnTo>
-                  <a:lnTo>
-                    <a:pt x="533853" y="1352144"/>
-                  </a:lnTo>
-                  <a:lnTo>
-                    <a:pt x="610118" y="1383987"/>
-                  </a:lnTo>
-                  <a:lnTo>
-                    <a:pt x="686383" y="1415829"/>
-                  </a:lnTo>
-                  <a:lnTo>
-                    <a:pt x="762648" y="1447672"/>
-                  </a:lnTo>
-                  <a:lnTo>
-                    <a:pt x="838913" y="1479515"/>
-                  </a:lnTo>
-                  <a:lnTo>
-                    <a:pt x="915177" y="1511357"/>
-                  </a:lnTo>
-                  <a:lnTo>
-                    <a:pt x="991442" y="1543200"/>
-                  </a:lnTo>
-                  <a:lnTo>
-                    <a:pt x="1067707" y="1575042"/>
-                  </a:lnTo>
-                  <a:lnTo>
-                    <a:pt x="1143972" y="1606885"/>
-                  </a:lnTo>
-                  <a:lnTo>
-                    <a:pt x="1220237" y="1638728"/>
-                  </a:lnTo>
-                  <a:lnTo>
-                    <a:pt x="1296502" y="1670570"/>
-                  </a:lnTo>
-                  <a:lnTo>
-                    <a:pt x="1372766" y="1702413"/>
-                  </a:lnTo>
-                  <a:lnTo>
-                    <a:pt x="1449031" y="1734256"/>
-                  </a:lnTo>
-                  <a:lnTo>
-                    <a:pt x="1525296" y="1766098"/>
-                  </a:lnTo>
-                  <a:lnTo>
-                    <a:pt x="1601561" y="1797941"/>
-                  </a:lnTo>
-                  <a:lnTo>
-                    <a:pt x="1677826" y="1829784"/>
-                  </a:lnTo>
-                  <a:lnTo>
-                    <a:pt x="1754091" y="1861626"/>
-                  </a:lnTo>
-                  <a:lnTo>
-                    <a:pt x="1830355" y="1893469"/>
-                  </a:lnTo>
-                  <a:lnTo>
-                    <a:pt x="1906620" y="1925312"/>
-                  </a:lnTo>
-                  <a:lnTo>
-                    <a:pt x="1982885" y="1957154"/>
-                  </a:lnTo>
-                  <a:lnTo>
-                    <a:pt x="2059150" y="1988997"/>
-                  </a:lnTo>
-                  <a:lnTo>
-                    <a:pt x="2135415" y="2020840"/>
+                    <a:pt x="2030237" y="1855093"/>
+                  </a:lnTo>
+                  <a:lnTo>
+                    <a:pt x="1990304" y="1788840"/>
+                  </a:lnTo>
+                  <a:lnTo>
+                    <a:pt x="1950370" y="1722587"/>
+                  </a:lnTo>
+                  <a:lnTo>
+                    <a:pt x="1910436" y="1656333"/>
+                  </a:lnTo>
+                  <a:lnTo>
+                    <a:pt x="1870503" y="1590080"/>
+                  </a:lnTo>
+                  <a:lnTo>
+                    <a:pt x="1830569" y="1523827"/>
+                  </a:lnTo>
+                  <a:lnTo>
+                    <a:pt x="1790635" y="1457573"/>
+                  </a:lnTo>
+                  <a:lnTo>
+                    <a:pt x="1750702" y="1391320"/>
+                  </a:lnTo>
+                  <a:lnTo>
+                    <a:pt x="1710768" y="1325067"/>
+                  </a:lnTo>
+                  <a:lnTo>
+                    <a:pt x="1670834" y="1258813"/>
+                  </a:lnTo>
+                  <a:lnTo>
+                    <a:pt x="1630901" y="1192560"/>
+                  </a:lnTo>
+                  <a:lnTo>
+                    <a:pt x="1590967" y="1126306"/>
+                  </a:lnTo>
+                  <a:lnTo>
+                    <a:pt x="1551033" y="1060053"/>
+                  </a:lnTo>
+                  <a:lnTo>
+                    <a:pt x="1511100" y="993800"/>
+                  </a:lnTo>
+                  <a:lnTo>
+                    <a:pt x="1471166" y="927546"/>
+                  </a:lnTo>
+                  <a:lnTo>
+                    <a:pt x="1431232" y="861293"/>
+                  </a:lnTo>
+                  <a:lnTo>
+                    <a:pt x="1391299" y="795040"/>
+                  </a:lnTo>
+                  <a:lnTo>
+                    <a:pt x="1351365" y="728786"/>
+                  </a:lnTo>
+                  <a:lnTo>
+                    <a:pt x="1311431" y="662533"/>
+                  </a:lnTo>
+                  <a:lnTo>
+                    <a:pt x="1271497" y="596280"/>
+                  </a:lnTo>
+                  <a:lnTo>
+                    <a:pt x="1231564" y="530026"/>
+                  </a:lnTo>
+                  <a:lnTo>
+                    <a:pt x="1191630" y="463773"/>
+                  </a:lnTo>
+                  <a:lnTo>
+                    <a:pt x="1151696" y="397520"/>
+                  </a:lnTo>
+                  <a:lnTo>
+                    <a:pt x="1111763" y="331266"/>
+                  </a:lnTo>
+                  <a:lnTo>
+                    <a:pt x="1071829" y="265013"/>
+                  </a:lnTo>
+                  <a:lnTo>
+                    <a:pt x="1031895" y="198760"/>
+                  </a:lnTo>
+                  <a:lnTo>
+                    <a:pt x="991962" y="132506"/>
+                  </a:lnTo>
+                  <a:lnTo>
+                    <a:pt x="952028" y="66253"/>
+                  </a:lnTo>
+                  <a:lnTo>
+                    <a:pt x="912094" y="0"/>
+                  </a:lnTo>
+                  <a:lnTo>
+                    <a:pt x="845274" y="41894"/>
+                  </a:lnTo>
+                  <a:lnTo>
+                    <a:pt x="779967" y="86111"/>
+                  </a:lnTo>
+                  <a:lnTo>
+                    <a:pt x="716255" y="132596"/>
+                  </a:lnTo>
+                  <a:lnTo>
+                    <a:pt x="654216" y="181293"/>
+                  </a:lnTo>
+                  <a:lnTo>
+                    <a:pt x="593927" y="232139"/>
+                  </a:lnTo>
+                  <a:lnTo>
+                    <a:pt x="535463" y="285074"/>
+                  </a:lnTo>
+                  <a:lnTo>
+                    <a:pt x="478896" y="340031"/>
+                  </a:lnTo>
+                  <a:lnTo>
+                    <a:pt x="424295" y="396942"/>
+                  </a:lnTo>
+                  <a:lnTo>
+                    <a:pt x="371729" y="455737"/>
+                  </a:lnTo>
+                  <a:lnTo>
+                    <a:pt x="321262" y="516344"/>
+                  </a:lnTo>
+                  <a:lnTo>
+                    <a:pt x="272956" y="578687"/>
+                  </a:lnTo>
+                  <a:lnTo>
+                    <a:pt x="226871" y="642690"/>
+                  </a:lnTo>
+                  <a:lnTo>
+                    <a:pt x="183065" y="708273"/>
+                  </a:lnTo>
+                  <a:lnTo>
+                    <a:pt x="141591" y="775355"/>
+                  </a:lnTo>
+                  <a:lnTo>
+                    <a:pt x="102501" y="843854"/>
+                  </a:lnTo>
+                  <a:lnTo>
+                    <a:pt x="65842" y="913684"/>
+                  </a:lnTo>
+                  <a:lnTo>
+                    <a:pt x="31661" y="984760"/>
+                  </a:lnTo>
+                  <a:lnTo>
+                    <a:pt x="0" y="1056993"/>
+                  </a:lnTo>
+                  <a:lnTo>
+                    <a:pt x="71385" y="1086799"/>
+                  </a:lnTo>
+                  <a:lnTo>
+                    <a:pt x="142770" y="1116604"/>
+                  </a:lnTo>
+                  <a:lnTo>
+                    <a:pt x="214155" y="1146409"/>
+                  </a:lnTo>
+                  <a:lnTo>
+                    <a:pt x="285540" y="1176215"/>
+                  </a:lnTo>
+                  <a:lnTo>
+                    <a:pt x="356926" y="1206020"/>
+                  </a:lnTo>
+                  <a:lnTo>
+                    <a:pt x="428311" y="1235825"/>
+                  </a:lnTo>
+                  <a:lnTo>
+                    <a:pt x="499696" y="1265630"/>
+                  </a:lnTo>
+                  <a:lnTo>
+                    <a:pt x="571081" y="1295436"/>
+                  </a:lnTo>
+                  <a:lnTo>
+                    <a:pt x="642467" y="1325241"/>
+                  </a:lnTo>
+                  <a:lnTo>
+                    <a:pt x="713852" y="1355046"/>
+                  </a:lnTo>
+                  <a:lnTo>
+                    <a:pt x="785237" y="1384852"/>
+                  </a:lnTo>
+                  <a:lnTo>
+                    <a:pt x="856622" y="1414657"/>
+                  </a:lnTo>
+                  <a:lnTo>
+                    <a:pt x="928007" y="1444462"/>
+                  </a:lnTo>
+                  <a:lnTo>
+                    <a:pt x="999393" y="1474267"/>
+                  </a:lnTo>
+                  <a:lnTo>
+                    <a:pt x="1070778" y="1504073"/>
+                  </a:lnTo>
+                  <a:lnTo>
+                    <a:pt x="1142163" y="1533878"/>
+                  </a:lnTo>
+                  <a:lnTo>
+                    <a:pt x="1213548" y="1563683"/>
+                  </a:lnTo>
+                  <a:lnTo>
+                    <a:pt x="1284934" y="1593489"/>
+                  </a:lnTo>
+                  <a:lnTo>
+                    <a:pt x="1356319" y="1623294"/>
+                  </a:lnTo>
+                  <a:lnTo>
+                    <a:pt x="1427704" y="1653099"/>
+                  </a:lnTo>
+                  <a:lnTo>
+                    <a:pt x="1499089" y="1682904"/>
+                  </a:lnTo>
+                  <a:lnTo>
+                    <a:pt x="1570474" y="1712710"/>
+                  </a:lnTo>
+                  <a:lnTo>
+                    <a:pt x="1641860" y="1742515"/>
+                  </a:lnTo>
+                  <a:lnTo>
+                    <a:pt x="1713245" y="1772320"/>
+                  </a:lnTo>
+                  <a:lnTo>
+                    <a:pt x="1784630" y="1802126"/>
+                  </a:lnTo>
+                  <a:lnTo>
+                    <a:pt x="1856015" y="1831931"/>
+                  </a:lnTo>
+                  <a:lnTo>
+                    <a:pt x="1927401" y="1861736"/>
+                  </a:lnTo>
+                  <a:lnTo>
+                    <a:pt x="1998786" y="1891541"/>
                   </a:lnTo>
                   <a:close/>
                 </a:path>
               </a:pathLst>
             </a:custGeom>
             <a:solidFill>
-              <a:srgbClr val="A87142">
+              <a:srgbClr val="7F7F7F">
                 <a:alpha val="100000"/>
               </a:srgbClr>
             </a:solidFill>
@@ -3438,247 +4727,247 @@
         </p:sp>
         <p:sp>
           <p:nvSpPr>
-            <p:cNvPr id="8" name="pg7"/>
+            <p:cNvPr id="26" name="pg25"/>
             <p:cNvSpPr/>
             <p:nvPr/>
           </p:nvSpPr>
           <p:spPr>
             <a:xfrm>
-              <a:off x="4249161" y="1922580"/>
-              <a:ext cx="1237238" cy="2396719"/>
+              <a:off x="4438358" y="1953832"/>
+              <a:ext cx="1158076" cy="2243371"/>
             </a:xfrm>
             <a:custGeom>
               <a:avLst/>
               <a:pathLst>
-                <a:path w="1237238" h="2396719">
+                <a:path w="1158076" h="2243371">
                   <a:moveTo>
-                    <a:pt x="1237238" y="2396719"/>
+                    <a:pt x="1158076" y="2243371"/>
                   </a:moveTo>
                   <a:lnTo>
-                    <a:pt x="1237238" y="2314074"/>
-                  </a:lnTo>
-                  <a:lnTo>
-                    <a:pt x="1237238" y="2231428"/>
-                  </a:lnTo>
-                  <a:lnTo>
-                    <a:pt x="1237238" y="2148783"/>
-                  </a:lnTo>
-                  <a:lnTo>
-                    <a:pt x="1237238" y="2066137"/>
-                  </a:lnTo>
-                  <a:lnTo>
-                    <a:pt x="1237238" y="1983492"/>
-                  </a:lnTo>
-                  <a:lnTo>
-                    <a:pt x="1237238" y="1900846"/>
-                  </a:lnTo>
-                  <a:lnTo>
-                    <a:pt x="1237238" y="1818201"/>
-                  </a:lnTo>
-                  <a:lnTo>
-                    <a:pt x="1237238" y="1735555"/>
-                  </a:lnTo>
-                  <a:lnTo>
-                    <a:pt x="1237238" y="1652910"/>
-                  </a:lnTo>
-                  <a:lnTo>
-                    <a:pt x="1237238" y="1570264"/>
-                  </a:lnTo>
-                  <a:lnTo>
-                    <a:pt x="1237238" y="1487619"/>
-                  </a:lnTo>
-                  <a:lnTo>
-                    <a:pt x="1237238" y="1404973"/>
-                  </a:lnTo>
-                  <a:lnTo>
-                    <a:pt x="1237238" y="1322328"/>
-                  </a:lnTo>
-                  <a:lnTo>
-                    <a:pt x="1237238" y="1239682"/>
-                  </a:lnTo>
-                  <a:lnTo>
-                    <a:pt x="1237238" y="1157037"/>
-                  </a:lnTo>
-                  <a:lnTo>
-                    <a:pt x="1237238" y="1074391"/>
-                  </a:lnTo>
-                  <a:lnTo>
-                    <a:pt x="1237238" y="991746"/>
-                  </a:lnTo>
-                  <a:lnTo>
-                    <a:pt x="1237238" y="909100"/>
-                  </a:lnTo>
-                  <a:lnTo>
-                    <a:pt x="1237238" y="826455"/>
-                  </a:lnTo>
-                  <a:lnTo>
-                    <a:pt x="1237238" y="743809"/>
-                  </a:lnTo>
-                  <a:lnTo>
-                    <a:pt x="1237238" y="661164"/>
-                  </a:lnTo>
-                  <a:lnTo>
-                    <a:pt x="1237238" y="578518"/>
-                  </a:lnTo>
-                  <a:lnTo>
-                    <a:pt x="1237238" y="495873"/>
-                  </a:lnTo>
-                  <a:lnTo>
-                    <a:pt x="1237238" y="413227"/>
-                  </a:lnTo>
-                  <a:lnTo>
-                    <a:pt x="1237238" y="330582"/>
-                  </a:lnTo>
-                  <a:lnTo>
-                    <a:pt x="1237238" y="247936"/>
-                  </a:lnTo>
-                  <a:lnTo>
-                    <a:pt x="1237238" y="165291"/>
-                  </a:lnTo>
-                  <a:lnTo>
-                    <a:pt x="1237238" y="82645"/>
-                  </a:lnTo>
-                  <a:lnTo>
-                    <a:pt x="1237238" y="0"/>
-                  </a:lnTo>
-                  <a:lnTo>
-                    <a:pt x="1155999" y="1377"/>
-                  </a:lnTo>
-                  <a:lnTo>
-                    <a:pt x="1074855" y="5507"/>
-                  </a:lnTo>
-                  <a:lnTo>
-                    <a:pt x="993896" y="12385"/>
-                  </a:lnTo>
-                  <a:lnTo>
-                    <a:pt x="913218" y="22003"/>
-                  </a:lnTo>
-                  <a:lnTo>
-                    <a:pt x="832912" y="34351"/>
-                  </a:lnTo>
-                  <a:lnTo>
-                    <a:pt x="753070" y="49413"/>
-                  </a:lnTo>
-                  <a:lnTo>
-                    <a:pt x="673785" y="67173"/>
-                  </a:lnTo>
-                  <a:lnTo>
-                    <a:pt x="595147" y="87610"/>
-                  </a:lnTo>
-                  <a:lnTo>
-                    <a:pt x="517248" y="110701"/>
-                  </a:lnTo>
-                  <a:lnTo>
-                    <a:pt x="440176" y="136419"/>
-                  </a:lnTo>
-                  <a:lnTo>
-                    <a:pt x="364019" y="164735"/>
-                  </a:lnTo>
-                  <a:lnTo>
-                    <a:pt x="288867" y="195615"/>
-                  </a:lnTo>
-                  <a:lnTo>
-                    <a:pt x="214804" y="229026"/>
-                  </a:lnTo>
-                  <a:lnTo>
-                    <a:pt x="141916" y="264927"/>
-                  </a:lnTo>
-                  <a:lnTo>
-                    <a:pt x="70287" y="303279"/>
-                  </a:lnTo>
-                  <a:lnTo>
-                    <a:pt x="0" y="344036"/>
-                  </a:lnTo>
-                  <a:lnTo>
-                    <a:pt x="42663" y="414819"/>
-                  </a:lnTo>
-                  <a:lnTo>
-                    <a:pt x="85326" y="485601"/>
-                  </a:lnTo>
-                  <a:lnTo>
-                    <a:pt x="127990" y="556383"/>
-                  </a:lnTo>
-                  <a:lnTo>
-                    <a:pt x="170653" y="627165"/>
-                  </a:lnTo>
-                  <a:lnTo>
-                    <a:pt x="213316" y="697947"/>
-                  </a:lnTo>
-                  <a:lnTo>
-                    <a:pt x="255980" y="768729"/>
-                  </a:lnTo>
-                  <a:lnTo>
-                    <a:pt x="298643" y="839511"/>
-                  </a:lnTo>
-                  <a:lnTo>
-                    <a:pt x="341307" y="910294"/>
-                  </a:lnTo>
-                  <a:lnTo>
-                    <a:pt x="383970" y="981076"/>
-                  </a:lnTo>
-                  <a:lnTo>
-                    <a:pt x="426633" y="1051858"/>
-                  </a:lnTo>
-                  <a:lnTo>
-                    <a:pt x="469297" y="1122640"/>
-                  </a:lnTo>
-                  <a:lnTo>
-                    <a:pt x="511960" y="1193422"/>
-                  </a:lnTo>
-                  <a:lnTo>
-                    <a:pt x="554624" y="1264204"/>
-                  </a:lnTo>
-                  <a:lnTo>
-                    <a:pt x="597287" y="1334987"/>
-                  </a:lnTo>
-                  <a:lnTo>
-                    <a:pt x="639950" y="1405769"/>
-                  </a:lnTo>
-                  <a:lnTo>
-                    <a:pt x="682614" y="1476551"/>
-                  </a:lnTo>
-                  <a:lnTo>
-                    <a:pt x="725277" y="1547333"/>
-                  </a:lnTo>
-                  <a:lnTo>
-                    <a:pt x="767940" y="1618115"/>
-                  </a:lnTo>
-                  <a:lnTo>
-                    <a:pt x="810604" y="1688897"/>
-                  </a:lnTo>
-                  <a:lnTo>
-                    <a:pt x="853267" y="1759680"/>
-                  </a:lnTo>
-                  <a:lnTo>
-                    <a:pt x="895931" y="1830462"/>
-                  </a:lnTo>
-                  <a:lnTo>
-                    <a:pt x="938594" y="1901244"/>
-                  </a:lnTo>
-                  <a:lnTo>
-                    <a:pt x="981257" y="1972026"/>
-                  </a:lnTo>
-                  <a:lnTo>
-                    <a:pt x="1023921" y="2042808"/>
-                  </a:lnTo>
-                  <a:lnTo>
-                    <a:pt x="1066584" y="2113590"/>
-                  </a:lnTo>
-                  <a:lnTo>
-                    <a:pt x="1109248" y="2184373"/>
-                  </a:lnTo>
-                  <a:lnTo>
-                    <a:pt x="1151911" y="2255155"/>
-                  </a:lnTo>
-                  <a:lnTo>
-                    <a:pt x="1194574" y="2325937"/>
+                    <a:pt x="1158076" y="2166014"/>
+                  </a:lnTo>
+                  <a:lnTo>
+                    <a:pt x="1158076" y="2088656"/>
+                  </a:lnTo>
+                  <a:lnTo>
+                    <a:pt x="1158076" y="2011298"/>
+                  </a:lnTo>
+                  <a:lnTo>
+                    <a:pt x="1158076" y="1933941"/>
+                  </a:lnTo>
+                  <a:lnTo>
+                    <a:pt x="1158076" y="1856583"/>
+                  </a:lnTo>
+                  <a:lnTo>
+                    <a:pt x="1158076" y="1779225"/>
+                  </a:lnTo>
+                  <a:lnTo>
+                    <a:pt x="1158076" y="1701868"/>
+                  </a:lnTo>
+                  <a:lnTo>
+                    <a:pt x="1158076" y="1624510"/>
+                  </a:lnTo>
+                  <a:lnTo>
+                    <a:pt x="1158076" y="1547152"/>
+                  </a:lnTo>
+                  <a:lnTo>
+                    <a:pt x="1158076" y="1469795"/>
+                  </a:lnTo>
+                  <a:lnTo>
+                    <a:pt x="1158076" y="1392437"/>
+                  </a:lnTo>
+                  <a:lnTo>
+                    <a:pt x="1158076" y="1315080"/>
+                  </a:lnTo>
+                  <a:lnTo>
+                    <a:pt x="1158076" y="1237722"/>
+                  </a:lnTo>
+                  <a:lnTo>
+                    <a:pt x="1158076" y="1160364"/>
+                  </a:lnTo>
+                  <a:lnTo>
+                    <a:pt x="1158076" y="1083007"/>
+                  </a:lnTo>
+                  <a:lnTo>
+                    <a:pt x="1158076" y="1005649"/>
+                  </a:lnTo>
+                  <a:lnTo>
+                    <a:pt x="1158076" y="928291"/>
+                  </a:lnTo>
+                  <a:lnTo>
+                    <a:pt x="1158076" y="850934"/>
+                  </a:lnTo>
+                  <a:lnTo>
+                    <a:pt x="1158076" y="773576"/>
+                  </a:lnTo>
+                  <a:lnTo>
+                    <a:pt x="1158076" y="696218"/>
+                  </a:lnTo>
+                  <a:lnTo>
+                    <a:pt x="1158076" y="618861"/>
+                  </a:lnTo>
+                  <a:lnTo>
+                    <a:pt x="1158076" y="541503"/>
+                  </a:lnTo>
+                  <a:lnTo>
+                    <a:pt x="1158076" y="464145"/>
+                  </a:lnTo>
+                  <a:lnTo>
+                    <a:pt x="1158076" y="386788"/>
+                  </a:lnTo>
+                  <a:lnTo>
+                    <a:pt x="1158076" y="309430"/>
+                  </a:lnTo>
+                  <a:lnTo>
+                    <a:pt x="1158076" y="232072"/>
+                  </a:lnTo>
+                  <a:lnTo>
+                    <a:pt x="1158076" y="154715"/>
+                  </a:lnTo>
+                  <a:lnTo>
+                    <a:pt x="1158076" y="77357"/>
+                  </a:lnTo>
+                  <a:lnTo>
+                    <a:pt x="1158076" y="0"/>
+                  </a:lnTo>
+                  <a:lnTo>
+                    <a:pt x="1082036" y="1289"/>
+                  </a:lnTo>
+                  <a:lnTo>
+                    <a:pt x="1006083" y="5154"/>
+                  </a:lnTo>
+                  <a:lnTo>
+                    <a:pt x="930304" y="11592"/>
+                  </a:lnTo>
+                  <a:lnTo>
+                    <a:pt x="854788" y="20595"/>
+                  </a:lnTo>
+                  <a:lnTo>
+                    <a:pt x="779620" y="32153"/>
+                  </a:lnTo>
+                  <a:lnTo>
+                    <a:pt x="704887" y="46251"/>
+                  </a:lnTo>
+                  <a:lnTo>
+                    <a:pt x="630675" y="62875"/>
+                  </a:lnTo>
+                  <a:lnTo>
+                    <a:pt x="557068" y="82004"/>
+                  </a:lnTo>
+                  <a:lnTo>
+                    <a:pt x="484153" y="103618"/>
+                  </a:lnTo>
+                  <a:lnTo>
+                    <a:pt x="412012" y="127690"/>
+                  </a:lnTo>
+                  <a:lnTo>
+                    <a:pt x="340729" y="154194"/>
+                  </a:lnTo>
+                  <a:lnTo>
+                    <a:pt x="270384" y="183099"/>
+                  </a:lnTo>
+                  <a:lnTo>
+                    <a:pt x="201060" y="214372"/>
+                  </a:lnTo>
+                  <a:lnTo>
+                    <a:pt x="132836" y="247977"/>
+                  </a:lnTo>
+                  <a:lnTo>
+                    <a:pt x="65790" y="283874"/>
+                  </a:lnTo>
+                  <a:lnTo>
+                    <a:pt x="0" y="322024"/>
+                  </a:lnTo>
+                  <a:lnTo>
+                    <a:pt x="39933" y="388277"/>
+                  </a:lnTo>
+                  <a:lnTo>
+                    <a:pt x="79867" y="454531"/>
+                  </a:lnTo>
+                  <a:lnTo>
+                    <a:pt x="119801" y="520784"/>
+                  </a:lnTo>
+                  <a:lnTo>
+                    <a:pt x="159734" y="587037"/>
+                  </a:lnTo>
+                  <a:lnTo>
+                    <a:pt x="199668" y="653291"/>
+                  </a:lnTo>
+                  <a:lnTo>
+                    <a:pt x="239602" y="719544"/>
+                  </a:lnTo>
+                  <a:lnTo>
+                    <a:pt x="279535" y="785798"/>
+                  </a:lnTo>
+                  <a:lnTo>
+                    <a:pt x="319469" y="852051"/>
+                  </a:lnTo>
+                  <a:lnTo>
+                    <a:pt x="359403" y="918304"/>
+                  </a:lnTo>
+                  <a:lnTo>
+                    <a:pt x="399336" y="984558"/>
+                  </a:lnTo>
+                  <a:lnTo>
+                    <a:pt x="439270" y="1050811"/>
+                  </a:lnTo>
+                  <a:lnTo>
+                    <a:pt x="479204" y="1117064"/>
+                  </a:lnTo>
+                  <a:lnTo>
+                    <a:pt x="519137" y="1183318"/>
+                  </a:lnTo>
+                  <a:lnTo>
+                    <a:pt x="559071" y="1249571"/>
+                  </a:lnTo>
+                  <a:lnTo>
+                    <a:pt x="599005" y="1315824"/>
+                  </a:lnTo>
+                  <a:lnTo>
+                    <a:pt x="638938" y="1382078"/>
+                  </a:lnTo>
+                  <a:lnTo>
+                    <a:pt x="678872" y="1448331"/>
+                  </a:lnTo>
+                  <a:lnTo>
+                    <a:pt x="718806" y="1514584"/>
+                  </a:lnTo>
+                  <a:lnTo>
+                    <a:pt x="758739" y="1580838"/>
+                  </a:lnTo>
+                  <a:lnTo>
+                    <a:pt x="798673" y="1647091"/>
+                  </a:lnTo>
+                  <a:lnTo>
+                    <a:pt x="838607" y="1713344"/>
+                  </a:lnTo>
+                  <a:lnTo>
+                    <a:pt x="878540" y="1779598"/>
+                  </a:lnTo>
+                  <a:lnTo>
+                    <a:pt x="918474" y="1845851"/>
+                  </a:lnTo>
+                  <a:lnTo>
+                    <a:pt x="958408" y="1912105"/>
+                  </a:lnTo>
+                  <a:lnTo>
+                    <a:pt x="998342" y="1978358"/>
+                  </a:lnTo>
+                  <a:lnTo>
+                    <a:pt x="1038275" y="2044611"/>
+                  </a:lnTo>
+                  <a:lnTo>
+                    <a:pt x="1078209" y="2110865"/>
+                  </a:lnTo>
+                  <a:lnTo>
+                    <a:pt x="1118143" y="2177118"/>
                   </a:lnTo>
                   <a:close/>
                 </a:path>
               </a:pathLst>
             </a:custGeom>
             <a:solidFill>
-              <a:srgbClr val="A020F0">
+              <a:srgbClr val="7F7F7F">
                 <a:alpha val="100000"/>
               </a:srgbClr>
             </a:solidFill>
@@ -3700,24 +4989,24 @@
         </p:sp>
         <p:sp>
           <p:nvSpPr>
-            <p:cNvPr id="9" name="pl8"/>
+            <p:cNvPr id="27" name="pl26"/>
             <p:cNvSpPr/>
             <p:nvPr/>
           </p:nvSpPr>
           <p:spPr>
             <a:xfrm>
-              <a:off x="5174155" y="3005913"/>
-              <a:ext cx="118573" cy="147857"/>
+              <a:off x="5304724" y="2948830"/>
+              <a:ext cx="125476" cy="156709"/>
             </a:xfrm>
             <a:custGeom>
               <a:avLst/>
               <a:pathLst>
-                <a:path w="118573" h="147857">
+                <a:path w="125476" h="156709">
                   <a:moveTo>
-                    <a:pt x="118573" y="0"/>
+                    <a:pt x="125476" y="0"/>
                   </a:moveTo>
                   <a:lnTo>
-                    <a:pt x="0" y="147857"/>
+                    <a:pt x="0" y="156709"/>
                   </a:lnTo>
                 </a:path>
               </a:pathLst>
@@ -3740,13 +5029,13 @@
         </p:sp>
         <p:sp>
           <p:nvSpPr>
-            <p:cNvPr id="10" name="tx9"/>
+            <p:cNvPr id="28" name="tx27"/>
             <p:cNvSpPr/>
             <p:nvPr/>
           </p:nvSpPr>
           <p:spPr>
             <a:xfrm>
-              <a:off x="5704963" y="4756221"/>
+              <a:off x="5183381" y="5158647"/>
               <a:ext cx="1566579" cy="157737"/>
             </a:xfrm>
             <a:prstGeom prst="rect">
@@ -3786,13 +5075,13 @@
         </p:sp>
         <p:sp>
           <p:nvSpPr>
-            <p:cNvPr id="11" name="tx10"/>
+            <p:cNvPr id="29" name="tx28"/>
             <p:cNvSpPr/>
             <p:nvPr/>
           </p:nvSpPr>
           <p:spPr>
             <a:xfrm>
-              <a:off x="6000059" y="5062605"/>
+              <a:off x="5478477" y="5465030"/>
               <a:ext cx="976386" cy="163560"/>
             </a:xfrm>
             <a:prstGeom prst="rect">
@@ -3832,13 +5121,13 @@
         </p:sp>
         <p:sp>
           <p:nvSpPr>
-            <p:cNvPr id="12" name="tx11"/>
+            <p:cNvPr id="30" name="tx29"/>
             <p:cNvSpPr/>
             <p:nvPr/>
           </p:nvSpPr>
           <p:spPr>
             <a:xfrm>
-              <a:off x="3049959" y="3964543"/>
+              <a:off x="3230896" y="3869612"/>
               <a:ext cx="2036510" cy="157737"/>
             </a:xfrm>
             <a:prstGeom prst="rect">
@@ -3878,13 +5167,13 @@
         </p:sp>
         <p:sp>
           <p:nvSpPr>
-            <p:cNvPr id="13" name="tx12"/>
+            <p:cNvPr id="31" name="tx30"/>
             <p:cNvSpPr/>
             <p:nvPr/>
           </p:nvSpPr>
           <p:spPr>
             <a:xfrm>
-              <a:off x="3640311" y="4270927"/>
+              <a:off x="3821248" y="4175996"/>
               <a:ext cx="855806" cy="163560"/>
             </a:xfrm>
             <a:prstGeom prst="rect">
@@ -3924,13 +5213,13 @@
         </p:sp>
         <p:sp>
           <p:nvSpPr>
-            <p:cNvPr id="14" name="tx13"/>
+            <p:cNvPr id="32" name="tx31"/>
             <p:cNvSpPr/>
             <p:nvPr/>
           </p:nvSpPr>
           <p:spPr>
             <a:xfrm>
-              <a:off x="4204275" y="3031790"/>
+              <a:off x="4359470" y="2972868"/>
               <a:ext cx="1205158" cy="198283"/>
             </a:xfrm>
             <a:prstGeom prst="rect">
@@ -3970,13 +5259,13 @@
         </p:sp>
         <p:sp>
           <p:nvSpPr>
-            <p:cNvPr id="15" name="tx14"/>
+            <p:cNvPr id="33" name="tx32"/>
             <p:cNvSpPr/>
             <p:nvPr/>
           </p:nvSpPr>
           <p:spPr>
             <a:xfrm>
-              <a:off x="4318662" y="3378719"/>
+              <a:off x="4473857" y="3319798"/>
               <a:ext cx="976386" cy="163560"/>
             </a:xfrm>
             <a:prstGeom prst="rect">
@@ -4016,13 +5305,13 @@
         </p:sp>
         <p:sp>
           <p:nvSpPr>
-            <p:cNvPr id="16" name="tx15"/>
+            <p:cNvPr id="34" name="tx33"/>
             <p:cNvSpPr/>
             <p:nvPr/>
           </p:nvSpPr>
           <p:spPr>
             <a:xfrm>
-              <a:off x="4643500" y="2470023"/>
+              <a:off x="4784992" y="2412939"/>
               <a:ext cx="1470136" cy="200824"/>
             </a:xfrm>
             <a:prstGeom prst="rect">
@@ -4062,13 +5351,13 @@
         </p:sp>
         <p:sp>
           <p:nvSpPr>
-            <p:cNvPr id="17" name="tx16"/>
+            <p:cNvPr id="35" name="tx34"/>
             <p:cNvSpPr/>
             <p:nvPr/>
           </p:nvSpPr>
           <p:spPr>
             <a:xfrm>
-              <a:off x="4950666" y="2819493"/>
+              <a:off x="5092157" y="2762410"/>
               <a:ext cx="855806" cy="163560"/>
             </a:xfrm>
             <a:prstGeom prst="rect">
@@ -4108,13 +5397,359 @@
         </p:sp>
         <p:sp>
           <p:nvSpPr>
-            <p:cNvPr id="18" name="tx17"/>
+            <p:cNvPr id="36" name="tx35"/>
             <p:cNvSpPr/>
             <p:nvPr/>
           </p:nvSpPr>
           <p:spPr>
             <a:xfrm>
-              <a:off x="2490500" y="1170876"/>
+              <a:off x="8064348" y="4157368"/>
+              <a:ext cx="111760" cy="76835"/>
+            </a:xfrm>
+            <a:prstGeom prst="rect">
+              <a:avLst/>
+            </a:prstGeom>
+            <a:noFill/>
+          </p:spPr>
+          <p:txBody>
+            <a:bodyPr lIns="0" rIns="0" tIns="0" bIns="0" anchorCtr="1" anchor="ctr" wrap="none"/>
+            <a:lstStyle/>
+            <a:p>
+              <a:pPr algn="l" marL="0" marR="0" indent="0">
+                <a:lnSpc>
+                  <a:spcPts val="880"/>
+                </a:lnSpc>
+                <a:spcBef>
+                  <a:spcPts val="0"/>
+                </a:spcBef>
+                <a:spcAft>
+                  <a:spcPts val="0"/>
+                </a:spcAft>
+              </a:pPr>
+              <a:r>
+                <a:rPr sz="880">
+                  <a:solidFill>
+                    <a:srgbClr val="4D4D4D">
+                      <a:alpha val="100000"/>
+                    </a:srgbClr>
+                  </a:solidFill>
+                  <a:latin typeface="Times New Roman"/>
+                  <a:cs typeface="Times New Roman"/>
+                </a:rPr>
+                <a:t>25</a:t>
+              </a:r>
+            </a:p>
+          </p:txBody>
+        </p:sp>
+        <p:sp>
+          <p:nvSpPr>
+            <p:cNvPr id="37" name="tx36"/>
+            <p:cNvSpPr/>
+            <p:nvPr/>
+          </p:nvSpPr>
+          <p:spPr>
+            <a:xfrm>
+              <a:off x="5540555" y="6681161"/>
+              <a:ext cx="111760" cy="76835"/>
+            </a:xfrm>
+            <a:prstGeom prst="rect">
+              <a:avLst/>
+            </a:prstGeom>
+            <a:noFill/>
+          </p:spPr>
+          <p:txBody>
+            <a:bodyPr lIns="0" rIns="0" tIns="0" bIns="0" anchorCtr="1" anchor="ctr" wrap="none"/>
+            <a:lstStyle/>
+            <a:p>
+              <a:pPr algn="l" marL="0" marR="0" indent="0">
+                <a:lnSpc>
+                  <a:spcPts val="880"/>
+                </a:lnSpc>
+                <a:spcBef>
+                  <a:spcPts val="0"/>
+                </a:spcBef>
+                <a:spcAft>
+                  <a:spcPts val="0"/>
+                </a:spcAft>
+              </a:pPr>
+              <a:r>
+                <a:rPr sz="880">
+                  <a:solidFill>
+                    <a:srgbClr val="4D4D4D">
+                      <a:alpha val="100000"/>
+                    </a:srgbClr>
+                  </a:solidFill>
+                  <a:latin typeface="Times New Roman"/>
+                  <a:cs typeface="Times New Roman"/>
+                </a:rPr>
+                <a:t>50</a:t>
+              </a:r>
+            </a:p>
+          </p:txBody>
+        </p:sp>
+        <p:sp>
+          <p:nvSpPr>
+            <p:cNvPr id="38" name="tx37"/>
+            <p:cNvSpPr/>
+            <p:nvPr/>
+          </p:nvSpPr>
+          <p:spPr>
+            <a:xfrm>
+              <a:off x="3016762" y="4158678"/>
+              <a:ext cx="111760" cy="75525"/>
+            </a:xfrm>
+            <a:prstGeom prst="rect">
+              <a:avLst/>
+            </a:prstGeom>
+            <a:noFill/>
+          </p:spPr>
+          <p:txBody>
+            <a:bodyPr lIns="0" rIns="0" tIns="0" bIns="0" anchorCtr="1" anchor="ctr" wrap="none"/>
+            <a:lstStyle/>
+            <a:p>
+              <a:pPr algn="l" marL="0" marR="0" indent="0">
+                <a:lnSpc>
+                  <a:spcPts val="880"/>
+                </a:lnSpc>
+                <a:spcBef>
+                  <a:spcPts val="0"/>
+                </a:spcBef>
+                <a:spcAft>
+                  <a:spcPts val="0"/>
+                </a:spcAft>
+              </a:pPr>
+              <a:r>
+                <a:rPr sz="880">
+                  <a:solidFill>
+                    <a:srgbClr val="4D4D4D">
+                      <a:alpha val="100000"/>
+                    </a:srgbClr>
+                  </a:solidFill>
+                  <a:latin typeface="Times New Roman"/>
+                  <a:cs typeface="Times New Roman"/>
+                </a:rPr>
+                <a:t>75</a:t>
+              </a:r>
+            </a:p>
+          </p:txBody>
+        </p:sp>
+        <p:sp>
+          <p:nvSpPr>
+            <p:cNvPr id="39" name="tx38"/>
+            <p:cNvSpPr/>
+            <p:nvPr/>
+          </p:nvSpPr>
+          <p:spPr>
+            <a:xfrm>
+              <a:off x="5469150" y="1631283"/>
+              <a:ext cx="254570" cy="79126"/>
+            </a:xfrm>
+            <a:prstGeom prst="rect">
+              <a:avLst/>
+            </a:prstGeom>
+            <a:noFill/>
+          </p:spPr>
+          <p:txBody>
+            <a:bodyPr lIns="0" rIns="0" tIns="0" bIns="0" anchorCtr="1" anchor="ctr" wrap="none"/>
+            <a:lstStyle/>
+            <a:p>
+              <a:pPr algn="l" marL="0" marR="0" indent="0">
+                <a:lnSpc>
+                  <a:spcPts val="880"/>
+                </a:lnSpc>
+                <a:spcBef>
+                  <a:spcPts val="0"/>
+                </a:spcBef>
+                <a:spcAft>
+                  <a:spcPts val="0"/>
+                </a:spcAft>
+              </a:pPr>
+              <a:r>
+                <a:rPr sz="880">
+                  <a:solidFill>
+                    <a:srgbClr val="4D4D4D">
+                      <a:alpha val="100000"/>
+                    </a:srgbClr>
+                  </a:solidFill>
+                  <a:latin typeface="Times New Roman"/>
+                  <a:cs typeface="Times New Roman"/>
+                </a:rPr>
+                <a:t>0/100</a:t>
+              </a:r>
+            </a:p>
+          </p:txBody>
+        </p:sp>
+        <p:sp>
+          <p:nvSpPr>
+            <p:cNvPr id="40" name="rc39"/>
+            <p:cNvSpPr/>
+            <p:nvPr/>
+          </p:nvSpPr>
+          <p:spPr>
+            <a:xfrm>
+              <a:off x="2792221" y="1392990"/>
+              <a:ext cx="5608429" cy="5608429"/>
+            </a:xfrm>
+            <a:prstGeom prst="rect">
+              <a:avLst/>
+            </a:prstGeom>
+            <a:ln w="13550" cap="rnd">
+              <a:solidFill>
+                <a:srgbClr val="333333">
+                  <a:alpha val="100000"/>
+                </a:srgbClr>
+              </a:solidFill>
+              <a:prstDash val="solid"/>
+              <a:round/>
+            </a:ln>
+          </p:spPr>
+          <p:txBody>
+            <a:bodyPr/>
+            <a:lstStyle/>
+            <a:p/>
+          </p:txBody>
+        </p:sp>
+        <p:sp>
+          <p:nvSpPr>
+            <p:cNvPr id="41" name="pl40"/>
+            <p:cNvSpPr/>
+            <p:nvPr/>
+          </p:nvSpPr>
+          <p:spPr>
+            <a:xfrm>
+              <a:off x="2757426" y="3075518"/>
+              <a:ext cx="34794" cy="0"/>
+            </a:xfrm>
+            <a:custGeom>
+              <a:avLst/>
+              <a:pathLst>
+                <a:path w="34794" h="0">
+                  <a:moveTo>
+                    <a:pt x="0" y="0"/>
+                  </a:moveTo>
+                  <a:lnTo>
+                    <a:pt x="34794" y="0"/>
+                  </a:lnTo>
+                </a:path>
+              </a:pathLst>
+            </a:custGeom>
+            <a:ln w="13550" cap="flat">
+              <a:solidFill>
+                <a:srgbClr val="333333">
+                  <a:alpha val="100000"/>
+                </a:srgbClr>
+              </a:solidFill>
+              <a:prstDash val="solid"/>
+              <a:round/>
+            </a:ln>
+          </p:spPr>
+          <p:txBody>
+            <a:bodyPr/>
+            <a:lstStyle/>
+            <a:p/>
+          </p:txBody>
+        </p:sp>
+        <p:sp>
+          <p:nvSpPr>
+            <p:cNvPr id="42" name="tx41"/>
+            <p:cNvSpPr/>
+            <p:nvPr/>
+          </p:nvSpPr>
+          <p:spPr>
+            <a:xfrm>
+              <a:off x="5468400" y="7121258"/>
+              <a:ext cx="256071" cy="94202"/>
+            </a:xfrm>
+            <a:prstGeom prst="rect">
+              <a:avLst/>
+            </a:prstGeom>
+            <a:noFill/>
+          </p:spPr>
+          <p:txBody>
+            <a:bodyPr lIns="0" rIns="0" tIns="0" bIns="0" anchorCtr="1" anchor="ctr" wrap="none"/>
+            <a:lstStyle/>
+            <a:p>
+              <a:pPr algn="l" marL="0" marR="0" indent="0">
+                <a:lnSpc>
+                  <a:spcPts val="1100"/>
+                </a:lnSpc>
+                <a:spcBef>
+                  <a:spcPts val="0"/>
+                </a:spcBef>
+                <a:spcAft>
+                  <a:spcPts val="0"/>
+                </a:spcAft>
+              </a:pPr>
+              <a:r>
+                <a:rPr sz="1100">
+                  <a:solidFill>
+                    <a:srgbClr val="000000">
+                      <a:alpha val="100000"/>
+                    </a:srgbClr>
+                  </a:solidFill>
+                  <a:latin typeface="Times New Roman"/>
+                  <a:cs typeface="Times New Roman"/>
+                </a:rPr>
+                <a:t>prop</a:t>
+              </a:r>
+            </a:p>
+          </p:txBody>
+        </p:sp>
+        <p:sp>
+          <p:nvSpPr>
+            <p:cNvPr id="43" name="tx42"/>
+            <p:cNvSpPr/>
+            <p:nvPr/>
+          </p:nvSpPr>
+          <p:spPr>
+            <a:xfrm rot="-5400000">
+              <a:off x="2598479" y="4165963"/>
+              <a:ext cx="69850" cy="62483"/>
+            </a:xfrm>
+            <a:prstGeom prst="rect">
+              <a:avLst/>
+            </a:prstGeom>
+            <a:noFill/>
+          </p:spPr>
+          <p:txBody>
+            <a:bodyPr lIns="0" rIns="0" tIns="0" bIns="0" anchorCtr="1" anchor="ctr" wrap="none"/>
+            <a:lstStyle/>
+            <a:p>
+              <a:pPr algn="l" marL="0" marR="0" indent="0">
+                <a:lnSpc>
+                  <a:spcPts val="1100"/>
+                </a:lnSpc>
+                <a:spcBef>
+                  <a:spcPts val="0"/>
+                </a:spcBef>
+                <a:spcAft>
+                  <a:spcPts val="0"/>
+                </a:spcAft>
+              </a:pPr>
+              <a:r>
+                <a:rPr sz="1100">
+                  <a:solidFill>
+                    <a:srgbClr val="000000">
+                      <a:alpha val="100000"/>
+                    </a:srgbClr>
+                  </a:solidFill>
+                  <a:latin typeface="Times New Roman"/>
+                  <a:cs typeface="Times New Roman"/>
+                </a:rPr>
+                <a:t>x</a:t>
+              </a:r>
+            </a:p>
+          </p:txBody>
+        </p:sp>
+        <p:sp>
+          <p:nvSpPr>
+            <p:cNvPr id="44" name="tx43"/>
+            <p:cNvSpPr/>
+            <p:nvPr/>
+          </p:nvSpPr>
+          <p:spPr>
+            <a:xfrm>
+              <a:off x="2792221" y="1170876"/>
               <a:ext cx="585880" cy="122373"/>
             </a:xfrm>
             <a:prstGeom prst="rect">
@@ -4154,13 +5789,13 @@
         </p:sp>
         <p:sp>
           <p:nvSpPr>
-            <p:cNvPr id="19" name="tx18"/>
+            <p:cNvPr id="45" name="tx44"/>
             <p:cNvSpPr/>
             <p:nvPr/>
           </p:nvSpPr>
           <p:spPr>
             <a:xfrm>
-              <a:off x="2490500" y="942406"/>
+              <a:off x="2792221" y="942406"/>
               <a:ext cx="2509524" cy="152578"/>
             </a:xfrm>
             <a:prstGeom prst="rect">

--- a/Images/Figures_PPT/SARPieWithOutRaptor.pptx
+++ b/Images/Figures_PPT/SARPieWithOutRaptor.pptx
@@ -3587,630 +3587,651 @@
           </p:nvSpPr>
           <p:spPr>
             <a:xfrm>
-              <a:off x="3353063" y="1953832"/>
-              <a:ext cx="4486600" cy="4486600"/>
+              <a:off x="3353091" y="1953832"/>
+              <a:ext cx="4486611" cy="4486504"/>
             </a:xfrm>
             <a:custGeom>
               <a:avLst/>
               <a:pathLst>
-                <a:path w="4486600" h="4486600">
+                <a:path w="4486611" h="4486504">
                   <a:moveTo>
-                    <a:pt x="2243371" y="2243371"/>
+                    <a:pt x="2243344" y="2243371"/>
                   </a:moveTo>
                   <a:lnTo>
-                    <a:pt x="2169587" y="2220133"/>
-                  </a:lnTo>
-                  <a:lnTo>
-                    <a:pt x="2095802" y="2196894"/>
-                  </a:lnTo>
-                  <a:lnTo>
-                    <a:pt x="2022017" y="2173655"/>
-                  </a:lnTo>
-                  <a:lnTo>
-                    <a:pt x="1948233" y="2150416"/>
-                  </a:lnTo>
-                  <a:lnTo>
-                    <a:pt x="1874448" y="2127178"/>
-                  </a:lnTo>
-                  <a:lnTo>
-                    <a:pt x="1800664" y="2103939"/>
-                  </a:lnTo>
-                  <a:lnTo>
-                    <a:pt x="1726879" y="2080700"/>
-                  </a:lnTo>
-                  <a:lnTo>
-                    <a:pt x="1653094" y="2057461"/>
-                  </a:lnTo>
-                  <a:lnTo>
-                    <a:pt x="1579310" y="2034223"/>
-                  </a:lnTo>
-                  <a:lnTo>
-                    <a:pt x="1505525" y="2010984"/>
-                  </a:lnTo>
-                  <a:lnTo>
-                    <a:pt x="1431741" y="1987745"/>
-                  </a:lnTo>
-                  <a:lnTo>
-                    <a:pt x="1357956" y="1964506"/>
-                  </a:lnTo>
-                  <a:lnTo>
-                    <a:pt x="1284171" y="1941268"/>
-                  </a:lnTo>
-                  <a:lnTo>
-                    <a:pt x="1210387" y="1918029"/>
-                  </a:lnTo>
-                  <a:lnTo>
-                    <a:pt x="1136602" y="1894790"/>
-                  </a:lnTo>
-                  <a:lnTo>
-                    <a:pt x="1062818" y="1871552"/>
-                  </a:lnTo>
-                  <a:lnTo>
-                    <a:pt x="989033" y="1848313"/>
-                  </a:lnTo>
-                  <a:lnTo>
-                    <a:pt x="915249" y="1825074"/>
-                  </a:lnTo>
-                  <a:lnTo>
-                    <a:pt x="841464" y="1801835"/>
-                  </a:lnTo>
-                  <a:lnTo>
-                    <a:pt x="767679" y="1778597"/>
-                  </a:lnTo>
-                  <a:lnTo>
-                    <a:pt x="693895" y="1755358"/>
-                  </a:lnTo>
-                  <a:lnTo>
-                    <a:pt x="620110" y="1732119"/>
-                  </a:lnTo>
-                  <a:lnTo>
-                    <a:pt x="546326" y="1708880"/>
-                  </a:lnTo>
-                  <a:lnTo>
-                    <a:pt x="472541" y="1685642"/>
-                  </a:lnTo>
-                  <a:lnTo>
-                    <a:pt x="398756" y="1662403"/>
-                  </a:lnTo>
-                  <a:lnTo>
-                    <a:pt x="324972" y="1639164"/>
-                  </a:lnTo>
-                  <a:lnTo>
-                    <a:pt x="251187" y="1615925"/>
-                  </a:lnTo>
-                  <a:lnTo>
-                    <a:pt x="177403" y="1592687"/>
-                  </a:lnTo>
-                  <a:lnTo>
-                    <a:pt x="103618" y="1569448"/>
-                  </a:lnTo>
-                  <a:lnTo>
-                    <a:pt x="82004" y="1642363"/>
-                  </a:lnTo>
-                  <a:lnTo>
-                    <a:pt x="62875" y="1715970"/>
-                  </a:lnTo>
-                  <a:lnTo>
-                    <a:pt x="46251" y="1790182"/>
-                  </a:lnTo>
-                  <a:lnTo>
-                    <a:pt x="32153" y="1864915"/>
-                  </a:lnTo>
-                  <a:lnTo>
-                    <a:pt x="20595" y="1940083"/>
-                  </a:lnTo>
-                  <a:lnTo>
-                    <a:pt x="11592" y="2015600"/>
-                  </a:lnTo>
-                  <a:lnTo>
-                    <a:pt x="5154" y="2091378"/>
-                  </a:lnTo>
-                  <a:lnTo>
-                    <a:pt x="1289" y="2167331"/>
-                  </a:lnTo>
-                  <a:lnTo>
-                    <a:pt x="0" y="2243371"/>
-                  </a:lnTo>
-                  <a:lnTo>
-                    <a:pt x="1289" y="2319412"/>
-                  </a:lnTo>
-                  <a:lnTo>
-                    <a:pt x="5154" y="2395365"/>
-                  </a:lnTo>
-                  <a:lnTo>
-                    <a:pt x="11592" y="2471143"/>
-                  </a:lnTo>
-                  <a:lnTo>
-                    <a:pt x="20595" y="2546660"/>
-                  </a:lnTo>
-                  <a:lnTo>
-                    <a:pt x="32153" y="2621828"/>
-                  </a:lnTo>
-                  <a:lnTo>
-                    <a:pt x="46251" y="2696561"/>
-                  </a:lnTo>
-                  <a:lnTo>
-                    <a:pt x="62875" y="2770773"/>
-                  </a:lnTo>
-                  <a:lnTo>
-                    <a:pt x="82004" y="2844379"/>
-                  </a:lnTo>
-                  <a:lnTo>
-                    <a:pt x="103618" y="2917295"/>
-                  </a:lnTo>
-                  <a:lnTo>
-                    <a:pt x="127690" y="2989435"/>
-                  </a:lnTo>
-                  <a:lnTo>
-                    <a:pt x="154194" y="3060719"/>
-                  </a:lnTo>
-                  <a:lnTo>
-                    <a:pt x="183099" y="3131063"/>
-                  </a:lnTo>
-                  <a:lnTo>
-                    <a:pt x="214372" y="3200387"/>
-                  </a:lnTo>
-                  <a:lnTo>
-                    <a:pt x="247977" y="3268611"/>
-                  </a:lnTo>
-                  <a:lnTo>
-                    <a:pt x="283874" y="3335657"/>
-                  </a:lnTo>
-                  <a:lnTo>
-                    <a:pt x="322024" y="3401448"/>
-                  </a:lnTo>
-                  <a:lnTo>
-                    <a:pt x="362382" y="3465908"/>
-                  </a:lnTo>
-                  <a:lnTo>
-                    <a:pt x="404901" y="3528962"/>
-                  </a:lnTo>
-                  <a:lnTo>
-                    <a:pt x="449534" y="3590540"/>
-                  </a:lnTo>
-                  <a:lnTo>
-                    <a:pt x="496227" y="3650569"/>
-                  </a:lnTo>
-                  <a:lnTo>
-                    <a:pt x="544929" y="3708981"/>
-                  </a:lnTo>
-                  <a:lnTo>
-                    <a:pt x="595583" y="3765708"/>
-                  </a:lnTo>
-                  <a:lnTo>
-                    <a:pt x="648130" y="3820686"/>
-                  </a:lnTo>
-                  <a:lnTo>
-                    <a:pt x="702511" y="3873851"/>
-                  </a:lnTo>
-                  <a:lnTo>
-                    <a:pt x="758662" y="3925143"/>
-                  </a:lnTo>
-                  <a:lnTo>
-                    <a:pt x="816520" y="3974502"/>
-                  </a:lnTo>
-                  <a:lnTo>
-                    <a:pt x="876018" y="4021871"/>
-                  </a:lnTo>
-                  <a:lnTo>
-                    <a:pt x="937087" y="4067196"/>
-                  </a:lnTo>
-                  <a:lnTo>
-                    <a:pt x="999657" y="4110425"/>
-                  </a:lnTo>
-                  <a:lnTo>
-                    <a:pt x="1063656" y="4151509"/>
-                  </a:lnTo>
-                  <a:lnTo>
-                    <a:pt x="1129012" y="4190400"/>
-                  </a:lnTo>
-                  <a:lnTo>
-                    <a:pt x="1195648" y="4227053"/>
-                  </a:lnTo>
-                  <a:lnTo>
-                    <a:pt x="1263488" y="4261426"/>
-                  </a:lnTo>
-                  <a:lnTo>
-                    <a:pt x="1332454" y="4293480"/>
-                  </a:lnTo>
-                  <a:lnTo>
-                    <a:pt x="1402467" y="4323178"/>
-                  </a:lnTo>
-                  <a:lnTo>
-                    <a:pt x="1473447" y="4350486"/>
-                  </a:lnTo>
-                  <a:lnTo>
-                    <a:pt x="1545311" y="4375372"/>
-                  </a:lnTo>
-                  <a:lnTo>
-                    <a:pt x="1617977" y="4397808"/>
-                  </a:lnTo>
-                  <a:lnTo>
-                    <a:pt x="1691363" y="4417769"/>
-                  </a:lnTo>
-                  <a:lnTo>
-                    <a:pt x="1765382" y="4435230"/>
-                  </a:lnTo>
-                  <a:lnTo>
-                    <a:pt x="1839951" y="4450172"/>
-                  </a:lnTo>
-                  <a:lnTo>
-                    <a:pt x="1914984" y="4462578"/>
-                  </a:lnTo>
-                  <a:lnTo>
-                    <a:pt x="1990394" y="4472434"/>
-                  </a:lnTo>
-                  <a:lnTo>
-                    <a:pt x="2066095" y="4479728"/>
-                  </a:lnTo>
-                  <a:lnTo>
-                    <a:pt x="2141999" y="4484451"/>
-                  </a:lnTo>
-                  <a:lnTo>
-                    <a:pt x="2218020" y="4486600"/>
-                  </a:lnTo>
-                  <a:lnTo>
-                    <a:pt x="2294070" y="4486170"/>
-                  </a:lnTo>
-                  <a:lnTo>
-                    <a:pt x="2370062" y="4483163"/>
-                  </a:lnTo>
-                  <a:lnTo>
-                    <a:pt x="2445908" y="4477582"/>
-                  </a:lnTo>
-                  <a:lnTo>
-                    <a:pt x="2521522" y="4469433"/>
-                  </a:lnTo>
-                  <a:lnTo>
-                    <a:pt x="2596816" y="4458725"/>
-                  </a:lnTo>
-                  <a:lnTo>
-                    <a:pt x="2671703" y="4445472"/>
-                  </a:lnTo>
-                  <a:lnTo>
-                    <a:pt x="2746099" y="4429688"/>
-                  </a:lnTo>
-                  <a:lnTo>
-                    <a:pt x="2819916" y="4411392"/>
-                  </a:lnTo>
-                  <a:lnTo>
-                    <a:pt x="2893071" y="4390604"/>
-                  </a:lnTo>
-                  <a:lnTo>
-                    <a:pt x="2965480" y="4367348"/>
-                  </a:lnTo>
-                  <a:lnTo>
-                    <a:pt x="3037058" y="4341651"/>
-                  </a:lnTo>
-                  <a:lnTo>
-                    <a:pt x="3107725" y="4313543"/>
-                  </a:lnTo>
-                  <a:lnTo>
-                    <a:pt x="3177398" y="4283056"/>
-                  </a:lnTo>
-                  <a:lnTo>
-                    <a:pt x="3245997" y="4250224"/>
-                  </a:lnTo>
-                  <a:lnTo>
-                    <a:pt x="3313444" y="4215086"/>
-                  </a:lnTo>
-                  <a:lnTo>
-                    <a:pt x="3379662" y="4177683"/>
-                  </a:lnTo>
-                  <a:lnTo>
-                    <a:pt x="3444574" y="4138056"/>
-                  </a:lnTo>
-                  <a:lnTo>
-                    <a:pt x="3508105" y="4096252"/>
-                  </a:lnTo>
-                  <a:lnTo>
-                    <a:pt x="3570183" y="4052318"/>
-                  </a:lnTo>
-                  <a:lnTo>
-                    <a:pt x="3630735" y="4006306"/>
-                  </a:lnTo>
-                  <a:lnTo>
-                    <a:pt x="3689694" y="3958267"/>
-                  </a:lnTo>
-                  <a:lnTo>
-                    <a:pt x="3746990" y="3908258"/>
-                  </a:lnTo>
-                  <a:lnTo>
-                    <a:pt x="3802559" y="3856335"/>
-                  </a:lnTo>
-                  <a:lnTo>
-                    <a:pt x="3856335" y="3802559"/>
-                  </a:lnTo>
-                  <a:lnTo>
-                    <a:pt x="3908258" y="3746990"/>
-                  </a:lnTo>
-                  <a:lnTo>
-                    <a:pt x="3958267" y="3689694"/>
-                  </a:lnTo>
-                  <a:lnTo>
-                    <a:pt x="4006306" y="3630735"/>
-                  </a:lnTo>
-                  <a:lnTo>
-                    <a:pt x="4052318" y="3570183"/>
-                  </a:lnTo>
-                  <a:lnTo>
-                    <a:pt x="4096252" y="3508105"/>
-                  </a:lnTo>
-                  <a:lnTo>
-                    <a:pt x="4138056" y="3444574"/>
-                  </a:lnTo>
-                  <a:lnTo>
-                    <a:pt x="4177683" y="3379662"/>
-                  </a:lnTo>
-                  <a:lnTo>
-                    <a:pt x="4215086" y="3313444"/>
-                  </a:lnTo>
-                  <a:lnTo>
-                    <a:pt x="4250224" y="3245997"/>
-                  </a:lnTo>
-                  <a:lnTo>
-                    <a:pt x="4283056" y="3177398"/>
-                  </a:lnTo>
-                  <a:lnTo>
-                    <a:pt x="4313543" y="3107725"/>
-                  </a:lnTo>
-                  <a:lnTo>
-                    <a:pt x="4341651" y="3037058"/>
-                  </a:lnTo>
-                  <a:lnTo>
-                    <a:pt x="4367348" y="2965480"/>
-                  </a:lnTo>
-                  <a:lnTo>
-                    <a:pt x="4390604" y="2893071"/>
-                  </a:lnTo>
-                  <a:lnTo>
-                    <a:pt x="4411392" y="2819916"/>
-                  </a:lnTo>
-                  <a:lnTo>
-                    <a:pt x="4429688" y="2746099"/>
-                  </a:lnTo>
-                  <a:lnTo>
-                    <a:pt x="4445472" y="2671703"/>
-                  </a:lnTo>
-                  <a:lnTo>
-                    <a:pt x="4458725" y="2596816"/>
-                  </a:lnTo>
-                  <a:lnTo>
-                    <a:pt x="4469433" y="2521522"/>
-                  </a:lnTo>
-                  <a:lnTo>
-                    <a:pt x="4477582" y="2445908"/>
-                  </a:lnTo>
-                  <a:lnTo>
-                    <a:pt x="4483163" y="2370062"/>
-                  </a:lnTo>
-                  <a:lnTo>
-                    <a:pt x="4486170" y="2294070"/>
-                  </a:lnTo>
-                  <a:lnTo>
-                    <a:pt x="4486600" y="2218020"/>
-                  </a:lnTo>
-                  <a:lnTo>
-                    <a:pt x="4484451" y="2141999"/>
-                  </a:lnTo>
-                  <a:lnTo>
-                    <a:pt x="4479728" y="2066095"/>
-                  </a:lnTo>
-                  <a:lnTo>
-                    <a:pt x="4472434" y="1990394"/>
-                  </a:lnTo>
-                  <a:lnTo>
-                    <a:pt x="4462578" y="1914984"/>
-                  </a:lnTo>
-                  <a:lnTo>
-                    <a:pt x="4450172" y="1839951"/>
-                  </a:lnTo>
-                  <a:lnTo>
-                    <a:pt x="4435230" y="1765382"/>
-                  </a:lnTo>
-                  <a:lnTo>
-                    <a:pt x="4417769" y="1691363"/>
-                  </a:lnTo>
-                  <a:lnTo>
-                    <a:pt x="4397808" y="1617977"/>
-                  </a:lnTo>
-                  <a:lnTo>
-                    <a:pt x="4375372" y="1545311"/>
-                  </a:lnTo>
-                  <a:lnTo>
-                    <a:pt x="4350486" y="1473447"/>
-                  </a:lnTo>
-                  <a:lnTo>
-                    <a:pt x="4323178" y="1402467"/>
-                  </a:lnTo>
-                  <a:lnTo>
-                    <a:pt x="4293480" y="1332454"/>
-                  </a:lnTo>
-                  <a:lnTo>
-                    <a:pt x="4261426" y="1263488"/>
-                  </a:lnTo>
-                  <a:lnTo>
-                    <a:pt x="4227053" y="1195648"/>
-                  </a:lnTo>
-                  <a:lnTo>
-                    <a:pt x="4190400" y="1129012"/>
-                  </a:lnTo>
-                  <a:lnTo>
-                    <a:pt x="4151509" y="1063656"/>
-                  </a:lnTo>
-                  <a:lnTo>
-                    <a:pt x="4110425" y="999657"/>
-                  </a:lnTo>
-                  <a:lnTo>
-                    <a:pt x="4067196" y="937087"/>
-                  </a:lnTo>
-                  <a:lnTo>
-                    <a:pt x="4021871" y="876018"/>
-                  </a:lnTo>
-                  <a:lnTo>
-                    <a:pt x="3974502" y="816520"/>
-                  </a:lnTo>
-                  <a:lnTo>
-                    <a:pt x="3925143" y="758662"/>
-                  </a:lnTo>
-                  <a:lnTo>
-                    <a:pt x="3873851" y="702511"/>
-                  </a:lnTo>
-                  <a:lnTo>
-                    <a:pt x="3820686" y="648130"/>
-                  </a:lnTo>
-                  <a:lnTo>
-                    <a:pt x="3765708" y="595583"/>
-                  </a:lnTo>
-                  <a:lnTo>
-                    <a:pt x="3708981" y="544929"/>
-                  </a:lnTo>
-                  <a:lnTo>
-                    <a:pt x="3650569" y="496227"/>
-                  </a:lnTo>
-                  <a:lnTo>
-                    <a:pt x="3590540" y="449534"/>
-                  </a:lnTo>
-                  <a:lnTo>
-                    <a:pt x="3528962" y="404901"/>
-                  </a:lnTo>
-                  <a:lnTo>
-                    <a:pt x="3465908" y="362382"/>
-                  </a:lnTo>
-                  <a:lnTo>
-                    <a:pt x="3401448" y="322024"/>
-                  </a:lnTo>
-                  <a:lnTo>
-                    <a:pt x="3335657" y="283874"/>
-                  </a:lnTo>
-                  <a:lnTo>
-                    <a:pt x="3268611" y="247977"/>
-                  </a:lnTo>
-                  <a:lnTo>
-                    <a:pt x="3200387" y="214372"/>
-                  </a:lnTo>
-                  <a:lnTo>
-                    <a:pt x="3131063" y="183099"/>
-                  </a:lnTo>
-                  <a:lnTo>
-                    <a:pt x="3060719" y="154194"/>
-                  </a:lnTo>
-                  <a:lnTo>
-                    <a:pt x="2989435" y="127690"/>
-                  </a:lnTo>
-                  <a:lnTo>
-                    <a:pt x="2917295" y="103618"/>
-                  </a:lnTo>
-                  <a:lnTo>
-                    <a:pt x="2844379" y="82004"/>
-                  </a:lnTo>
-                  <a:lnTo>
-                    <a:pt x="2770773" y="62875"/>
-                  </a:lnTo>
-                  <a:lnTo>
-                    <a:pt x="2696561" y="46251"/>
-                  </a:lnTo>
-                  <a:lnTo>
-                    <a:pt x="2621828" y="32153"/>
-                  </a:lnTo>
-                  <a:lnTo>
-                    <a:pt x="2546660" y="20595"/>
-                  </a:lnTo>
-                  <a:lnTo>
-                    <a:pt x="2471143" y="11592"/>
-                  </a:lnTo>
-                  <a:lnTo>
-                    <a:pt x="2395365" y="5154"/>
-                  </a:lnTo>
-                  <a:lnTo>
-                    <a:pt x="2319412" y="1289"/>
-                  </a:lnTo>
-                  <a:lnTo>
-                    <a:pt x="2243371" y="0"/>
-                  </a:lnTo>
-                  <a:lnTo>
-                    <a:pt x="2243371" y="77357"/>
-                  </a:lnTo>
-                  <a:lnTo>
-                    <a:pt x="2243371" y="154715"/>
-                  </a:lnTo>
-                  <a:lnTo>
-                    <a:pt x="2243371" y="232072"/>
-                  </a:lnTo>
-                  <a:lnTo>
-                    <a:pt x="2243371" y="309430"/>
-                  </a:lnTo>
-                  <a:lnTo>
-                    <a:pt x="2243371" y="386788"/>
-                  </a:lnTo>
-                  <a:lnTo>
-                    <a:pt x="2243371" y="464145"/>
-                  </a:lnTo>
-                  <a:lnTo>
-                    <a:pt x="2243371" y="541503"/>
-                  </a:lnTo>
-                  <a:lnTo>
-                    <a:pt x="2243371" y="618861"/>
-                  </a:lnTo>
-                  <a:lnTo>
-                    <a:pt x="2243371" y="696218"/>
-                  </a:lnTo>
-                  <a:lnTo>
-                    <a:pt x="2243371" y="773576"/>
-                  </a:lnTo>
-                  <a:lnTo>
-                    <a:pt x="2243371" y="850934"/>
-                  </a:lnTo>
-                  <a:lnTo>
-                    <a:pt x="2243371" y="928291"/>
-                  </a:lnTo>
-                  <a:lnTo>
-                    <a:pt x="2243371" y="1005649"/>
-                  </a:lnTo>
-                  <a:lnTo>
-                    <a:pt x="2243371" y="1083007"/>
-                  </a:lnTo>
-                  <a:lnTo>
-                    <a:pt x="2243371" y="1160364"/>
-                  </a:lnTo>
-                  <a:lnTo>
-                    <a:pt x="2243371" y="1237722"/>
-                  </a:lnTo>
-                  <a:lnTo>
-                    <a:pt x="2243371" y="1315080"/>
-                  </a:lnTo>
-                  <a:lnTo>
-                    <a:pt x="2243371" y="1392437"/>
-                  </a:lnTo>
-                  <a:lnTo>
-                    <a:pt x="2243371" y="1469795"/>
-                  </a:lnTo>
-                  <a:lnTo>
-                    <a:pt x="2243371" y="1547152"/>
-                  </a:lnTo>
-                  <a:lnTo>
-                    <a:pt x="2243371" y="1624510"/>
-                  </a:lnTo>
-                  <a:lnTo>
-                    <a:pt x="2243371" y="1701868"/>
-                  </a:lnTo>
-                  <a:lnTo>
-                    <a:pt x="2243371" y="1779225"/>
-                  </a:lnTo>
-                  <a:lnTo>
-                    <a:pt x="2243371" y="1856583"/>
-                  </a:lnTo>
-                  <a:lnTo>
-                    <a:pt x="2243371" y="1933941"/>
-                  </a:lnTo>
-                  <a:lnTo>
-                    <a:pt x="2243371" y="2011298"/>
-                  </a:lnTo>
-                  <a:lnTo>
-                    <a:pt x="2243371" y="2088656"/>
-                  </a:lnTo>
-                  <a:lnTo>
-                    <a:pt x="2243371" y="2166014"/>
+                    <a:pt x="2177312" y="2203073"/>
+                  </a:lnTo>
+                  <a:lnTo>
+                    <a:pt x="2111280" y="2162774"/>
+                  </a:lnTo>
+                  <a:lnTo>
+                    <a:pt x="2045248" y="2122475"/>
+                  </a:lnTo>
+                  <a:lnTo>
+                    <a:pt x="1979216" y="2082176"/>
+                  </a:lnTo>
+                  <a:lnTo>
+                    <a:pt x="1913184" y="2041878"/>
+                  </a:lnTo>
+                  <a:lnTo>
+                    <a:pt x="1847152" y="2001579"/>
+                  </a:lnTo>
+                  <a:lnTo>
+                    <a:pt x="1781120" y="1961280"/>
+                  </a:lnTo>
+                  <a:lnTo>
+                    <a:pt x="1715088" y="1920982"/>
+                  </a:lnTo>
+                  <a:lnTo>
+                    <a:pt x="1649056" y="1880683"/>
+                  </a:lnTo>
+                  <a:lnTo>
+                    <a:pt x="1583024" y="1840384"/>
+                  </a:lnTo>
+                  <a:lnTo>
+                    <a:pt x="1516992" y="1800085"/>
+                  </a:lnTo>
+                  <a:lnTo>
+                    <a:pt x="1450960" y="1759787"/>
+                  </a:lnTo>
+                  <a:lnTo>
+                    <a:pt x="1384928" y="1719488"/>
+                  </a:lnTo>
+                  <a:lnTo>
+                    <a:pt x="1318896" y="1679189"/>
+                  </a:lnTo>
+                  <a:lnTo>
+                    <a:pt x="1252864" y="1638890"/>
+                  </a:lnTo>
+                  <a:lnTo>
+                    <a:pt x="1186833" y="1598592"/>
+                  </a:lnTo>
+                  <a:lnTo>
+                    <a:pt x="1120801" y="1558293"/>
+                  </a:lnTo>
+                  <a:lnTo>
+                    <a:pt x="1054769" y="1517994"/>
+                  </a:lnTo>
+                  <a:lnTo>
+                    <a:pt x="988737" y="1477696"/>
+                  </a:lnTo>
+                  <a:lnTo>
+                    <a:pt x="922705" y="1437397"/>
+                  </a:lnTo>
+                  <a:lnTo>
+                    <a:pt x="856673" y="1397098"/>
+                  </a:lnTo>
+                  <a:lnTo>
+                    <a:pt x="790641" y="1356799"/>
+                  </a:lnTo>
+                  <a:lnTo>
+                    <a:pt x="724609" y="1316501"/>
+                  </a:lnTo>
+                  <a:lnTo>
+                    <a:pt x="658577" y="1276202"/>
+                  </a:lnTo>
+                  <a:lnTo>
+                    <a:pt x="592545" y="1235903"/>
+                  </a:lnTo>
+                  <a:lnTo>
+                    <a:pt x="526513" y="1195605"/>
+                  </a:lnTo>
+                  <a:lnTo>
+                    <a:pt x="460481" y="1155306"/>
+                  </a:lnTo>
+                  <a:lnTo>
+                    <a:pt x="394449" y="1115007"/>
+                  </a:lnTo>
+                  <a:lnTo>
+                    <a:pt x="328417" y="1074708"/>
+                  </a:lnTo>
+                  <a:lnTo>
+                    <a:pt x="289866" y="1140357"/>
+                  </a:lnTo>
+                  <a:lnTo>
+                    <a:pt x="253564" y="1207276"/>
+                  </a:lnTo>
+                  <a:lnTo>
+                    <a:pt x="219554" y="1275388"/>
+                  </a:lnTo>
+                  <a:lnTo>
+                    <a:pt x="187874" y="1344615"/>
+                  </a:lnTo>
+                  <a:lnTo>
+                    <a:pt x="158562" y="1414877"/>
+                  </a:lnTo>
+                  <a:lnTo>
+                    <a:pt x="131651" y="1486093"/>
+                  </a:lnTo>
+                  <a:lnTo>
+                    <a:pt x="107172" y="1558182"/>
+                  </a:lnTo>
+                  <a:lnTo>
+                    <a:pt x="85152" y="1631059"/>
+                  </a:lnTo>
+                  <a:lnTo>
+                    <a:pt x="65619" y="1704641"/>
+                  </a:lnTo>
+                  <a:lnTo>
+                    <a:pt x="48593" y="1778844"/>
+                  </a:lnTo>
+                  <a:lnTo>
+                    <a:pt x="34095" y="1853582"/>
+                  </a:lnTo>
+                  <a:lnTo>
+                    <a:pt x="22141" y="1928769"/>
+                  </a:lnTo>
+                  <a:lnTo>
+                    <a:pt x="12745" y="2004318"/>
+                  </a:lnTo>
+                  <a:lnTo>
+                    <a:pt x="5918" y="2080143"/>
+                  </a:lnTo>
+                  <a:lnTo>
+                    <a:pt x="1668" y="2156155"/>
+                  </a:lnTo>
+                  <a:lnTo>
+                    <a:pt x="0" y="2232268"/>
+                  </a:lnTo>
+                  <a:lnTo>
+                    <a:pt x="915" y="2308394"/>
+                  </a:lnTo>
+                  <a:lnTo>
+                    <a:pt x="4412" y="2384445"/>
+                  </a:lnTo>
+                  <a:lnTo>
+                    <a:pt x="10488" y="2460333"/>
+                  </a:lnTo>
+                  <a:lnTo>
+                    <a:pt x="19136" y="2535972"/>
+                  </a:lnTo>
+                  <a:lnTo>
+                    <a:pt x="30345" y="2611273"/>
+                  </a:lnTo>
+                  <a:lnTo>
+                    <a:pt x="44102" y="2686151"/>
+                  </a:lnTo>
+                  <a:lnTo>
+                    <a:pt x="60393" y="2760519"/>
+                  </a:lnTo>
+                  <a:lnTo>
+                    <a:pt x="79197" y="2834291"/>
+                  </a:lnTo>
+                  <a:lnTo>
+                    <a:pt x="100494" y="2907383"/>
+                  </a:lnTo>
+                  <a:lnTo>
+                    <a:pt x="124259" y="2979710"/>
+                  </a:lnTo>
+                  <a:lnTo>
+                    <a:pt x="150464" y="3051189"/>
+                  </a:lnTo>
+                  <a:lnTo>
+                    <a:pt x="179079" y="3121738"/>
+                  </a:lnTo>
+                  <a:lnTo>
+                    <a:pt x="210072" y="3191275"/>
+                  </a:lnTo>
+                  <a:lnTo>
+                    <a:pt x="243406" y="3259720"/>
+                  </a:lnTo>
+                  <a:lnTo>
+                    <a:pt x="279043" y="3326995"/>
+                  </a:lnTo>
+                  <a:lnTo>
+                    <a:pt x="316943" y="3393022"/>
+                  </a:lnTo>
+                  <a:lnTo>
+                    <a:pt x="357061" y="3457725"/>
+                  </a:lnTo>
+                  <a:lnTo>
+                    <a:pt x="399352" y="3521030"/>
+                  </a:lnTo>
+                  <a:lnTo>
+                    <a:pt x="443766" y="3582863"/>
+                  </a:lnTo>
+                  <a:lnTo>
+                    <a:pt x="490253" y="3643153"/>
+                  </a:lnTo>
+                  <a:lnTo>
+                    <a:pt x="538759" y="3701832"/>
+                  </a:lnTo>
+                  <a:lnTo>
+                    <a:pt x="589228" y="3758830"/>
+                  </a:lnTo>
+                  <a:lnTo>
+                    <a:pt x="641601" y="3814084"/>
+                  </a:lnTo>
+                  <a:lnTo>
+                    <a:pt x="695820" y="3867528"/>
+                  </a:lnTo>
+                  <a:lnTo>
+                    <a:pt x="751821" y="3919103"/>
+                  </a:lnTo>
+                  <a:lnTo>
+                    <a:pt x="809539" y="3968747"/>
+                  </a:lnTo>
+                  <a:lnTo>
+                    <a:pt x="868909" y="4016404"/>
+                  </a:lnTo>
+                  <a:lnTo>
+                    <a:pt x="929861" y="4062019"/>
+                  </a:lnTo>
+                  <a:lnTo>
+                    <a:pt x="992326" y="4105540"/>
+                  </a:lnTo>
+                  <a:lnTo>
+                    <a:pt x="1056232" y="4146916"/>
+                  </a:lnTo>
+                  <a:lnTo>
+                    <a:pt x="1121505" y="4186100"/>
+                  </a:lnTo>
+                  <a:lnTo>
+                    <a:pt x="1188070" y="4223047"/>
+                  </a:lnTo>
+                  <a:lnTo>
+                    <a:pt x="1255851" y="4257713"/>
+                  </a:lnTo>
+                  <a:lnTo>
+                    <a:pt x="1324768" y="4290060"/>
+                  </a:lnTo>
+                  <a:lnTo>
+                    <a:pt x="1394744" y="4320050"/>
+                  </a:lnTo>
+                  <a:lnTo>
+                    <a:pt x="1465697" y="4347648"/>
+                  </a:lnTo>
+                  <a:lnTo>
+                    <a:pt x="1537545" y="4372823"/>
+                  </a:lnTo>
+                  <a:lnTo>
+                    <a:pt x="1610206" y="4395545"/>
+                  </a:lnTo>
+                  <a:lnTo>
+                    <a:pt x="1683597" y="4415789"/>
+                  </a:lnTo>
+                  <a:lnTo>
+                    <a:pt x="1757632" y="4433531"/>
+                  </a:lnTo>
+                  <a:lnTo>
+                    <a:pt x="1832226" y="4448751"/>
+                  </a:lnTo>
+                  <a:lnTo>
+                    <a:pt x="1907294" y="4461431"/>
+                  </a:lnTo>
+                  <a:lnTo>
+                    <a:pt x="1982749" y="4471556"/>
+                  </a:lnTo>
+                  <a:lnTo>
+                    <a:pt x="2058504" y="4479115"/>
+                  </a:lnTo>
+                  <a:lnTo>
+                    <a:pt x="2134471" y="4484100"/>
+                  </a:lnTo>
+                  <a:lnTo>
+                    <a:pt x="2210565" y="4486504"/>
+                  </a:lnTo>
+                  <a:lnTo>
+                    <a:pt x="2286696" y="4486324"/>
+                  </a:lnTo>
+                  <a:lnTo>
+                    <a:pt x="2362777" y="4483562"/>
+                  </a:lnTo>
+                  <a:lnTo>
+                    <a:pt x="2438720" y="4478219"/>
+                  </a:lnTo>
+                  <a:lnTo>
+                    <a:pt x="2514439" y="4470303"/>
+                  </a:lnTo>
+                  <a:lnTo>
+                    <a:pt x="2589845" y="4459822"/>
+                  </a:lnTo>
+                  <a:lnTo>
+                    <a:pt x="2664852" y="4446788"/>
+                  </a:lnTo>
+                  <a:lnTo>
+                    <a:pt x="2739374" y="4431217"/>
+                  </a:lnTo>
+                  <a:lnTo>
+                    <a:pt x="2813325" y="4413127"/>
+                  </a:lnTo>
+                  <a:lnTo>
+                    <a:pt x="2886619" y="4392537"/>
+                  </a:lnTo>
+                  <a:lnTo>
+                    <a:pt x="2959172" y="4369473"/>
+                  </a:lnTo>
+                  <a:lnTo>
+                    <a:pt x="3030901" y="4343959"/>
+                  </a:lnTo>
+                  <a:lnTo>
+                    <a:pt x="3101723" y="4316027"/>
+                  </a:lnTo>
+                  <a:lnTo>
+                    <a:pt x="3171556" y="4285708"/>
+                  </a:lnTo>
+                  <a:lnTo>
+                    <a:pt x="3240321" y="4253036"/>
+                  </a:lnTo>
+                  <a:lnTo>
+                    <a:pt x="3307937" y="4218051"/>
+                  </a:lnTo>
+                  <a:lnTo>
+                    <a:pt x="3374327" y="4180791"/>
+                  </a:lnTo>
+                  <a:lnTo>
+                    <a:pt x="3439415" y="4141299"/>
+                  </a:lnTo>
+                  <a:lnTo>
+                    <a:pt x="3503125" y="4099622"/>
+                  </a:lnTo>
+                  <a:lnTo>
+                    <a:pt x="3565384" y="4055808"/>
+                  </a:lnTo>
+                  <a:lnTo>
+                    <a:pt x="3626121" y="4009906"/>
+                  </a:lnTo>
+                  <a:lnTo>
+                    <a:pt x="3685265" y="3961969"/>
+                  </a:lnTo>
+                  <a:lnTo>
+                    <a:pt x="3742749" y="3912054"/>
+                  </a:lnTo>
+                  <a:lnTo>
+                    <a:pt x="3798506" y="3860216"/>
+                  </a:lnTo>
+                  <a:lnTo>
+                    <a:pt x="3852472" y="3806517"/>
+                  </a:lnTo>
+                  <a:lnTo>
+                    <a:pt x="3904585" y="3751017"/>
+                  </a:lnTo>
+                  <a:lnTo>
+                    <a:pt x="3954784" y="3693781"/>
+                  </a:lnTo>
+                  <a:lnTo>
+                    <a:pt x="4003013" y="3634875"/>
+                  </a:lnTo>
+                  <a:lnTo>
+                    <a:pt x="4049215" y="3574366"/>
+                  </a:lnTo>
+                  <a:lnTo>
+                    <a:pt x="4093337" y="3512324"/>
+                  </a:lnTo>
+                  <a:lnTo>
+                    <a:pt x="4135329" y="3448821"/>
+                  </a:lnTo>
+                  <a:lnTo>
+                    <a:pt x="4175142" y="3383929"/>
+                  </a:lnTo>
+                  <a:lnTo>
+                    <a:pt x="4212730" y="3317724"/>
+                  </a:lnTo>
+                  <a:lnTo>
+                    <a:pt x="4248050" y="3250282"/>
+                  </a:lnTo>
+                  <a:lnTo>
+                    <a:pt x="4281061" y="3181680"/>
+                  </a:lnTo>
+                  <a:lnTo>
+                    <a:pt x="4311726" y="3111998"/>
+                  </a:lnTo>
+                  <a:lnTo>
+                    <a:pt x="4340008" y="3041315"/>
+                  </a:lnTo>
+                  <a:lnTo>
+                    <a:pt x="4365876" y="2969713"/>
+                  </a:lnTo>
+                  <a:lnTo>
+                    <a:pt x="4389300" y="2897275"/>
+                  </a:lnTo>
+                  <a:lnTo>
+                    <a:pt x="4410252" y="2824084"/>
+                  </a:lnTo>
+                  <a:lnTo>
+                    <a:pt x="4428708" y="2750224"/>
+                  </a:lnTo>
+                  <a:lnTo>
+                    <a:pt x="4444648" y="2675780"/>
+                  </a:lnTo>
+                  <a:lnTo>
+                    <a:pt x="4458052" y="2600838"/>
+                  </a:lnTo>
+                  <a:lnTo>
+                    <a:pt x="4468906" y="2525484"/>
+                  </a:lnTo>
+                  <a:lnTo>
+                    <a:pt x="4477197" y="2449806"/>
+                  </a:lnTo>
+                  <a:lnTo>
+                    <a:pt x="4482916" y="2373890"/>
+                  </a:lnTo>
+                  <a:lnTo>
+                    <a:pt x="4486055" y="2297823"/>
+                  </a:lnTo>
+                  <a:lnTo>
+                    <a:pt x="4486611" y="2221694"/>
+                  </a:lnTo>
+                  <a:lnTo>
+                    <a:pt x="4484584" y="2145590"/>
+                  </a:lnTo>
+                  <a:lnTo>
+                    <a:pt x="4479975" y="2069599"/>
+                  </a:lnTo>
+                  <a:lnTo>
+                    <a:pt x="4472791" y="1993807"/>
+                  </a:lnTo>
+                  <a:lnTo>
+                    <a:pt x="4463039" y="1918303"/>
+                  </a:lnTo>
+                  <a:lnTo>
+                    <a:pt x="4450731" y="1843173"/>
+                  </a:lnTo>
+                  <a:lnTo>
+                    <a:pt x="4435881" y="1768505"/>
+                  </a:lnTo>
+                  <a:lnTo>
+                    <a:pt x="4418505" y="1694383"/>
+                  </a:lnTo>
+                  <a:lnTo>
+                    <a:pt x="4398625" y="1620893"/>
+                  </a:lnTo>
+                  <a:lnTo>
+                    <a:pt x="4376263" y="1548120"/>
+                  </a:lnTo>
+                  <a:lnTo>
+                    <a:pt x="4351444" y="1476148"/>
+                  </a:lnTo>
+                  <a:lnTo>
+                    <a:pt x="4324197" y="1405060"/>
+                  </a:lnTo>
+                  <a:lnTo>
+                    <a:pt x="4294554" y="1334937"/>
+                  </a:lnTo>
+                  <a:lnTo>
+                    <a:pt x="4262549" y="1265860"/>
+                  </a:lnTo>
+                  <a:lnTo>
+                    <a:pt x="4228218" y="1197909"/>
+                  </a:lnTo>
+                  <a:lnTo>
+                    <a:pt x="4191601" y="1131162"/>
+                  </a:lnTo>
+                  <a:lnTo>
+                    <a:pt x="4152741" y="1065695"/>
+                  </a:lnTo>
+                  <a:lnTo>
+                    <a:pt x="4111681" y="1001585"/>
+                  </a:lnTo>
+                  <a:lnTo>
+                    <a:pt x="4068470" y="938906"/>
+                  </a:lnTo>
+                  <a:lnTo>
+                    <a:pt x="4023157" y="877728"/>
+                  </a:lnTo>
+                  <a:lnTo>
+                    <a:pt x="3975794" y="818123"/>
+                  </a:lnTo>
+                  <a:lnTo>
+                    <a:pt x="3926436" y="760160"/>
+                  </a:lnTo>
+                  <a:lnTo>
+                    <a:pt x="3875140" y="703905"/>
+                  </a:lnTo>
+                  <a:lnTo>
+                    <a:pt x="3821965" y="649422"/>
+                  </a:lnTo>
+                  <a:lnTo>
+                    <a:pt x="3766971" y="596776"/>
+                  </a:lnTo>
+                  <a:lnTo>
+                    <a:pt x="3710223" y="546025"/>
+                  </a:lnTo>
+                  <a:lnTo>
+                    <a:pt x="3651785" y="497230"/>
+                  </a:lnTo>
+                  <a:lnTo>
+                    <a:pt x="3591726" y="450445"/>
+                  </a:lnTo>
+                  <a:lnTo>
+                    <a:pt x="3530113" y="405726"/>
+                  </a:lnTo>
+                  <a:lnTo>
+                    <a:pt x="3467019" y="363122"/>
+                  </a:lnTo>
+                  <a:lnTo>
+                    <a:pt x="3402515" y="322684"/>
+                  </a:lnTo>
+                  <a:lnTo>
+                    <a:pt x="3336676" y="284458"/>
+                  </a:lnTo>
+                  <a:lnTo>
+                    <a:pt x="3269578" y="248488"/>
+                  </a:lnTo>
+                  <a:lnTo>
+                    <a:pt x="3201299" y="214815"/>
+                  </a:lnTo>
+                  <a:lnTo>
+                    <a:pt x="3131916" y="183479"/>
+                  </a:lnTo>
+                  <a:lnTo>
+                    <a:pt x="3061510" y="154515"/>
+                  </a:lnTo>
+                  <a:lnTo>
+                    <a:pt x="2990161" y="127956"/>
+                  </a:lnTo>
+                  <a:lnTo>
+                    <a:pt x="2917953" y="103834"/>
+                  </a:lnTo>
+                  <a:lnTo>
+                    <a:pt x="2844967" y="82176"/>
+                  </a:lnTo>
+                  <a:lnTo>
+                    <a:pt x="2771289" y="63006"/>
+                  </a:lnTo>
+                  <a:lnTo>
+                    <a:pt x="2697003" y="46348"/>
+                  </a:lnTo>
+                  <a:lnTo>
+                    <a:pt x="2622194" y="32220"/>
+                  </a:lnTo>
+                  <a:lnTo>
+                    <a:pt x="2546949" y="20638"/>
+                  </a:lnTo>
+                  <a:lnTo>
+                    <a:pt x="2471354" y="11617"/>
+                  </a:lnTo>
+                  <a:lnTo>
+                    <a:pt x="2395497" y="5165"/>
+                  </a:lnTo>
+                  <a:lnTo>
+                    <a:pt x="2319464" y="1291"/>
+                  </a:lnTo>
+                  <a:lnTo>
+                    <a:pt x="2243344" y="0"/>
+                  </a:lnTo>
+                  <a:lnTo>
+                    <a:pt x="2243344" y="77357"/>
+                  </a:lnTo>
+                  <a:lnTo>
+                    <a:pt x="2243344" y="154715"/>
+                  </a:lnTo>
+                  <a:lnTo>
+                    <a:pt x="2243344" y="232072"/>
+                  </a:lnTo>
+                  <a:lnTo>
+                    <a:pt x="2243344" y="309430"/>
+                  </a:lnTo>
+                  <a:lnTo>
+                    <a:pt x="2243344" y="386788"/>
+                  </a:lnTo>
+                  <a:lnTo>
+                    <a:pt x="2243344" y="464145"/>
+                  </a:lnTo>
+                  <a:lnTo>
+                    <a:pt x="2243344" y="541503"/>
+                  </a:lnTo>
+                  <a:lnTo>
+                    <a:pt x="2243344" y="618861"/>
+                  </a:lnTo>
+                  <a:lnTo>
+                    <a:pt x="2243344" y="696218"/>
+                  </a:lnTo>
+                  <a:lnTo>
+                    <a:pt x="2243344" y="773576"/>
+                  </a:lnTo>
+                  <a:lnTo>
+                    <a:pt x="2243344" y="850934"/>
+                  </a:lnTo>
+                  <a:lnTo>
+                    <a:pt x="2243344" y="928291"/>
+                  </a:lnTo>
+                  <a:lnTo>
+                    <a:pt x="2243344" y="1005649"/>
+                  </a:lnTo>
+                  <a:lnTo>
+                    <a:pt x="2243344" y="1083007"/>
+                  </a:lnTo>
+                  <a:lnTo>
+                    <a:pt x="2243344" y="1160364"/>
+                  </a:lnTo>
+                  <a:lnTo>
+                    <a:pt x="2243344" y="1237722"/>
+                  </a:lnTo>
+                  <a:lnTo>
+                    <a:pt x="2243344" y="1315080"/>
+                  </a:lnTo>
+                  <a:lnTo>
+                    <a:pt x="2243344" y="1392437"/>
+                  </a:lnTo>
+                  <a:lnTo>
+                    <a:pt x="2243344" y="1469795"/>
+                  </a:lnTo>
+                  <a:lnTo>
+                    <a:pt x="2243344" y="1547152"/>
+                  </a:lnTo>
+                  <a:lnTo>
+                    <a:pt x="2243344" y="1624510"/>
+                  </a:lnTo>
+                  <a:lnTo>
+                    <a:pt x="2243344" y="1701868"/>
+                  </a:lnTo>
+                  <a:lnTo>
+                    <a:pt x="2243344" y="1779225"/>
+                  </a:lnTo>
+                  <a:lnTo>
+                    <a:pt x="2243344" y="1856583"/>
+                  </a:lnTo>
+                  <a:lnTo>
+                    <a:pt x="2243344" y="1933941"/>
+                  </a:lnTo>
+                  <a:lnTo>
+                    <a:pt x="2243344" y="2011298"/>
+                  </a:lnTo>
+                  <a:lnTo>
+                    <a:pt x="2243344" y="2088656"/>
+                  </a:lnTo>
+                  <a:lnTo>
+                    <a:pt x="2243344" y="2166014"/>
                   </a:lnTo>
                   <a:close/>
                 </a:path>
@@ -4245,192 +4266,189 @@
           </p:nvSpPr>
           <p:spPr>
             <a:xfrm>
-              <a:off x="3456682" y="3332851"/>
-              <a:ext cx="2139753" cy="864353"/>
+              <a:off x="3681509" y="2936694"/>
+              <a:ext cx="1914926" cy="1260510"/>
             </a:xfrm>
             <a:custGeom>
               <a:avLst/>
               <a:pathLst>
-                <a:path w="2139753" h="864353">
+                <a:path w="1914926" h="1260510">
                   <a:moveTo>
-                    <a:pt x="2139753" y="864353"/>
+                    <a:pt x="1914926" y="1260510"/>
                   </a:moveTo>
                   <a:lnTo>
-                    <a:pt x="2068368" y="834547"/>
-                  </a:lnTo>
-                  <a:lnTo>
-                    <a:pt x="1996982" y="804742"/>
-                  </a:lnTo>
-                  <a:lnTo>
-                    <a:pt x="1925597" y="774937"/>
-                  </a:lnTo>
-                  <a:lnTo>
-                    <a:pt x="1854212" y="745132"/>
-                  </a:lnTo>
-                  <a:lnTo>
-                    <a:pt x="1782827" y="715326"/>
-                  </a:lnTo>
-                  <a:lnTo>
-                    <a:pt x="1711441" y="685521"/>
-                  </a:lnTo>
-                  <a:lnTo>
-                    <a:pt x="1640056" y="655716"/>
-                  </a:lnTo>
-                  <a:lnTo>
-                    <a:pt x="1568671" y="625910"/>
-                  </a:lnTo>
-                  <a:lnTo>
-                    <a:pt x="1497286" y="596105"/>
-                  </a:lnTo>
-                  <a:lnTo>
-                    <a:pt x="1425901" y="566300"/>
-                  </a:lnTo>
-                  <a:lnTo>
-                    <a:pt x="1354515" y="536495"/>
-                  </a:lnTo>
-                  <a:lnTo>
-                    <a:pt x="1283130" y="506689"/>
-                  </a:lnTo>
-                  <a:lnTo>
-                    <a:pt x="1211745" y="476884"/>
-                  </a:lnTo>
-                  <a:lnTo>
-                    <a:pt x="1140360" y="447079"/>
-                  </a:lnTo>
-                  <a:lnTo>
-                    <a:pt x="1068974" y="417273"/>
-                  </a:lnTo>
-                  <a:lnTo>
-                    <a:pt x="997589" y="387468"/>
-                  </a:lnTo>
-                  <a:lnTo>
-                    <a:pt x="926204" y="357663"/>
-                  </a:lnTo>
-                  <a:lnTo>
-                    <a:pt x="854819" y="327858"/>
-                  </a:lnTo>
-                  <a:lnTo>
-                    <a:pt x="783434" y="298052"/>
-                  </a:lnTo>
-                  <a:lnTo>
-                    <a:pt x="712048" y="268247"/>
-                  </a:lnTo>
-                  <a:lnTo>
-                    <a:pt x="640663" y="238442"/>
-                  </a:lnTo>
-                  <a:lnTo>
-                    <a:pt x="569278" y="208636"/>
-                  </a:lnTo>
-                  <a:lnTo>
-                    <a:pt x="497893" y="178831"/>
-                  </a:lnTo>
-                  <a:lnTo>
-                    <a:pt x="426507" y="149026"/>
-                  </a:lnTo>
-                  <a:lnTo>
-                    <a:pt x="355122" y="119221"/>
-                  </a:lnTo>
-                  <a:lnTo>
-                    <a:pt x="283737" y="89415"/>
-                  </a:lnTo>
-                  <a:lnTo>
-                    <a:pt x="212352" y="59610"/>
-                  </a:lnTo>
-                  <a:lnTo>
-                    <a:pt x="140966" y="29805"/>
-                  </a:lnTo>
-                  <a:lnTo>
-                    <a:pt x="69581" y="0"/>
-                  </a:lnTo>
-                  <a:lnTo>
-                    <a:pt x="32638" y="94428"/>
-                  </a:lnTo>
-                  <a:lnTo>
-                    <a:pt x="0" y="190429"/>
-                  </a:lnTo>
-                  <a:lnTo>
-                    <a:pt x="73784" y="213668"/>
-                  </a:lnTo>
-                  <a:lnTo>
-                    <a:pt x="147569" y="236907"/>
-                  </a:lnTo>
-                  <a:lnTo>
-                    <a:pt x="221353" y="260146"/>
-                  </a:lnTo>
-                  <a:lnTo>
-                    <a:pt x="295138" y="283384"/>
-                  </a:lnTo>
-                  <a:lnTo>
-                    <a:pt x="368922" y="306623"/>
-                  </a:lnTo>
-                  <a:lnTo>
-                    <a:pt x="442707" y="329862"/>
-                  </a:lnTo>
-                  <a:lnTo>
-                    <a:pt x="516492" y="353101"/>
-                  </a:lnTo>
-                  <a:lnTo>
-                    <a:pt x="590276" y="376339"/>
-                  </a:lnTo>
-                  <a:lnTo>
-                    <a:pt x="664061" y="399578"/>
-                  </a:lnTo>
-                  <a:lnTo>
-                    <a:pt x="737845" y="422817"/>
-                  </a:lnTo>
-                  <a:lnTo>
-                    <a:pt x="811630" y="446056"/>
-                  </a:lnTo>
-                  <a:lnTo>
-                    <a:pt x="885415" y="469294"/>
-                  </a:lnTo>
-                  <a:lnTo>
-                    <a:pt x="959199" y="492533"/>
-                  </a:lnTo>
-                  <a:lnTo>
-                    <a:pt x="1032984" y="515772"/>
-                  </a:lnTo>
-                  <a:lnTo>
-                    <a:pt x="1106768" y="539010"/>
-                  </a:lnTo>
-                  <a:lnTo>
-                    <a:pt x="1180553" y="562249"/>
-                  </a:lnTo>
-                  <a:lnTo>
-                    <a:pt x="1254338" y="585488"/>
-                  </a:lnTo>
-                  <a:lnTo>
-                    <a:pt x="1328122" y="608727"/>
-                  </a:lnTo>
-                  <a:lnTo>
-                    <a:pt x="1401907" y="631965"/>
-                  </a:lnTo>
-                  <a:lnTo>
-                    <a:pt x="1475691" y="655204"/>
-                  </a:lnTo>
-                  <a:lnTo>
-                    <a:pt x="1549476" y="678443"/>
-                  </a:lnTo>
-                  <a:lnTo>
-                    <a:pt x="1623261" y="701682"/>
-                  </a:lnTo>
-                  <a:lnTo>
-                    <a:pt x="1697045" y="724920"/>
-                  </a:lnTo>
-                  <a:lnTo>
-                    <a:pt x="1770830" y="748159"/>
-                  </a:lnTo>
-                  <a:lnTo>
-                    <a:pt x="1844614" y="771398"/>
-                  </a:lnTo>
-                  <a:lnTo>
-                    <a:pt x="1918399" y="794637"/>
-                  </a:lnTo>
-                  <a:lnTo>
-                    <a:pt x="1992184" y="817875"/>
-                  </a:lnTo>
-                  <a:lnTo>
-                    <a:pt x="2065968" y="841114"/>
+                    <a:pt x="1850935" y="1217044"/>
+                  </a:lnTo>
+                  <a:lnTo>
+                    <a:pt x="1786943" y="1173578"/>
+                  </a:lnTo>
+                  <a:lnTo>
+                    <a:pt x="1722951" y="1130112"/>
+                  </a:lnTo>
+                  <a:lnTo>
+                    <a:pt x="1658960" y="1086646"/>
+                  </a:lnTo>
+                  <a:lnTo>
+                    <a:pt x="1594968" y="1043180"/>
+                  </a:lnTo>
+                  <a:lnTo>
+                    <a:pt x="1530977" y="999714"/>
+                  </a:lnTo>
+                  <a:lnTo>
+                    <a:pt x="1466985" y="956249"/>
+                  </a:lnTo>
+                  <a:lnTo>
+                    <a:pt x="1402993" y="912783"/>
+                  </a:lnTo>
+                  <a:lnTo>
+                    <a:pt x="1339002" y="869317"/>
+                  </a:lnTo>
+                  <a:lnTo>
+                    <a:pt x="1275010" y="825851"/>
+                  </a:lnTo>
+                  <a:lnTo>
+                    <a:pt x="1211019" y="782385"/>
+                  </a:lnTo>
+                  <a:lnTo>
+                    <a:pt x="1147027" y="738919"/>
+                  </a:lnTo>
+                  <a:lnTo>
+                    <a:pt x="1083035" y="695453"/>
+                  </a:lnTo>
+                  <a:lnTo>
+                    <a:pt x="1019044" y="651987"/>
+                  </a:lnTo>
+                  <a:lnTo>
+                    <a:pt x="955052" y="608522"/>
+                  </a:lnTo>
+                  <a:lnTo>
+                    <a:pt x="891061" y="565056"/>
+                  </a:lnTo>
+                  <a:lnTo>
+                    <a:pt x="827069" y="521590"/>
+                  </a:lnTo>
+                  <a:lnTo>
+                    <a:pt x="763077" y="478124"/>
+                  </a:lnTo>
+                  <a:lnTo>
+                    <a:pt x="699086" y="434658"/>
+                  </a:lnTo>
+                  <a:lnTo>
+                    <a:pt x="635094" y="391192"/>
+                  </a:lnTo>
+                  <a:lnTo>
+                    <a:pt x="571103" y="347726"/>
+                  </a:lnTo>
+                  <a:lnTo>
+                    <a:pt x="507111" y="304261"/>
+                  </a:lnTo>
+                  <a:lnTo>
+                    <a:pt x="443119" y="260795"/>
+                  </a:lnTo>
+                  <a:lnTo>
+                    <a:pt x="379128" y="217329"/>
+                  </a:lnTo>
+                  <a:lnTo>
+                    <a:pt x="315136" y="173863"/>
+                  </a:lnTo>
+                  <a:lnTo>
+                    <a:pt x="251145" y="130397"/>
+                  </a:lnTo>
+                  <a:lnTo>
+                    <a:pt x="187153" y="86931"/>
+                  </a:lnTo>
+                  <a:lnTo>
+                    <a:pt x="123161" y="43465"/>
+                  </a:lnTo>
+                  <a:lnTo>
+                    <a:pt x="59170" y="0"/>
+                  </a:lnTo>
+                  <a:lnTo>
+                    <a:pt x="0" y="91847"/>
+                  </a:lnTo>
+                  <a:lnTo>
+                    <a:pt x="66031" y="132145"/>
+                  </a:lnTo>
+                  <a:lnTo>
+                    <a:pt x="132063" y="172444"/>
+                  </a:lnTo>
+                  <a:lnTo>
+                    <a:pt x="198095" y="212743"/>
+                  </a:lnTo>
+                  <a:lnTo>
+                    <a:pt x="264127" y="253042"/>
+                  </a:lnTo>
+                  <a:lnTo>
+                    <a:pt x="330159" y="293340"/>
+                  </a:lnTo>
+                  <a:lnTo>
+                    <a:pt x="396191" y="333639"/>
+                  </a:lnTo>
+                  <a:lnTo>
+                    <a:pt x="462223" y="373938"/>
+                  </a:lnTo>
+                  <a:lnTo>
+                    <a:pt x="528255" y="414236"/>
+                  </a:lnTo>
+                  <a:lnTo>
+                    <a:pt x="594287" y="454535"/>
+                  </a:lnTo>
+                  <a:lnTo>
+                    <a:pt x="660319" y="494834"/>
+                  </a:lnTo>
+                  <a:lnTo>
+                    <a:pt x="726351" y="535133"/>
+                  </a:lnTo>
+                  <a:lnTo>
+                    <a:pt x="792383" y="575431"/>
+                  </a:lnTo>
+                  <a:lnTo>
+                    <a:pt x="858415" y="615730"/>
+                  </a:lnTo>
+                  <a:lnTo>
+                    <a:pt x="924447" y="656029"/>
+                  </a:lnTo>
+                  <a:lnTo>
+                    <a:pt x="990479" y="696328"/>
+                  </a:lnTo>
+                  <a:lnTo>
+                    <a:pt x="1056511" y="736626"/>
+                  </a:lnTo>
+                  <a:lnTo>
+                    <a:pt x="1122543" y="776925"/>
+                  </a:lnTo>
+                  <a:lnTo>
+                    <a:pt x="1188575" y="817224"/>
+                  </a:lnTo>
+                  <a:lnTo>
+                    <a:pt x="1254607" y="857522"/>
+                  </a:lnTo>
+                  <a:lnTo>
+                    <a:pt x="1320639" y="897821"/>
+                  </a:lnTo>
+                  <a:lnTo>
+                    <a:pt x="1386671" y="938120"/>
+                  </a:lnTo>
+                  <a:lnTo>
+                    <a:pt x="1452702" y="978419"/>
+                  </a:lnTo>
+                  <a:lnTo>
+                    <a:pt x="1518734" y="1018717"/>
+                  </a:lnTo>
+                  <a:lnTo>
+                    <a:pt x="1584766" y="1059016"/>
+                  </a:lnTo>
+                  <a:lnTo>
+                    <a:pt x="1650798" y="1099315"/>
+                  </a:lnTo>
+                  <a:lnTo>
+                    <a:pt x="1716830" y="1139613"/>
+                  </a:lnTo>
+                  <a:lnTo>
+                    <a:pt x="1782862" y="1179912"/>
+                  </a:lnTo>
+                  <a:lnTo>
+                    <a:pt x="1848894" y="1220211"/>
                   </a:lnTo>
                   <a:close/>
                 </a:path>
@@ -4465,240 +4483,231 @@
           </p:nvSpPr>
           <p:spPr>
             <a:xfrm>
-              <a:off x="3526264" y="2275857"/>
-              <a:ext cx="2070171" cy="1921347"/>
+              <a:off x="3740679" y="2165947"/>
+              <a:ext cx="1855756" cy="2031257"/>
             </a:xfrm>
             <a:custGeom>
               <a:avLst/>
               <a:pathLst>
-                <a:path w="2070171" h="1921347">
+                <a:path w="1855756" h="2031257">
                   <a:moveTo>
-                    <a:pt x="2070171" y="1921347"/>
+                    <a:pt x="1855756" y="2031257"/>
                   </a:moveTo>
                   <a:lnTo>
-                    <a:pt x="2030237" y="1855093"/>
-                  </a:lnTo>
-                  <a:lnTo>
-                    <a:pt x="1990304" y="1788840"/>
-                  </a:lnTo>
-                  <a:lnTo>
-                    <a:pt x="1950370" y="1722587"/>
-                  </a:lnTo>
-                  <a:lnTo>
-                    <a:pt x="1910436" y="1656333"/>
-                  </a:lnTo>
-                  <a:lnTo>
-                    <a:pt x="1870503" y="1590080"/>
-                  </a:lnTo>
-                  <a:lnTo>
-                    <a:pt x="1830569" y="1523827"/>
-                  </a:lnTo>
-                  <a:lnTo>
-                    <a:pt x="1790635" y="1457573"/>
-                  </a:lnTo>
-                  <a:lnTo>
-                    <a:pt x="1750702" y="1391320"/>
-                  </a:lnTo>
-                  <a:lnTo>
-                    <a:pt x="1710768" y="1325067"/>
-                  </a:lnTo>
-                  <a:lnTo>
-                    <a:pt x="1670834" y="1258813"/>
-                  </a:lnTo>
-                  <a:lnTo>
-                    <a:pt x="1630901" y="1192560"/>
-                  </a:lnTo>
-                  <a:lnTo>
-                    <a:pt x="1590967" y="1126306"/>
-                  </a:lnTo>
-                  <a:lnTo>
-                    <a:pt x="1551033" y="1060053"/>
-                  </a:lnTo>
-                  <a:lnTo>
-                    <a:pt x="1511100" y="993800"/>
-                  </a:lnTo>
-                  <a:lnTo>
-                    <a:pt x="1471166" y="927546"/>
-                  </a:lnTo>
-                  <a:lnTo>
-                    <a:pt x="1431232" y="861293"/>
-                  </a:lnTo>
-                  <a:lnTo>
-                    <a:pt x="1391299" y="795040"/>
-                  </a:lnTo>
-                  <a:lnTo>
-                    <a:pt x="1351365" y="728786"/>
-                  </a:lnTo>
-                  <a:lnTo>
-                    <a:pt x="1311431" y="662533"/>
-                  </a:lnTo>
-                  <a:lnTo>
-                    <a:pt x="1271497" y="596280"/>
-                  </a:lnTo>
-                  <a:lnTo>
-                    <a:pt x="1231564" y="530026"/>
-                  </a:lnTo>
-                  <a:lnTo>
-                    <a:pt x="1191630" y="463773"/>
-                  </a:lnTo>
-                  <a:lnTo>
-                    <a:pt x="1151696" y="397520"/>
-                  </a:lnTo>
-                  <a:lnTo>
-                    <a:pt x="1111763" y="331266"/>
-                  </a:lnTo>
-                  <a:lnTo>
-                    <a:pt x="1071829" y="265013"/>
-                  </a:lnTo>
-                  <a:lnTo>
-                    <a:pt x="1031895" y="198760"/>
-                  </a:lnTo>
-                  <a:lnTo>
-                    <a:pt x="991962" y="132506"/>
-                  </a:lnTo>
-                  <a:lnTo>
-                    <a:pt x="952028" y="66253"/>
-                  </a:lnTo>
-                  <a:lnTo>
-                    <a:pt x="912094" y="0"/>
-                  </a:lnTo>
-                  <a:lnTo>
-                    <a:pt x="845274" y="41894"/>
-                  </a:lnTo>
-                  <a:lnTo>
-                    <a:pt x="779967" y="86111"/>
-                  </a:lnTo>
-                  <a:lnTo>
-                    <a:pt x="716255" y="132596"/>
-                  </a:lnTo>
-                  <a:lnTo>
-                    <a:pt x="654216" y="181293"/>
-                  </a:lnTo>
-                  <a:lnTo>
-                    <a:pt x="593927" y="232139"/>
-                  </a:lnTo>
-                  <a:lnTo>
-                    <a:pt x="535463" y="285074"/>
-                  </a:lnTo>
-                  <a:lnTo>
-                    <a:pt x="478896" y="340031"/>
-                  </a:lnTo>
-                  <a:lnTo>
-                    <a:pt x="424295" y="396942"/>
-                  </a:lnTo>
-                  <a:lnTo>
-                    <a:pt x="371729" y="455737"/>
-                  </a:lnTo>
-                  <a:lnTo>
-                    <a:pt x="321262" y="516344"/>
-                  </a:lnTo>
-                  <a:lnTo>
-                    <a:pt x="272956" y="578687"/>
-                  </a:lnTo>
-                  <a:lnTo>
-                    <a:pt x="226871" y="642690"/>
-                  </a:lnTo>
-                  <a:lnTo>
-                    <a:pt x="183065" y="708273"/>
-                  </a:lnTo>
-                  <a:lnTo>
-                    <a:pt x="141591" y="775355"/>
-                  </a:lnTo>
-                  <a:lnTo>
-                    <a:pt x="102501" y="843854"/>
-                  </a:lnTo>
-                  <a:lnTo>
-                    <a:pt x="65842" y="913684"/>
-                  </a:lnTo>
-                  <a:lnTo>
-                    <a:pt x="31661" y="984760"/>
-                  </a:lnTo>
-                  <a:lnTo>
-                    <a:pt x="0" y="1056993"/>
-                  </a:lnTo>
-                  <a:lnTo>
-                    <a:pt x="71385" y="1086799"/>
-                  </a:lnTo>
-                  <a:lnTo>
-                    <a:pt x="142770" y="1116604"/>
-                  </a:lnTo>
-                  <a:lnTo>
-                    <a:pt x="214155" y="1146409"/>
-                  </a:lnTo>
-                  <a:lnTo>
-                    <a:pt x="285540" y="1176215"/>
-                  </a:lnTo>
-                  <a:lnTo>
-                    <a:pt x="356926" y="1206020"/>
-                  </a:lnTo>
-                  <a:lnTo>
-                    <a:pt x="428311" y="1235825"/>
-                  </a:lnTo>
-                  <a:lnTo>
-                    <a:pt x="499696" y="1265630"/>
-                  </a:lnTo>
-                  <a:lnTo>
-                    <a:pt x="571081" y="1295436"/>
-                  </a:lnTo>
-                  <a:lnTo>
-                    <a:pt x="642467" y="1325241"/>
-                  </a:lnTo>
-                  <a:lnTo>
-                    <a:pt x="713852" y="1355046"/>
-                  </a:lnTo>
-                  <a:lnTo>
-                    <a:pt x="785237" y="1384852"/>
-                  </a:lnTo>
-                  <a:lnTo>
-                    <a:pt x="856622" y="1414657"/>
-                  </a:lnTo>
-                  <a:lnTo>
-                    <a:pt x="928007" y="1444462"/>
-                  </a:lnTo>
-                  <a:lnTo>
-                    <a:pt x="999393" y="1474267"/>
-                  </a:lnTo>
-                  <a:lnTo>
-                    <a:pt x="1070778" y="1504073"/>
-                  </a:lnTo>
-                  <a:lnTo>
-                    <a:pt x="1142163" y="1533878"/>
-                  </a:lnTo>
-                  <a:lnTo>
-                    <a:pt x="1213548" y="1563683"/>
-                  </a:lnTo>
-                  <a:lnTo>
-                    <a:pt x="1284934" y="1593489"/>
-                  </a:lnTo>
-                  <a:lnTo>
-                    <a:pt x="1356319" y="1623294"/>
-                  </a:lnTo>
-                  <a:lnTo>
-                    <a:pt x="1427704" y="1653099"/>
-                  </a:lnTo>
-                  <a:lnTo>
-                    <a:pt x="1499089" y="1682904"/>
-                  </a:lnTo>
-                  <a:lnTo>
-                    <a:pt x="1570474" y="1712710"/>
-                  </a:lnTo>
-                  <a:lnTo>
-                    <a:pt x="1641860" y="1742515"/>
-                  </a:lnTo>
-                  <a:lnTo>
-                    <a:pt x="1713245" y="1772320"/>
-                  </a:lnTo>
-                  <a:lnTo>
-                    <a:pt x="1784630" y="1802126"/>
-                  </a:lnTo>
-                  <a:lnTo>
-                    <a:pt x="1856015" y="1831931"/>
-                  </a:lnTo>
-                  <a:lnTo>
-                    <a:pt x="1927401" y="1861736"/>
-                  </a:lnTo>
-                  <a:lnTo>
-                    <a:pt x="1998786" y="1891541"/>
+                    <a:pt x="1822921" y="1961213"/>
+                  </a:lnTo>
+                  <a:lnTo>
+                    <a:pt x="1790086" y="1891170"/>
+                  </a:lnTo>
+                  <a:lnTo>
+                    <a:pt x="1757251" y="1821126"/>
+                  </a:lnTo>
+                  <a:lnTo>
+                    <a:pt x="1724416" y="1751083"/>
+                  </a:lnTo>
+                  <a:lnTo>
+                    <a:pt x="1691581" y="1681040"/>
+                  </a:lnTo>
+                  <a:lnTo>
+                    <a:pt x="1658746" y="1610996"/>
+                  </a:lnTo>
+                  <a:lnTo>
+                    <a:pt x="1625911" y="1540953"/>
+                  </a:lnTo>
+                  <a:lnTo>
+                    <a:pt x="1593076" y="1470910"/>
+                  </a:lnTo>
+                  <a:lnTo>
+                    <a:pt x="1560241" y="1400866"/>
+                  </a:lnTo>
+                  <a:lnTo>
+                    <a:pt x="1527406" y="1330823"/>
+                  </a:lnTo>
+                  <a:lnTo>
+                    <a:pt x="1494571" y="1260780"/>
+                  </a:lnTo>
+                  <a:lnTo>
+                    <a:pt x="1461736" y="1190736"/>
+                  </a:lnTo>
+                  <a:lnTo>
+                    <a:pt x="1428901" y="1120693"/>
+                  </a:lnTo>
+                  <a:lnTo>
+                    <a:pt x="1396066" y="1050650"/>
+                  </a:lnTo>
+                  <a:lnTo>
+                    <a:pt x="1363231" y="980606"/>
+                  </a:lnTo>
+                  <a:lnTo>
+                    <a:pt x="1330396" y="910563"/>
+                  </a:lnTo>
+                  <a:lnTo>
+                    <a:pt x="1297561" y="840520"/>
+                  </a:lnTo>
+                  <a:lnTo>
+                    <a:pt x="1264726" y="770476"/>
+                  </a:lnTo>
+                  <a:lnTo>
+                    <a:pt x="1231891" y="700433"/>
+                  </a:lnTo>
+                  <a:lnTo>
+                    <a:pt x="1199056" y="630390"/>
+                  </a:lnTo>
+                  <a:lnTo>
+                    <a:pt x="1166221" y="560346"/>
+                  </a:lnTo>
+                  <a:lnTo>
+                    <a:pt x="1133386" y="490303"/>
+                  </a:lnTo>
+                  <a:lnTo>
+                    <a:pt x="1100551" y="420260"/>
+                  </a:lnTo>
+                  <a:lnTo>
+                    <a:pt x="1067716" y="350216"/>
+                  </a:lnTo>
+                  <a:lnTo>
+                    <a:pt x="1034881" y="280173"/>
+                  </a:lnTo>
+                  <a:lnTo>
+                    <a:pt x="1002046" y="210130"/>
+                  </a:lnTo>
+                  <a:lnTo>
+                    <a:pt x="969212" y="140086"/>
+                  </a:lnTo>
+                  <a:lnTo>
+                    <a:pt x="936377" y="70043"/>
+                  </a:lnTo>
+                  <a:lnTo>
+                    <a:pt x="903542" y="0"/>
+                  </a:lnTo>
+                  <a:lnTo>
+                    <a:pt x="831611" y="35299"/>
+                  </a:lnTo>
+                  <a:lnTo>
+                    <a:pt x="760987" y="73145"/>
+                  </a:lnTo>
+                  <a:lnTo>
+                    <a:pt x="691760" y="113489"/>
+                  </a:lnTo>
+                  <a:lnTo>
+                    <a:pt x="624017" y="156280"/>
+                  </a:lnTo>
+                  <a:lnTo>
+                    <a:pt x="557846" y="201462"/>
+                  </a:lnTo>
+                  <a:lnTo>
+                    <a:pt x="493331" y="248979"/>
+                  </a:lnTo>
+                  <a:lnTo>
+                    <a:pt x="430553" y="298769"/>
+                  </a:lnTo>
+                  <a:lnTo>
+                    <a:pt x="369594" y="350769"/>
+                  </a:lnTo>
+                  <a:lnTo>
+                    <a:pt x="310530" y="404913"/>
+                  </a:lnTo>
+                  <a:lnTo>
+                    <a:pt x="253438" y="461131"/>
+                  </a:lnTo>
+                  <a:lnTo>
+                    <a:pt x="198389" y="519353"/>
+                  </a:lnTo>
+                  <a:lnTo>
+                    <a:pt x="145455" y="579503"/>
+                  </a:lnTo>
+                  <a:lnTo>
+                    <a:pt x="94703" y="641505"/>
+                  </a:lnTo>
+                  <a:lnTo>
+                    <a:pt x="46197" y="705280"/>
+                  </a:lnTo>
+                  <a:lnTo>
+                    <a:pt x="0" y="770746"/>
+                  </a:lnTo>
+                  <a:lnTo>
+                    <a:pt x="63991" y="814212"/>
+                  </a:lnTo>
+                  <a:lnTo>
+                    <a:pt x="127983" y="857678"/>
+                  </a:lnTo>
+                  <a:lnTo>
+                    <a:pt x="191974" y="901144"/>
+                  </a:lnTo>
+                  <a:lnTo>
+                    <a:pt x="255966" y="944610"/>
+                  </a:lnTo>
+                  <a:lnTo>
+                    <a:pt x="319957" y="988076"/>
+                  </a:lnTo>
+                  <a:lnTo>
+                    <a:pt x="383949" y="1031542"/>
+                  </a:lnTo>
+                  <a:lnTo>
+                    <a:pt x="447941" y="1075007"/>
+                  </a:lnTo>
+                  <a:lnTo>
+                    <a:pt x="511932" y="1118473"/>
+                  </a:lnTo>
+                  <a:lnTo>
+                    <a:pt x="575924" y="1161939"/>
+                  </a:lnTo>
+                  <a:lnTo>
+                    <a:pt x="639915" y="1205405"/>
+                  </a:lnTo>
+                  <a:lnTo>
+                    <a:pt x="703907" y="1248871"/>
+                  </a:lnTo>
+                  <a:lnTo>
+                    <a:pt x="767899" y="1292337"/>
+                  </a:lnTo>
+                  <a:lnTo>
+                    <a:pt x="831890" y="1335803"/>
+                  </a:lnTo>
+                  <a:lnTo>
+                    <a:pt x="895882" y="1379269"/>
+                  </a:lnTo>
+                  <a:lnTo>
+                    <a:pt x="959873" y="1422734"/>
+                  </a:lnTo>
+                  <a:lnTo>
+                    <a:pt x="1023865" y="1466200"/>
+                  </a:lnTo>
+                  <a:lnTo>
+                    <a:pt x="1087857" y="1509666"/>
+                  </a:lnTo>
+                  <a:lnTo>
+                    <a:pt x="1151848" y="1553132"/>
+                  </a:lnTo>
+                  <a:lnTo>
+                    <a:pt x="1215840" y="1596598"/>
+                  </a:lnTo>
+                  <a:lnTo>
+                    <a:pt x="1279831" y="1640064"/>
+                  </a:lnTo>
+                  <a:lnTo>
+                    <a:pt x="1343823" y="1683530"/>
+                  </a:lnTo>
+                  <a:lnTo>
+                    <a:pt x="1407815" y="1726995"/>
+                  </a:lnTo>
+                  <a:lnTo>
+                    <a:pt x="1471806" y="1770461"/>
+                  </a:lnTo>
+                  <a:lnTo>
+                    <a:pt x="1535798" y="1813927"/>
+                  </a:lnTo>
+                  <a:lnTo>
+                    <a:pt x="1599789" y="1857393"/>
+                  </a:lnTo>
+                  <a:lnTo>
+                    <a:pt x="1663781" y="1900859"/>
+                  </a:lnTo>
+                  <a:lnTo>
+                    <a:pt x="1727773" y="1944325"/>
+                  </a:lnTo>
+                  <a:lnTo>
+                    <a:pt x="1791764" y="1987791"/>
                   </a:lnTo>
                   <a:close/>
                 </a:path>
@@ -4733,234 +4742,222 @@
           </p:nvSpPr>
           <p:spPr>
             <a:xfrm>
-              <a:off x="4438358" y="1953832"/>
-              <a:ext cx="1158076" cy="2243371"/>
+              <a:off x="4644221" y="1953832"/>
+              <a:ext cx="952214" cy="2243371"/>
             </a:xfrm>
             <a:custGeom>
               <a:avLst/>
               <a:pathLst>
-                <a:path w="1158076" h="2243371">
+                <a:path w="952214" h="2243371">
                   <a:moveTo>
-                    <a:pt x="1158076" y="2243371"/>
+                    <a:pt x="952214" y="2243371"/>
                   </a:moveTo>
                   <a:lnTo>
-                    <a:pt x="1158076" y="2166014"/>
-                  </a:lnTo>
-                  <a:lnTo>
-                    <a:pt x="1158076" y="2088656"/>
-                  </a:lnTo>
-                  <a:lnTo>
-                    <a:pt x="1158076" y="2011298"/>
-                  </a:lnTo>
-                  <a:lnTo>
-                    <a:pt x="1158076" y="1933941"/>
-                  </a:lnTo>
-                  <a:lnTo>
-                    <a:pt x="1158076" y="1856583"/>
-                  </a:lnTo>
-                  <a:lnTo>
-                    <a:pt x="1158076" y="1779225"/>
-                  </a:lnTo>
-                  <a:lnTo>
-                    <a:pt x="1158076" y="1701868"/>
-                  </a:lnTo>
-                  <a:lnTo>
-                    <a:pt x="1158076" y="1624510"/>
-                  </a:lnTo>
-                  <a:lnTo>
-                    <a:pt x="1158076" y="1547152"/>
-                  </a:lnTo>
-                  <a:lnTo>
-                    <a:pt x="1158076" y="1469795"/>
-                  </a:lnTo>
-                  <a:lnTo>
-                    <a:pt x="1158076" y="1392437"/>
-                  </a:lnTo>
-                  <a:lnTo>
-                    <a:pt x="1158076" y="1315080"/>
-                  </a:lnTo>
-                  <a:lnTo>
-                    <a:pt x="1158076" y="1237722"/>
-                  </a:lnTo>
-                  <a:lnTo>
-                    <a:pt x="1158076" y="1160364"/>
-                  </a:lnTo>
-                  <a:lnTo>
-                    <a:pt x="1158076" y="1083007"/>
-                  </a:lnTo>
-                  <a:lnTo>
-                    <a:pt x="1158076" y="1005649"/>
-                  </a:lnTo>
-                  <a:lnTo>
-                    <a:pt x="1158076" y="928291"/>
-                  </a:lnTo>
-                  <a:lnTo>
-                    <a:pt x="1158076" y="850934"/>
-                  </a:lnTo>
-                  <a:lnTo>
-                    <a:pt x="1158076" y="773576"/>
-                  </a:lnTo>
-                  <a:lnTo>
-                    <a:pt x="1158076" y="696218"/>
-                  </a:lnTo>
-                  <a:lnTo>
-                    <a:pt x="1158076" y="618861"/>
-                  </a:lnTo>
-                  <a:lnTo>
-                    <a:pt x="1158076" y="541503"/>
-                  </a:lnTo>
-                  <a:lnTo>
-                    <a:pt x="1158076" y="464145"/>
-                  </a:lnTo>
-                  <a:lnTo>
-                    <a:pt x="1158076" y="386788"/>
-                  </a:lnTo>
-                  <a:lnTo>
-                    <a:pt x="1158076" y="309430"/>
-                  </a:lnTo>
-                  <a:lnTo>
-                    <a:pt x="1158076" y="232072"/>
-                  </a:lnTo>
-                  <a:lnTo>
-                    <a:pt x="1158076" y="154715"/>
-                  </a:lnTo>
-                  <a:lnTo>
-                    <a:pt x="1158076" y="77357"/>
-                  </a:lnTo>
-                  <a:lnTo>
-                    <a:pt x="1158076" y="0"/>
-                  </a:lnTo>
-                  <a:lnTo>
-                    <a:pt x="1082036" y="1289"/>
-                  </a:lnTo>
-                  <a:lnTo>
-                    <a:pt x="1006083" y="5154"/>
-                  </a:lnTo>
-                  <a:lnTo>
-                    <a:pt x="930304" y="11592"/>
-                  </a:lnTo>
-                  <a:lnTo>
-                    <a:pt x="854788" y="20595"/>
-                  </a:lnTo>
-                  <a:lnTo>
-                    <a:pt x="779620" y="32153"/>
-                  </a:lnTo>
-                  <a:lnTo>
-                    <a:pt x="704887" y="46251"/>
-                  </a:lnTo>
-                  <a:lnTo>
-                    <a:pt x="630675" y="62875"/>
-                  </a:lnTo>
-                  <a:lnTo>
-                    <a:pt x="557068" y="82004"/>
-                  </a:lnTo>
-                  <a:lnTo>
-                    <a:pt x="484153" y="103618"/>
-                  </a:lnTo>
-                  <a:lnTo>
-                    <a:pt x="412012" y="127690"/>
-                  </a:lnTo>
-                  <a:lnTo>
-                    <a:pt x="340729" y="154194"/>
-                  </a:lnTo>
-                  <a:lnTo>
-                    <a:pt x="270384" y="183099"/>
-                  </a:lnTo>
-                  <a:lnTo>
-                    <a:pt x="201060" y="214372"/>
-                  </a:lnTo>
-                  <a:lnTo>
-                    <a:pt x="132836" y="247977"/>
-                  </a:lnTo>
-                  <a:lnTo>
-                    <a:pt x="65790" y="283874"/>
-                  </a:lnTo>
-                  <a:lnTo>
-                    <a:pt x="0" y="322024"/>
-                  </a:lnTo>
-                  <a:lnTo>
-                    <a:pt x="39933" y="388277"/>
-                  </a:lnTo>
-                  <a:lnTo>
-                    <a:pt x="79867" y="454531"/>
-                  </a:lnTo>
-                  <a:lnTo>
-                    <a:pt x="119801" y="520784"/>
-                  </a:lnTo>
-                  <a:lnTo>
-                    <a:pt x="159734" y="587037"/>
-                  </a:lnTo>
-                  <a:lnTo>
-                    <a:pt x="199668" y="653291"/>
-                  </a:lnTo>
-                  <a:lnTo>
-                    <a:pt x="239602" y="719544"/>
-                  </a:lnTo>
-                  <a:lnTo>
-                    <a:pt x="279535" y="785798"/>
-                  </a:lnTo>
-                  <a:lnTo>
-                    <a:pt x="319469" y="852051"/>
-                  </a:lnTo>
-                  <a:lnTo>
-                    <a:pt x="359403" y="918304"/>
-                  </a:lnTo>
-                  <a:lnTo>
-                    <a:pt x="399336" y="984558"/>
-                  </a:lnTo>
-                  <a:lnTo>
-                    <a:pt x="439270" y="1050811"/>
-                  </a:lnTo>
-                  <a:lnTo>
-                    <a:pt x="479204" y="1117064"/>
-                  </a:lnTo>
-                  <a:lnTo>
-                    <a:pt x="519137" y="1183318"/>
-                  </a:lnTo>
-                  <a:lnTo>
-                    <a:pt x="559071" y="1249571"/>
-                  </a:lnTo>
-                  <a:lnTo>
-                    <a:pt x="599005" y="1315824"/>
-                  </a:lnTo>
-                  <a:lnTo>
-                    <a:pt x="638938" y="1382078"/>
-                  </a:lnTo>
-                  <a:lnTo>
-                    <a:pt x="678872" y="1448331"/>
-                  </a:lnTo>
-                  <a:lnTo>
-                    <a:pt x="718806" y="1514584"/>
-                  </a:lnTo>
-                  <a:lnTo>
-                    <a:pt x="758739" y="1580838"/>
-                  </a:lnTo>
-                  <a:lnTo>
-                    <a:pt x="798673" y="1647091"/>
-                  </a:lnTo>
-                  <a:lnTo>
-                    <a:pt x="838607" y="1713344"/>
-                  </a:lnTo>
-                  <a:lnTo>
-                    <a:pt x="878540" y="1779598"/>
-                  </a:lnTo>
-                  <a:lnTo>
-                    <a:pt x="918474" y="1845851"/>
-                  </a:lnTo>
-                  <a:lnTo>
-                    <a:pt x="958408" y="1912105"/>
-                  </a:lnTo>
-                  <a:lnTo>
-                    <a:pt x="998342" y="1978358"/>
-                  </a:lnTo>
-                  <a:lnTo>
-                    <a:pt x="1038275" y="2044611"/>
-                  </a:lnTo>
-                  <a:lnTo>
-                    <a:pt x="1078209" y="2110865"/>
-                  </a:lnTo>
-                  <a:lnTo>
-                    <a:pt x="1118143" y="2177118"/>
+                    <a:pt x="952214" y="2166014"/>
+                  </a:lnTo>
+                  <a:lnTo>
+                    <a:pt x="952214" y="2088656"/>
+                  </a:lnTo>
+                  <a:lnTo>
+                    <a:pt x="952214" y="2011298"/>
+                  </a:lnTo>
+                  <a:lnTo>
+                    <a:pt x="952214" y="1933941"/>
+                  </a:lnTo>
+                  <a:lnTo>
+                    <a:pt x="952214" y="1856583"/>
+                  </a:lnTo>
+                  <a:lnTo>
+                    <a:pt x="952214" y="1779225"/>
+                  </a:lnTo>
+                  <a:lnTo>
+                    <a:pt x="952214" y="1701868"/>
+                  </a:lnTo>
+                  <a:lnTo>
+                    <a:pt x="952214" y="1624510"/>
+                  </a:lnTo>
+                  <a:lnTo>
+                    <a:pt x="952214" y="1547152"/>
+                  </a:lnTo>
+                  <a:lnTo>
+                    <a:pt x="952214" y="1469795"/>
+                  </a:lnTo>
+                  <a:lnTo>
+                    <a:pt x="952214" y="1392437"/>
+                  </a:lnTo>
+                  <a:lnTo>
+                    <a:pt x="952214" y="1315080"/>
+                  </a:lnTo>
+                  <a:lnTo>
+                    <a:pt x="952214" y="1237722"/>
+                  </a:lnTo>
+                  <a:lnTo>
+                    <a:pt x="952214" y="1160364"/>
+                  </a:lnTo>
+                  <a:lnTo>
+                    <a:pt x="952214" y="1083007"/>
+                  </a:lnTo>
+                  <a:lnTo>
+                    <a:pt x="952214" y="1005649"/>
+                  </a:lnTo>
+                  <a:lnTo>
+                    <a:pt x="952214" y="928291"/>
+                  </a:lnTo>
+                  <a:lnTo>
+                    <a:pt x="952214" y="850934"/>
+                  </a:lnTo>
+                  <a:lnTo>
+                    <a:pt x="952214" y="773576"/>
+                  </a:lnTo>
+                  <a:lnTo>
+                    <a:pt x="952214" y="696218"/>
+                  </a:lnTo>
+                  <a:lnTo>
+                    <a:pt x="952214" y="618861"/>
+                  </a:lnTo>
+                  <a:lnTo>
+                    <a:pt x="952214" y="541503"/>
+                  </a:lnTo>
+                  <a:lnTo>
+                    <a:pt x="952214" y="464145"/>
+                  </a:lnTo>
+                  <a:lnTo>
+                    <a:pt x="952214" y="386788"/>
+                  </a:lnTo>
+                  <a:lnTo>
+                    <a:pt x="952214" y="309430"/>
+                  </a:lnTo>
+                  <a:lnTo>
+                    <a:pt x="952214" y="232072"/>
+                  </a:lnTo>
+                  <a:lnTo>
+                    <a:pt x="952214" y="154715"/>
+                  </a:lnTo>
+                  <a:lnTo>
+                    <a:pt x="952214" y="77357"/>
+                  </a:lnTo>
+                  <a:lnTo>
+                    <a:pt x="952214" y="0"/>
+                  </a:lnTo>
+                  <a:lnTo>
+                    <a:pt x="870281" y="1496"/>
+                  </a:lnTo>
+                  <a:lnTo>
+                    <a:pt x="788458" y="5984"/>
+                  </a:lnTo>
+                  <a:lnTo>
+                    <a:pt x="706853" y="13458"/>
+                  </a:lnTo>
+                  <a:lnTo>
+                    <a:pt x="625576" y="23906"/>
+                  </a:lnTo>
+                  <a:lnTo>
+                    <a:pt x="544735" y="37316"/>
+                  </a:lnTo>
+                  <a:lnTo>
+                    <a:pt x="464437" y="53670"/>
+                  </a:lnTo>
+                  <a:lnTo>
+                    <a:pt x="384790" y="72946"/>
+                  </a:lnTo>
+                  <a:lnTo>
+                    <a:pt x="305900" y="95117"/>
+                  </a:lnTo>
+                  <a:lnTo>
+                    <a:pt x="227873" y="120155"/>
+                  </a:lnTo>
+                  <a:lnTo>
+                    <a:pt x="150812" y="148026"/>
+                  </a:lnTo>
+                  <a:lnTo>
+                    <a:pt x="74820" y="178693"/>
+                  </a:lnTo>
+                  <a:lnTo>
+                    <a:pt x="0" y="212114"/>
+                  </a:lnTo>
+                  <a:lnTo>
+                    <a:pt x="32834" y="282158"/>
+                  </a:lnTo>
+                  <a:lnTo>
+                    <a:pt x="65669" y="352201"/>
+                  </a:lnTo>
+                  <a:lnTo>
+                    <a:pt x="98504" y="422244"/>
+                  </a:lnTo>
+                  <a:lnTo>
+                    <a:pt x="131339" y="492288"/>
+                  </a:lnTo>
+                  <a:lnTo>
+                    <a:pt x="164174" y="562331"/>
+                  </a:lnTo>
+                  <a:lnTo>
+                    <a:pt x="197009" y="632374"/>
+                  </a:lnTo>
+                  <a:lnTo>
+                    <a:pt x="229844" y="702418"/>
+                  </a:lnTo>
+                  <a:lnTo>
+                    <a:pt x="262679" y="772461"/>
+                  </a:lnTo>
+                  <a:lnTo>
+                    <a:pt x="295514" y="842504"/>
+                  </a:lnTo>
+                  <a:lnTo>
+                    <a:pt x="328349" y="912548"/>
+                  </a:lnTo>
+                  <a:lnTo>
+                    <a:pt x="361184" y="982591"/>
+                  </a:lnTo>
+                  <a:lnTo>
+                    <a:pt x="394019" y="1052634"/>
+                  </a:lnTo>
+                  <a:lnTo>
+                    <a:pt x="426854" y="1122678"/>
+                  </a:lnTo>
+                  <a:lnTo>
+                    <a:pt x="459689" y="1192721"/>
+                  </a:lnTo>
+                  <a:lnTo>
+                    <a:pt x="492524" y="1262764"/>
+                  </a:lnTo>
+                  <a:lnTo>
+                    <a:pt x="525359" y="1332808"/>
+                  </a:lnTo>
+                  <a:lnTo>
+                    <a:pt x="558194" y="1402851"/>
+                  </a:lnTo>
+                  <a:lnTo>
+                    <a:pt x="591029" y="1472894"/>
+                  </a:lnTo>
+                  <a:lnTo>
+                    <a:pt x="623864" y="1542938"/>
+                  </a:lnTo>
+                  <a:lnTo>
+                    <a:pt x="656699" y="1612981"/>
+                  </a:lnTo>
+                  <a:lnTo>
+                    <a:pt x="689534" y="1683025"/>
+                  </a:lnTo>
+                  <a:lnTo>
+                    <a:pt x="722369" y="1753068"/>
+                  </a:lnTo>
+                  <a:lnTo>
+                    <a:pt x="755204" y="1823111"/>
+                  </a:lnTo>
+                  <a:lnTo>
+                    <a:pt x="788039" y="1893155"/>
+                  </a:lnTo>
+                  <a:lnTo>
+                    <a:pt x="820874" y="1963198"/>
+                  </a:lnTo>
+                  <a:lnTo>
+                    <a:pt x="853709" y="2033241"/>
+                  </a:lnTo>
+                  <a:lnTo>
+                    <a:pt x="886544" y="2103285"/>
+                  </a:lnTo>
+                  <a:lnTo>
+                    <a:pt x="919379" y="2173328"/>
                   </a:lnTo>
                   <a:close/>
                 </a:path>
@@ -4995,18 +4992,18 @@
           </p:nvSpPr>
           <p:spPr>
             <a:xfrm>
-              <a:off x="5304724" y="2948830"/>
-              <a:ext cx="125476" cy="156709"/>
+              <a:off x="5360811" y="2842320"/>
+              <a:ext cx="180507" cy="248649"/>
             </a:xfrm>
             <a:custGeom>
               <a:avLst/>
               <a:pathLst>
-                <a:path w="125476" h="156709">
+                <a:path w="180507" h="248649">
                   <a:moveTo>
-                    <a:pt x="125476" y="0"/>
+                    <a:pt x="180507" y="0"/>
                   </a:moveTo>
                   <a:lnTo>
-                    <a:pt x="0" y="156709"/>
+                    <a:pt x="0" y="248649"/>
                   </a:lnTo>
                 </a:path>
               </a:pathLst>
@@ -5035,7 +5032,7 @@
           </p:nvSpPr>
           <p:spPr>
             <a:xfrm>
-              <a:off x="5183381" y="5158647"/>
+              <a:off x="5655777" y="4645466"/>
               <a:ext cx="1566579" cy="157737"/>
             </a:xfrm>
             <a:prstGeom prst="rect">
@@ -5081,7 +5078,7 @@
           </p:nvSpPr>
           <p:spPr>
             <a:xfrm>
-              <a:off x="5478477" y="5465030"/>
+              <a:off x="5950874" y="4951850"/>
               <a:ext cx="976386" cy="163560"/>
             </a:xfrm>
             <a:prstGeom prst="rect">
@@ -5114,7 +5111,7 @@
                   <a:latin typeface="Arial"/>
                   <a:cs typeface="Arial"/>
                 </a:rPr>
-                <a:t> 79.856 %</a:t>
+                <a:t> 83.721 %</a:t>
               </a:r>
             </a:p>
           </p:txBody>
@@ -5127,7 +5124,7 @@
           </p:nvSpPr>
           <p:spPr>
             <a:xfrm>
-              <a:off x="3230896" y="3869612"/>
+              <a:off x="3342377" y="3646374"/>
               <a:ext cx="2036510" cy="157737"/>
             </a:xfrm>
             <a:prstGeom prst="rect">
@@ -5173,7 +5170,7 @@
           </p:nvSpPr>
           <p:spPr>
             <a:xfrm>
-              <a:off x="3821248" y="4175996"/>
+              <a:off x="3932729" y="3952758"/>
               <a:ext cx="855806" cy="163560"/>
             </a:xfrm>
             <a:prstGeom prst="rect">
@@ -5206,7 +5203,7 @@
                   <a:latin typeface="Arial"/>
                   <a:cs typeface="Arial"/>
                 </a:rPr>
-                <a:t> 1.439 %</a:t>
+                <a:t> 0.775 %</a:t>
               </a:r>
             </a:p>
           </p:txBody>
@@ -5219,7 +5216,7 @@
           </p:nvSpPr>
           <p:spPr>
             <a:xfrm>
-              <a:off x="4359470" y="2972868"/>
+              <a:off x="4465634" y="2867094"/>
               <a:ext cx="1205158" cy="198283"/>
             </a:xfrm>
             <a:prstGeom prst="rect">
@@ -5265,8 +5262,8 @@
           </p:nvSpPr>
           <p:spPr>
             <a:xfrm>
-              <a:off x="4473857" y="3319798"/>
-              <a:ext cx="976386" cy="163560"/>
+              <a:off x="4640310" y="3214024"/>
+              <a:ext cx="855806" cy="163560"/>
             </a:xfrm>
             <a:prstGeom prst="rect">
               <a:avLst/>
@@ -5298,7 +5295,7 @@
                   <a:latin typeface="Arial"/>
                   <a:cs typeface="Arial"/>
                 </a:rPr>
-                <a:t> 10.072 %</a:t>
+                <a:t> 8.527 %</a:t>
               </a:r>
             </a:p>
           </p:txBody>
@@ -5311,7 +5308,7 @@
           </p:nvSpPr>
           <p:spPr>
             <a:xfrm>
-              <a:off x="4784992" y="2412939"/>
+              <a:off x="4891959" y="2306429"/>
               <a:ext cx="1470136" cy="200824"/>
             </a:xfrm>
             <a:prstGeom prst="rect">
@@ -5357,7 +5354,7 @@
           </p:nvSpPr>
           <p:spPr>
             <a:xfrm>
-              <a:off x="5092157" y="2762410"/>
+              <a:off x="5199124" y="2655900"/>
               <a:ext cx="855806" cy="163560"/>
             </a:xfrm>
             <a:prstGeom prst="rect">
@@ -5390,7 +5387,7 @@
                   <a:latin typeface="Arial"/>
                   <a:cs typeface="Arial"/>
                 </a:rPr>
-                <a:t> 8.633 %</a:t>
+                <a:t> 6.977 %</a:t>
               </a:r>
             </a:p>
           </p:txBody>

--- a/Images/Figures_PPT/SARPieWithOutRaptor.pptx
+++ b/Images/Figures_PPT/SARPieWithOutRaptor.pptx
@@ -4992,18 +4992,18 @@
           </p:nvSpPr>
           <p:spPr>
             <a:xfrm>
-              <a:off x="5360811" y="2842320"/>
-              <a:ext cx="180507" cy="248649"/>
+              <a:off x="5360816" y="2843026"/>
+              <a:ext cx="180153" cy="247946"/>
             </a:xfrm>
             <a:custGeom>
               <a:avLst/>
               <a:pathLst>
-                <a:path w="180507" h="248649">
+                <a:path w="180153" h="247946">
                   <a:moveTo>
-                    <a:pt x="180507" y="0"/>
+                    <a:pt x="180153" y="0"/>
                   </a:moveTo>
                   <a:lnTo>
-                    <a:pt x="0" y="248649"/>
+                    <a:pt x="0" y="247946"/>
                   </a:lnTo>
                 </a:path>
               </a:pathLst>
@@ -5032,7 +5032,7 @@
           </p:nvSpPr>
           <p:spPr>
             <a:xfrm>
-              <a:off x="5655777" y="4645466"/>
+              <a:off x="5069655" y="5231607"/>
               <a:ext cx="1566579" cy="157737"/>
             </a:xfrm>
             <a:prstGeom prst="rect">
@@ -5078,7 +5078,7 @@
           </p:nvSpPr>
           <p:spPr>
             <a:xfrm>
-              <a:off x="5950874" y="4951850"/>
+              <a:off x="5364751" y="5537991"/>
               <a:ext cx="976386" cy="163560"/>
             </a:xfrm>
             <a:prstGeom prst="rect">
@@ -5124,7 +5124,7 @@
           </p:nvSpPr>
           <p:spPr>
             <a:xfrm>
-              <a:off x="3342377" y="3646374"/>
+              <a:off x="3342638" y="3645964"/>
               <a:ext cx="2036510" cy="157737"/>
             </a:xfrm>
             <a:prstGeom prst="rect">
@@ -5170,7 +5170,7 @@
           </p:nvSpPr>
           <p:spPr>
             <a:xfrm>
-              <a:off x="3932729" y="3952758"/>
+              <a:off x="3932990" y="3952348"/>
               <a:ext cx="855806" cy="163560"/>
             </a:xfrm>
             <a:prstGeom prst="rect">
@@ -5216,7 +5216,7 @@
           </p:nvSpPr>
           <p:spPr>
             <a:xfrm>
-              <a:off x="4465634" y="2867094"/>
+              <a:off x="4466092" y="2866749"/>
               <a:ext cx="1205158" cy="198283"/>
             </a:xfrm>
             <a:prstGeom prst="rect">
@@ -5262,7 +5262,7 @@
           </p:nvSpPr>
           <p:spPr>
             <a:xfrm>
-              <a:off x="4640310" y="3214024"/>
+              <a:off x="4640768" y="3213678"/>
               <a:ext cx="855806" cy="163560"/>
             </a:xfrm>
             <a:prstGeom prst="rect">
@@ -5308,7 +5308,7 @@
           </p:nvSpPr>
           <p:spPr>
             <a:xfrm>
-              <a:off x="4891959" y="2306429"/>
+              <a:off x="4891714" y="2307135"/>
               <a:ext cx="1470136" cy="200824"/>
             </a:xfrm>
             <a:prstGeom prst="rect">
@@ -5354,7 +5354,7 @@
           </p:nvSpPr>
           <p:spPr>
             <a:xfrm>
-              <a:off x="5199124" y="2655900"/>
+              <a:off x="5198879" y="2656606"/>
               <a:ext cx="855806" cy="163560"/>
             </a:xfrm>
             <a:prstGeom prst="rect">

--- a/Images/Figures_PPT/SARPieWithOutRaptor.pptx
+++ b/Images/Figures_PPT/SARPieWithOutRaptor.pptx
@@ -4992,18 +4992,18 @@
           </p:nvSpPr>
           <p:spPr>
             <a:xfrm>
-              <a:off x="5360816" y="2843026"/>
-              <a:ext cx="180153" cy="247946"/>
+              <a:off x="5360815" y="2842999"/>
+              <a:ext cx="180156" cy="247973"/>
             </a:xfrm>
             <a:custGeom>
               <a:avLst/>
               <a:pathLst>
-                <a:path w="180153" h="247946">
+                <a:path w="180156" h="247973">
                   <a:moveTo>
-                    <a:pt x="180153" y="0"/>
+                    <a:pt x="180156" y="0"/>
                   </a:moveTo>
                   <a:lnTo>
-                    <a:pt x="0" y="247946"/>
+                    <a:pt x="0" y="247973"/>
                   </a:lnTo>
                 </a:path>
               </a:pathLst>
@@ -5032,7 +5032,7 @@
           </p:nvSpPr>
           <p:spPr>
             <a:xfrm>
-              <a:off x="5069655" y="5231607"/>
+              <a:off x="5069146" y="5232099"/>
               <a:ext cx="1566579" cy="157737"/>
             </a:xfrm>
             <a:prstGeom prst="rect">
@@ -5078,7 +5078,7 @@
           </p:nvSpPr>
           <p:spPr>
             <a:xfrm>
-              <a:off x="5364751" y="5537991"/>
+              <a:off x="5364242" y="5538483"/>
               <a:ext cx="976386" cy="163560"/>
             </a:xfrm>
             <a:prstGeom prst="rect">
@@ -5124,7 +5124,7 @@
           </p:nvSpPr>
           <p:spPr>
             <a:xfrm>
-              <a:off x="3342638" y="3645964"/>
+              <a:off x="3342357" y="3646388"/>
               <a:ext cx="2036510" cy="157737"/>
             </a:xfrm>
             <a:prstGeom prst="rect">
@@ -5170,7 +5170,7 @@
           </p:nvSpPr>
           <p:spPr>
             <a:xfrm>
-              <a:off x="3932990" y="3952348"/>
+              <a:off x="3932709" y="3952772"/>
               <a:ext cx="855806" cy="163560"/>
             </a:xfrm>
             <a:prstGeom prst="rect">
@@ -5216,7 +5216,7 @@
           </p:nvSpPr>
           <p:spPr>
             <a:xfrm>
-              <a:off x="4466092" y="2866749"/>
+              <a:off x="4466044" y="2866719"/>
               <a:ext cx="1205158" cy="198283"/>
             </a:xfrm>
             <a:prstGeom prst="rect">
@@ -5262,7 +5262,7 @@
           </p:nvSpPr>
           <p:spPr>
             <a:xfrm>
-              <a:off x="4640768" y="3213678"/>
+              <a:off x="4640720" y="3213649"/>
               <a:ext cx="855806" cy="163560"/>
             </a:xfrm>
             <a:prstGeom prst="rect">
@@ -5308,7 +5308,7 @@
           </p:nvSpPr>
           <p:spPr>
             <a:xfrm>
-              <a:off x="4891714" y="2307135"/>
+              <a:off x="4891690" y="2307108"/>
               <a:ext cx="1470136" cy="200824"/>
             </a:xfrm>
             <a:prstGeom prst="rect">
@@ -5354,7 +5354,7 @@
           </p:nvSpPr>
           <p:spPr>
             <a:xfrm>
-              <a:off x="5198879" y="2656606"/>
+              <a:off x="5198855" y="2656579"/>
               <a:ext cx="855806" cy="163560"/>
             </a:xfrm>
             <a:prstGeom prst="rect">

--- a/Images/Figures_PPT/SARPieWithOutRaptor.pptx
+++ b/Images/Figures_PPT/SARPieWithOutRaptor.pptx
@@ -4986,53 +4986,13 @@
         </p:sp>
         <p:sp>
           <p:nvSpPr>
-            <p:cNvPr id="27" name="pl26"/>
+            <p:cNvPr id="27" name="tx26"/>
             <p:cNvSpPr/>
             <p:nvPr/>
           </p:nvSpPr>
           <p:spPr>
             <a:xfrm>
-              <a:off x="5360815" y="2842999"/>
-              <a:ext cx="180156" cy="247973"/>
-            </a:xfrm>
-            <a:custGeom>
-              <a:avLst/>
-              <a:pathLst>
-                <a:path w="180156" h="247973">
-                  <a:moveTo>
-                    <a:pt x="180156" y="0"/>
-                  </a:moveTo>
-                  <a:lnTo>
-                    <a:pt x="0" y="247973"/>
-                  </a:lnTo>
-                </a:path>
-              </a:pathLst>
-            </a:custGeom>
-            <a:ln w="13550" cap="rnd">
-              <a:solidFill>
-                <a:srgbClr val="000000">
-                  <a:alpha val="100000"/>
-                </a:srgbClr>
-              </a:solidFill>
-              <a:prstDash val="solid"/>
-              <a:round/>
-            </a:ln>
-          </p:spPr>
-          <p:txBody>
-            <a:bodyPr/>
-            <a:lstStyle/>
-            <a:p/>
-          </p:txBody>
-        </p:sp>
-        <p:sp>
-          <p:nvSpPr>
-            <p:cNvPr id="28" name="tx27"/>
-            <p:cNvSpPr/>
-            <p:nvPr/>
-          </p:nvSpPr>
-          <p:spPr>
-            <a:xfrm>
-              <a:off x="5069146" y="5232099"/>
+              <a:off x="5654588" y="4646635"/>
               <a:ext cx="1566579" cy="157737"/>
             </a:xfrm>
             <a:prstGeom prst="rect">
@@ -5072,13 +5032,13 @@
         </p:sp>
         <p:sp>
           <p:nvSpPr>
-            <p:cNvPr id="29" name="tx28"/>
+            <p:cNvPr id="28" name="tx27"/>
             <p:cNvSpPr/>
             <p:nvPr/>
           </p:nvSpPr>
           <p:spPr>
             <a:xfrm>
-              <a:off x="5364242" y="5538483"/>
+              <a:off x="5949684" y="4953019"/>
               <a:ext cx="976386" cy="163560"/>
             </a:xfrm>
             <a:prstGeom prst="rect">
@@ -5118,13 +5078,13 @@
         </p:sp>
         <p:sp>
           <p:nvSpPr>
-            <p:cNvPr id="30" name="tx29"/>
+            <p:cNvPr id="29" name="tx28"/>
             <p:cNvSpPr/>
             <p:nvPr/>
           </p:nvSpPr>
           <p:spPr>
             <a:xfrm>
-              <a:off x="3342357" y="3646388"/>
+              <a:off x="3342365" y="3646385"/>
               <a:ext cx="2036510" cy="157737"/>
             </a:xfrm>
             <a:prstGeom prst="rect">
@@ -5164,13 +5124,13 @@
         </p:sp>
         <p:sp>
           <p:nvSpPr>
-            <p:cNvPr id="31" name="tx30"/>
+            <p:cNvPr id="30" name="tx29"/>
             <p:cNvSpPr/>
             <p:nvPr/>
           </p:nvSpPr>
           <p:spPr>
             <a:xfrm>
-              <a:off x="3932709" y="3952772"/>
+              <a:off x="3932717" y="3952769"/>
               <a:ext cx="855806" cy="163560"/>
             </a:xfrm>
             <a:prstGeom prst="rect">
@@ -5210,13 +5170,13 @@
         </p:sp>
         <p:sp>
           <p:nvSpPr>
-            <p:cNvPr id="32" name="tx31"/>
+            <p:cNvPr id="31" name="tx30"/>
             <p:cNvSpPr/>
             <p:nvPr/>
           </p:nvSpPr>
           <p:spPr>
             <a:xfrm>
-              <a:off x="4466044" y="2866719"/>
+              <a:off x="3613394" y="2774394"/>
               <a:ext cx="1205158" cy="198283"/>
             </a:xfrm>
             <a:prstGeom prst="rect">
@@ -5256,13 +5216,13 @@
         </p:sp>
         <p:sp>
           <p:nvSpPr>
-            <p:cNvPr id="33" name="tx32"/>
+            <p:cNvPr id="32" name="tx31"/>
             <p:cNvSpPr/>
             <p:nvPr/>
           </p:nvSpPr>
           <p:spPr>
             <a:xfrm>
-              <a:off x="4640720" y="3213649"/>
+              <a:off x="3788070" y="3121323"/>
               <a:ext cx="855806" cy="163560"/>
             </a:xfrm>
             <a:prstGeom prst="rect">
@@ -5302,13 +5262,13 @@
         </p:sp>
         <p:sp>
           <p:nvSpPr>
-            <p:cNvPr id="34" name="tx33"/>
+            <p:cNvPr id="33" name="tx32"/>
             <p:cNvSpPr/>
             <p:nvPr/>
           </p:nvSpPr>
           <p:spPr>
             <a:xfrm>
-              <a:off x="4891690" y="2307108"/>
+              <a:off x="4910871" y="2529713"/>
               <a:ext cx="1470136" cy="200824"/>
             </a:xfrm>
             <a:prstGeom prst="rect">
@@ -5348,13 +5308,13 @@
         </p:sp>
         <p:sp>
           <p:nvSpPr>
-            <p:cNvPr id="35" name="tx34"/>
+            <p:cNvPr id="34" name="tx33"/>
             <p:cNvSpPr/>
             <p:nvPr/>
           </p:nvSpPr>
           <p:spPr>
             <a:xfrm>
-              <a:off x="5198855" y="2656579"/>
+              <a:off x="5218036" y="2879184"/>
               <a:ext cx="855806" cy="163560"/>
             </a:xfrm>
             <a:prstGeom prst="rect">
@@ -5394,7 +5354,7 @@
         </p:sp>
         <p:sp>
           <p:nvSpPr>
-            <p:cNvPr id="36" name="tx35"/>
+            <p:cNvPr id="35" name="tx34"/>
             <p:cNvSpPr/>
             <p:nvPr/>
           </p:nvSpPr>
@@ -5440,7 +5400,7 @@
         </p:sp>
         <p:sp>
           <p:nvSpPr>
-            <p:cNvPr id="37" name="tx36"/>
+            <p:cNvPr id="36" name="tx35"/>
             <p:cNvSpPr/>
             <p:nvPr/>
           </p:nvSpPr>
@@ -5486,7 +5446,7 @@
         </p:sp>
         <p:sp>
           <p:nvSpPr>
-            <p:cNvPr id="38" name="tx37"/>
+            <p:cNvPr id="37" name="tx36"/>
             <p:cNvSpPr/>
             <p:nvPr/>
           </p:nvSpPr>
@@ -5532,7 +5492,7 @@
         </p:sp>
         <p:sp>
           <p:nvSpPr>
-            <p:cNvPr id="39" name="tx38"/>
+            <p:cNvPr id="38" name="tx37"/>
             <p:cNvSpPr/>
             <p:nvPr/>
           </p:nvSpPr>
@@ -5578,7 +5538,7 @@
         </p:sp>
         <p:sp>
           <p:nvSpPr>
-            <p:cNvPr id="40" name="rc39"/>
+            <p:cNvPr id="39" name="rc38"/>
             <p:cNvSpPr/>
             <p:nvPr/>
           </p:nvSpPr>
@@ -5608,7 +5568,7 @@
         </p:sp>
         <p:sp>
           <p:nvSpPr>
-            <p:cNvPr id="41" name="pl40"/>
+            <p:cNvPr id="40" name="pl39"/>
             <p:cNvSpPr/>
             <p:nvPr/>
           </p:nvSpPr>
@@ -5648,7 +5608,7 @@
         </p:sp>
         <p:sp>
           <p:nvSpPr>
-            <p:cNvPr id="42" name="tx41"/>
+            <p:cNvPr id="41" name="tx40"/>
             <p:cNvSpPr/>
             <p:nvPr/>
           </p:nvSpPr>
@@ -5694,7 +5654,7 @@
         </p:sp>
         <p:sp>
           <p:nvSpPr>
-            <p:cNvPr id="43" name="tx42"/>
+            <p:cNvPr id="42" name="tx41"/>
             <p:cNvSpPr/>
             <p:nvPr/>
           </p:nvSpPr>
@@ -5740,7 +5700,7 @@
         </p:sp>
         <p:sp>
           <p:nvSpPr>
-            <p:cNvPr id="44" name="tx43"/>
+            <p:cNvPr id="43" name="tx42"/>
             <p:cNvSpPr/>
             <p:nvPr/>
           </p:nvSpPr>
@@ -5786,7 +5746,7 @@
         </p:sp>
         <p:sp>
           <p:nvSpPr>
-            <p:cNvPr id="45" name="tx44"/>
+            <p:cNvPr id="44" name="tx43"/>
             <p:cNvSpPr/>
             <p:nvPr/>
           </p:nvSpPr>

--- a/Images/Figures_PPT/SARPieWithOutRaptor.pptx
+++ b/Images/Figures_PPT/SARPieWithOutRaptor.pptx
@@ -4986,13 +4986,53 @@
         </p:sp>
         <p:sp>
           <p:nvSpPr>
-            <p:cNvPr id="27" name="tx26"/>
+            <p:cNvPr id="27" name="pl26"/>
             <p:cNvSpPr/>
             <p:nvPr/>
           </p:nvSpPr>
           <p:spPr>
             <a:xfrm>
-              <a:off x="5654588" y="4646635"/>
+              <a:off x="5360811" y="2841168"/>
+              <a:ext cx="181328" cy="249801"/>
+            </a:xfrm>
+            <a:custGeom>
+              <a:avLst/>
+              <a:pathLst>
+                <a:path w="181328" h="249801">
+                  <a:moveTo>
+                    <a:pt x="181328" y="0"/>
+                  </a:moveTo>
+                  <a:lnTo>
+                    <a:pt x="0" y="249801"/>
+                  </a:lnTo>
+                </a:path>
+              </a:pathLst>
+            </a:custGeom>
+            <a:ln w="13550" cap="rnd">
+              <a:solidFill>
+                <a:srgbClr val="000000">
+                  <a:alpha val="100000"/>
+                </a:srgbClr>
+              </a:solidFill>
+              <a:prstDash val="solid"/>
+              <a:round/>
+            </a:ln>
+          </p:spPr>
+          <p:txBody>
+            <a:bodyPr/>
+            <a:lstStyle/>
+            <a:p/>
+          </p:txBody>
+        </p:sp>
+        <p:sp>
+          <p:nvSpPr>
+            <p:cNvPr id="28" name="tx27"/>
+            <p:cNvSpPr/>
+            <p:nvPr/>
+          </p:nvSpPr>
+          <p:spPr>
+            <a:xfrm>
+              <a:off x="5069184" y="5232240"/>
               <a:ext cx="1566579" cy="157737"/>
             </a:xfrm>
             <a:prstGeom prst="rect">
@@ -5032,13 +5072,13 @@
         </p:sp>
         <p:sp>
           <p:nvSpPr>
-            <p:cNvPr id="28" name="tx27"/>
+            <p:cNvPr id="29" name="tx28"/>
             <p:cNvSpPr/>
             <p:nvPr/>
           </p:nvSpPr>
           <p:spPr>
             <a:xfrm>
-              <a:off x="5949684" y="4953019"/>
+              <a:off x="5364281" y="5538624"/>
               <a:ext cx="976386" cy="163560"/>
             </a:xfrm>
             <a:prstGeom prst="rect">
@@ -5078,13 +5118,13 @@
         </p:sp>
         <p:sp>
           <p:nvSpPr>
-            <p:cNvPr id="29" name="tx28"/>
+            <p:cNvPr id="30" name="tx29"/>
             <p:cNvSpPr/>
             <p:nvPr/>
           </p:nvSpPr>
           <p:spPr>
             <a:xfrm>
-              <a:off x="3342365" y="3646385"/>
+              <a:off x="3342351" y="3646411"/>
               <a:ext cx="2036510" cy="157737"/>
             </a:xfrm>
             <a:prstGeom prst="rect">
@@ -5124,13 +5164,13 @@
         </p:sp>
         <p:sp>
           <p:nvSpPr>
-            <p:cNvPr id="30" name="tx29"/>
+            <p:cNvPr id="31" name="tx30"/>
             <p:cNvSpPr/>
             <p:nvPr/>
           </p:nvSpPr>
           <p:spPr>
             <a:xfrm>
-              <a:off x="3932717" y="3952769"/>
+              <a:off x="3932703" y="3952795"/>
               <a:ext cx="855806" cy="163560"/>
             </a:xfrm>
             <a:prstGeom prst="rect">
@@ -5170,13 +5210,13 @@
         </p:sp>
         <p:sp>
           <p:nvSpPr>
-            <p:cNvPr id="31" name="tx30"/>
+            <p:cNvPr id="32" name="tx31"/>
             <p:cNvSpPr/>
             <p:nvPr/>
           </p:nvSpPr>
           <p:spPr>
             <a:xfrm>
-              <a:off x="3613394" y="2774394"/>
+              <a:off x="4467336" y="2865686"/>
               <a:ext cx="1205158" cy="198283"/>
             </a:xfrm>
             <a:prstGeom prst="rect">
@@ -5216,13 +5256,13 @@
         </p:sp>
         <p:sp>
           <p:nvSpPr>
-            <p:cNvPr id="32" name="tx31"/>
+            <p:cNvPr id="33" name="tx32"/>
             <p:cNvSpPr/>
             <p:nvPr/>
           </p:nvSpPr>
           <p:spPr>
             <a:xfrm>
-              <a:off x="3788070" y="3121323"/>
+              <a:off x="4642012" y="3212616"/>
               <a:ext cx="855806" cy="163560"/>
             </a:xfrm>
             <a:prstGeom prst="rect">
@@ -5262,13 +5302,13 @@
         </p:sp>
         <p:sp>
           <p:nvSpPr>
-            <p:cNvPr id="33" name="tx32"/>
+            <p:cNvPr id="34" name="tx33"/>
             <p:cNvSpPr/>
             <p:nvPr/>
           </p:nvSpPr>
           <p:spPr>
             <a:xfrm>
-              <a:off x="4910871" y="2529713"/>
+              <a:off x="4893125" y="2305277"/>
               <a:ext cx="1470136" cy="200824"/>
             </a:xfrm>
             <a:prstGeom prst="rect">
@@ -5308,13 +5348,13 @@
         </p:sp>
         <p:sp>
           <p:nvSpPr>
-            <p:cNvPr id="34" name="tx33"/>
+            <p:cNvPr id="35" name="tx34"/>
             <p:cNvSpPr/>
             <p:nvPr/>
           </p:nvSpPr>
           <p:spPr>
             <a:xfrm>
-              <a:off x="5218036" y="2879184"/>
+              <a:off x="5200291" y="2654748"/>
               <a:ext cx="855806" cy="163560"/>
             </a:xfrm>
             <a:prstGeom prst="rect">
@@ -5354,7 +5394,7 @@
         </p:sp>
         <p:sp>
           <p:nvSpPr>
-            <p:cNvPr id="35" name="tx34"/>
+            <p:cNvPr id="36" name="tx35"/>
             <p:cNvSpPr/>
             <p:nvPr/>
           </p:nvSpPr>
@@ -5400,7 +5440,7 @@
         </p:sp>
         <p:sp>
           <p:nvSpPr>
-            <p:cNvPr id="36" name="tx35"/>
+            <p:cNvPr id="37" name="tx36"/>
             <p:cNvSpPr/>
             <p:nvPr/>
           </p:nvSpPr>
@@ -5446,7 +5486,7 @@
         </p:sp>
         <p:sp>
           <p:nvSpPr>
-            <p:cNvPr id="37" name="tx36"/>
+            <p:cNvPr id="38" name="tx37"/>
             <p:cNvSpPr/>
             <p:nvPr/>
           </p:nvSpPr>
@@ -5492,7 +5532,7 @@
         </p:sp>
         <p:sp>
           <p:nvSpPr>
-            <p:cNvPr id="38" name="tx37"/>
+            <p:cNvPr id="39" name="tx38"/>
             <p:cNvSpPr/>
             <p:nvPr/>
           </p:nvSpPr>
@@ -5538,7 +5578,7 @@
         </p:sp>
         <p:sp>
           <p:nvSpPr>
-            <p:cNvPr id="39" name="rc38"/>
+            <p:cNvPr id="40" name="rc39"/>
             <p:cNvSpPr/>
             <p:nvPr/>
           </p:nvSpPr>
@@ -5568,7 +5608,7 @@
         </p:sp>
         <p:sp>
           <p:nvSpPr>
-            <p:cNvPr id="40" name="pl39"/>
+            <p:cNvPr id="41" name="pl40"/>
             <p:cNvSpPr/>
             <p:nvPr/>
           </p:nvSpPr>
@@ -5608,7 +5648,7 @@
         </p:sp>
         <p:sp>
           <p:nvSpPr>
-            <p:cNvPr id="41" name="tx40"/>
+            <p:cNvPr id="42" name="tx41"/>
             <p:cNvSpPr/>
             <p:nvPr/>
           </p:nvSpPr>
@@ -5654,7 +5694,7 @@
         </p:sp>
         <p:sp>
           <p:nvSpPr>
-            <p:cNvPr id="42" name="tx41"/>
+            <p:cNvPr id="43" name="tx42"/>
             <p:cNvSpPr/>
             <p:nvPr/>
           </p:nvSpPr>
@@ -5700,7 +5740,7 @@
         </p:sp>
         <p:sp>
           <p:nvSpPr>
-            <p:cNvPr id="43" name="tx42"/>
+            <p:cNvPr id="44" name="tx43"/>
             <p:cNvSpPr/>
             <p:nvPr/>
           </p:nvSpPr>
@@ -5746,7 +5786,7 @@
         </p:sp>
         <p:sp>
           <p:nvSpPr>
-            <p:cNvPr id="44" name="tx43"/>
+            <p:cNvPr id="45" name="tx44"/>
             <p:cNvSpPr/>
             <p:nvPr/>
           </p:nvSpPr>
